--- a/youtube_template.pptx
+++ b/youtube_template.pptx
@@ -3888,9 +3888,14 @@
           <a:lstStyle/>
           <a:p>
             <a:r>
+              <a:rPr lang="en-US" dirty="0"/>
+              <a:t>Major Trending YouTube Videos </a:t>
+            </a:r>
+            <a:r>
               <a:rPr lang="en-US"/>
-              <a:t>YouTube PowerPoint Template Slide</a:t>
+              <a:t>by Country</a:t>
             </a:r>
+            <a:endParaRPr lang="en-US" dirty="0"/>
           </a:p>
         </p:txBody>
       </p:sp>
@@ -4195,8 +4200,8 @@
         </p:nvSpPr>
         <p:spPr>
           <a:xfrm>
-            <a:off x="7132725" y="1736109"/>
-            <a:ext cx="3275833" cy="707886"/>
+            <a:off x="7708589" y="1736109"/>
+            <a:ext cx="2124108" cy="707886"/>
           </a:xfrm>
           <a:prstGeom prst="rect">
             <a:avLst/>
@@ -4215,7 +4220,7 @@
                   <a:schemeClr val="bg1"/>
                 </a:solidFill>
               </a:rPr>
-              <a:t>Lorem Ipsum</a:t>
+              <a:t>Group 2</a:t>
             </a:r>
           </a:p>
         </p:txBody>

--- a/youtube_template.pptx
+++ b/youtube_template.pptx
@@ -7,10 +7,16 @@
     <p:sldMasterId id="2147483692" r:id="rId3"/>
   </p:sldMasterIdLst>
   <p:notesMasterIdLst>
-    <p:notesMasterId r:id="rId5"/>
+    <p:notesMasterId r:id="rId11"/>
   </p:notesMasterIdLst>
   <p:sldIdLst>
     <p:sldId id="362" r:id="rId4"/>
+    <p:sldId id="363" r:id="rId5"/>
+    <p:sldId id="364" r:id="rId6"/>
+    <p:sldId id="365" r:id="rId7"/>
+    <p:sldId id="366" r:id="rId8"/>
+    <p:sldId id="367" r:id="rId9"/>
+    <p:sldId id="368" r:id="rId10"/>
   </p:sldIdLst>
   <p:sldSz cx="12192000" cy="6858000"/>
   <p:notesSz cx="6858000" cy="9144000"/>
@@ -563,6 +569,576 @@
     <p:extLst>
       <p:ext uri="{BB962C8B-B14F-4D97-AF65-F5344CB8AC3E}">
         <p14:creationId xmlns:p14="http://schemas.microsoft.com/office/powerpoint/2010/main" val="2922699258"/>
+      </p:ext>
+    </p:extLst>
+  </p:cSld>
+  <p:clrMapOvr>
+    <a:masterClrMapping/>
+  </p:clrMapOvr>
+</p:notes>
+</file>
+
+<file path=ppt/notesSlides/notesSlide2.xml><?xml version="1.0" encoding="utf-8"?>
+<p:notes xmlns:a="http://schemas.openxmlformats.org/drawingml/2006/main" xmlns:r="http://schemas.openxmlformats.org/officeDocument/2006/relationships" xmlns:p="http://schemas.openxmlformats.org/presentationml/2006/main">
+  <p:cSld>
+    <p:spTree>
+      <p:nvGrpSpPr>
+        <p:cNvPr id="1" name=""/>
+        <p:cNvGrpSpPr/>
+        <p:nvPr/>
+      </p:nvGrpSpPr>
+      <p:grpSpPr>
+        <a:xfrm>
+          <a:off x="0" y="0"/>
+          <a:ext cx="0" cy="0"/>
+          <a:chOff x="0" y="0"/>
+          <a:chExt cx="0" cy="0"/>
+        </a:xfrm>
+      </p:grpSpPr>
+      <p:sp>
+        <p:nvSpPr>
+          <p:cNvPr id="2" name="Slide Image Placeholder 1"/>
+          <p:cNvSpPr>
+            <a:spLocks noGrp="1" noRot="1" noChangeAspect="1"/>
+          </p:cNvSpPr>
+          <p:nvPr>
+            <p:ph type="sldImg"/>
+          </p:nvPr>
+        </p:nvSpPr>
+        <p:spPr/>
+      </p:sp>
+      <p:sp>
+        <p:nvSpPr>
+          <p:cNvPr id="3" name="Notes Placeholder 2"/>
+          <p:cNvSpPr>
+            <a:spLocks noGrp="1"/>
+          </p:cNvSpPr>
+          <p:nvPr>
+            <p:ph type="body" idx="1"/>
+          </p:nvPr>
+        </p:nvSpPr>
+        <p:spPr/>
+        <p:txBody>
+          <a:bodyPr/>
+          <a:lstStyle/>
+          <a:p>
+            <a:r>
+              <a:rPr lang="en-US"/>
+              <a:t>© Copyright </a:t>
+            </a:r>
+            <a:r>
+              <a:rPr lang="en-US" b="1"/>
+              <a:t>PresentationGO.com</a:t>
+            </a:r>
+            <a:r>
+              <a:rPr lang="en-US"/>
+              <a:t> – The free PowerPoint template library</a:t>
+            </a:r>
+          </a:p>
+        </p:txBody>
+      </p:sp>
+      <p:sp>
+        <p:nvSpPr>
+          <p:cNvPr id="4" name="Slide Number Placeholder 3"/>
+          <p:cNvSpPr>
+            <a:spLocks noGrp="1"/>
+          </p:cNvSpPr>
+          <p:nvPr>
+            <p:ph type="sldNum" sz="quarter" idx="10"/>
+          </p:nvPr>
+        </p:nvSpPr>
+        <p:spPr/>
+        <p:txBody>
+          <a:bodyPr/>
+          <a:lstStyle/>
+          <a:p>
+            <a:fld id="{B68D2766-C49B-4C1A-9FEE-6F146754B02B}" type="slidenum">
+              <a:rPr lang="en-US" smtClean="0"/>
+              <a:t>2</a:t>
+            </a:fld>
+            <a:endParaRPr lang="en-US"/>
+          </a:p>
+        </p:txBody>
+      </p:sp>
+    </p:spTree>
+    <p:extLst>
+      <p:ext uri="{BB962C8B-B14F-4D97-AF65-F5344CB8AC3E}">
+        <p14:creationId xmlns:p14="http://schemas.microsoft.com/office/powerpoint/2010/main" val="1485276396"/>
+      </p:ext>
+    </p:extLst>
+  </p:cSld>
+  <p:clrMapOvr>
+    <a:masterClrMapping/>
+  </p:clrMapOvr>
+</p:notes>
+</file>
+
+<file path=ppt/notesSlides/notesSlide3.xml><?xml version="1.0" encoding="utf-8"?>
+<p:notes xmlns:a="http://schemas.openxmlformats.org/drawingml/2006/main" xmlns:r="http://schemas.openxmlformats.org/officeDocument/2006/relationships" xmlns:p="http://schemas.openxmlformats.org/presentationml/2006/main">
+  <p:cSld>
+    <p:spTree>
+      <p:nvGrpSpPr>
+        <p:cNvPr id="1" name=""/>
+        <p:cNvGrpSpPr/>
+        <p:nvPr/>
+      </p:nvGrpSpPr>
+      <p:grpSpPr>
+        <a:xfrm>
+          <a:off x="0" y="0"/>
+          <a:ext cx="0" cy="0"/>
+          <a:chOff x="0" y="0"/>
+          <a:chExt cx="0" cy="0"/>
+        </a:xfrm>
+      </p:grpSpPr>
+      <p:sp>
+        <p:nvSpPr>
+          <p:cNvPr id="2" name="Slide Image Placeholder 1"/>
+          <p:cNvSpPr>
+            <a:spLocks noGrp="1" noRot="1" noChangeAspect="1"/>
+          </p:cNvSpPr>
+          <p:nvPr>
+            <p:ph type="sldImg"/>
+          </p:nvPr>
+        </p:nvSpPr>
+        <p:spPr/>
+      </p:sp>
+      <p:sp>
+        <p:nvSpPr>
+          <p:cNvPr id="3" name="Notes Placeholder 2"/>
+          <p:cNvSpPr>
+            <a:spLocks noGrp="1"/>
+          </p:cNvSpPr>
+          <p:nvPr>
+            <p:ph type="body" idx="1"/>
+          </p:nvPr>
+        </p:nvSpPr>
+        <p:spPr/>
+        <p:txBody>
+          <a:bodyPr/>
+          <a:lstStyle/>
+          <a:p>
+            <a:r>
+              <a:rPr lang="en-US"/>
+              <a:t>© Copyright </a:t>
+            </a:r>
+            <a:r>
+              <a:rPr lang="en-US" b="1"/>
+              <a:t>PresentationGO.com</a:t>
+            </a:r>
+            <a:r>
+              <a:rPr lang="en-US"/>
+              <a:t> – The free PowerPoint template library</a:t>
+            </a:r>
+          </a:p>
+        </p:txBody>
+      </p:sp>
+      <p:sp>
+        <p:nvSpPr>
+          <p:cNvPr id="4" name="Slide Number Placeholder 3"/>
+          <p:cNvSpPr>
+            <a:spLocks noGrp="1"/>
+          </p:cNvSpPr>
+          <p:nvPr>
+            <p:ph type="sldNum" sz="quarter" idx="10"/>
+          </p:nvPr>
+        </p:nvSpPr>
+        <p:spPr/>
+        <p:txBody>
+          <a:bodyPr/>
+          <a:lstStyle/>
+          <a:p>
+            <a:fld id="{B68D2766-C49B-4C1A-9FEE-6F146754B02B}" type="slidenum">
+              <a:rPr lang="en-US" smtClean="0"/>
+              <a:t>3</a:t>
+            </a:fld>
+            <a:endParaRPr lang="en-US"/>
+          </a:p>
+        </p:txBody>
+      </p:sp>
+    </p:spTree>
+    <p:extLst>
+      <p:ext uri="{BB962C8B-B14F-4D97-AF65-F5344CB8AC3E}">
+        <p14:creationId xmlns:p14="http://schemas.microsoft.com/office/powerpoint/2010/main" val="3946358845"/>
+      </p:ext>
+    </p:extLst>
+  </p:cSld>
+  <p:clrMapOvr>
+    <a:masterClrMapping/>
+  </p:clrMapOvr>
+</p:notes>
+</file>
+
+<file path=ppt/notesSlides/notesSlide4.xml><?xml version="1.0" encoding="utf-8"?>
+<p:notes xmlns:a="http://schemas.openxmlformats.org/drawingml/2006/main" xmlns:r="http://schemas.openxmlformats.org/officeDocument/2006/relationships" xmlns:p="http://schemas.openxmlformats.org/presentationml/2006/main">
+  <p:cSld>
+    <p:spTree>
+      <p:nvGrpSpPr>
+        <p:cNvPr id="1" name=""/>
+        <p:cNvGrpSpPr/>
+        <p:nvPr/>
+      </p:nvGrpSpPr>
+      <p:grpSpPr>
+        <a:xfrm>
+          <a:off x="0" y="0"/>
+          <a:ext cx="0" cy="0"/>
+          <a:chOff x="0" y="0"/>
+          <a:chExt cx="0" cy="0"/>
+        </a:xfrm>
+      </p:grpSpPr>
+      <p:sp>
+        <p:nvSpPr>
+          <p:cNvPr id="2" name="Slide Image Placeholder 1"/>
+          <p:cNvSpPr>
+            <a:spLocks noGrp="1" noRot="1" noChangeAspect="1"/>
+          </p:cNvSpPr>
+          <p:nvPr>
+            <p:ph type="sldImg"/>
+          </p:nvPr>
+        </p:nvSpPr>
+        <p:spPr/>
+      </p:sp>
+      <p:sp>
+        <p:nvSpPr>
+          <p:cNvPr id="3" name="Notes Placeholder 2"/>
+          <p:cNvSpPr>
+            <a:spLocks noGrp="1"/>
+          </p:cNvSpPr>
+          <p:nvPr>
+            <p:ph type="body" idx="1"/>
+          </p:nvPr>
+        </p:nvSpPr>
+        <p:spPr/>
+        <p:txBody>
+          <a:bodyPr/>
+          <a:lstStyle/>
+          <a:p>
+            <a:r>
+              <a:rPr lang="en-US"/>
+              <a:t>© Copyright </a:t>
+            </a:r>
+            <a:r>
+              <a:rPr lang="en-US" b="1"/>
+              <a:t>PresentationGO.com</a:t>
+            </a:r>
+            <a:r>
+              <a:rPr lang="en-US"/>
+              <a:t> – The free PowerPoint template library</a:t>
+            </a:r>
+          </a:p>
+        </p:txBody>
+      </p:sp>
+      <p:sp>
+        <p:nvSpPr>
+          <p:cNvPr id="4" name="Slide Number Placeholder 3"/>
+          <p:cNvSpPr>
+            <a:spLocks noGrp="1"/>
+          </p:cNvSpPr>
+          <p:nvPr>
+            <p:ph type="sldNum" sz="quarter" idx="10"/>
+          </p:nvPr>
+        </p:nvSpPr>
+        <p:spPr/>
+        <p:txBody>
+          <a:bodyPr/>
+          <a:lstStyle/>
+          <a:p>
+            <a:fld id="{B68D2766-C49B-4C1A-9FEE-6F146754B02B}" type="slidenum">
+              <a:rPr lang="en-US" smtClean="0"/>
+              <a:t>4</a:t>
+            </a:fld>
+            <a:endParaRPr lang="en-US"/>
+          </a:p>
+        </p:txBody>
+      </p:sp>
+    </p:spTree>
+    <p:extLst>
+      <p:ext uri="{BB962C8B-B14F-4D97-AF65-F5344CB8AC3E}">
+        <p14:creationId xmlns:p14="http://schemas.microsoft.com/office/powerpoint/2010/main" val="3961006232"/>
+      </p:ext>
+    </p:extLst>
+  </p:cSld>
+  <p:clrMapOvr>
+    <a:masterClrMapping/>
+  </p:clrMapOvr>
+</p:notes>
+</file>
+
+<file path=ppt/notesSlides/notesSlide5.xml><?xml version="1.0" encoding="utf-8"?>
+<p:notes xmlns:a="http://schemas.openxmlformats.org/drawingml/2006/main" xmlns:r="http://schemas.openxmlformats.org/officeDocument/2006/relationships" xmlns:p="http://schemas.openxmlformats.org/presentationml/2006/main">
+  <p:cSld>
+    <p:spTree>
+      <p:nvGrpSpPr>
+        <p:cNvPr id="1" name=""/>
+        <p:cNvGrpSpPr/>
+        <p:nvPr/>
+      </p:nvGrpSpPr>
+      <p:grpSpPr>
+        <a:xfrm>
+          <a:off x="0" y="0"/>
+          <a:ext cx="0" cy="0"/>
+          <a:chOff x="0" y="0"/>
+          <a:chExt cx="0" cy="0"/>
+        </a:xfrm>
+      </p:grpSpPr>
+      <p:sp>
+        <p:nvSpPr>
+          <p:cNvPr id="2" name="Slide Image Placeholder 1"/>
+          <p:cNvSpPr>
+            <a:spLocks noGrp="1" noRot="1" noChangeAspect="1"/>
+          </p:cNvSpPr>
+          <p:nvPr>
+            <p:ph type="sldImg"/>
+          </p:nvPr>
+        </p:nvSpPr>
+        <p:spPr/>
+      </p:sp>
+      <p:sp>
+        <p:nvSpPr>
+          <p:cNvPr id="3" name="Notes Placeholder 2"/>
+          <p:cNvSpPr>
+            <a:spLocks noGrp="1"/>
+          </p:cNvSpPr>
+          <p:nvPr>
+            <p:ph type="body" idx="1"/>
+          </p:nvPr>
+        </p:nvSpPr>
+        <p:spPr/>
+        <p:txBody>
+          <a:bodyPr/>
+          <a:lstStyle/>
+          <a:p>
+            <a:r>
+              <a:rPr lang="en-US"/>
+              <a:t>© Copyright </a:t>
+            </a:r>
+            <a:r>
+              <a:rPr lang="en-US" b="1"/>
+              <a:t>PresentationGO.com</a:t>
+            </a:r>
+            <a:r>
+              <a:rPr lang="en-US"/>
+              <a:t> – The free PowerPoint template library</a:t>
+            </a:r>
+          </a:p>
+        </p:txBody>
+      </p:sp>
+      <p:sp>
+        <p:nvSpPr>
+          <p:cNvPr id="4" name="Slide Number Placeholder 3"/>
+          <p:cNvSpPr>
+            <a:spLocks noGrp="1"/>
+          </p:cNvSpPr>
+          <p:nvPr>
+            <p:ph type="sldNum" sz="quarter" idx="10"/>
+          </p:nvPr>
+        </p:nvSpPr>
+        <p:spPr/>
+        <p:txBody>
+          <a:bodyPr/>
+          <a:lstStyle/>
+          <a:p>
+            <a:fld id="{B68D2766-C49B-4C1A-9FEE-6F146754B02B}" type="slidenum">
+              <a:rPr lang="en-US" smtClean="0"/>
+              <a:t>5</a:t>
+            </a:fld>
+            <a:endParaRPr lang="en-US"/>
+          </a:p>
+        </p:txBody>
+      </p:sp>
+    </p:spTree>
+    <p:extLst>
+      <p:ext uri="{BB962C8B-B14F-4D97-AF65-F5344CB8AC3E}">
+        <p14:creationId xmlns:p14="http://schemas.microsoft.com/office/powerpoint/2010/main" val="1780310955"/>
+      </p:ext>
+    </p:extLst>
+  </p:cSld>
+  <p:clrMapOvr>
+    <a:masterClrMapping/>
+  </p:clrMapOvr>
+</p:notes>
+</file>
+
+<file path=ppt/notesSlides/notesSlide6.xml><?xml version="1.0" encoding="utf-8"?>
+<p:notes xmlns:a="http://schemas.openxmlformats.org/drawingml/2006/main" xmlns:r="http://schemas.openxmlformats.org/officeDocument/2006/relationships" xmlns:p="http://schemas.openxmlformats.org/presentationml/2006/main">
+  <p:cSld>
+    <p:spTree>
+      <p:nvGrpSpPr>
+        <p:cNvPr id="1" name=""/>
+        <p:cNvGrpSpPr/>
+        <p:nvPr/>
+      </p:nvGrpSpPr>
+      <p:grpSpPr>
+        <a:xfrm>
+          <a:off x="0" y="0"/>
+          <a:ext cx="0" cy="0"/>
+          <a:chOff x="0" y="0"/>
+          <a:chExt cx="0" cy="0"/>
+        </a:xfrm>
+      </p:grpSpPr>
+      <p:sp>
+        <p:nvSpPr>
+          <p:cNvPr id="2" name="Slide Image Placeholder 1"/>
+          <p:cNvSpPr>
+            <a:spLocks noGrp="1" noRot="1" noChangeAspect="1"/>
+          </p:cNvSpPr>
+          <p:nvPr>
+            <p:ph type="sldImg"/>
+          </p:nvPr>
+        </p:nvSpPr>
+        <p:spPr/>
+      </p:sp>
+      <p:sp>
+        <p:nvSpPr>
+          <p:cNvPr id="3" name="Notes Placeholder 2"/>
+          <p:cNvSpPr>
+            <a:spLocks noGrp="1"/>
+          </p:cNvSpPr>
+          <p:nvPr>
+            <p:ph type="body" idx="1"/>
+          </p:nvPr>
+        </p:nvSpPr>
+        <p:spPr/>
+        <p:txBody>
+          <a:bodyPr/>
+          <a:lstStyle/>
+          <a:p>
+            <a:r>
+              <a:rPr lang="en-US"/>
+              <a:t>© Copyright </a:t>
+            </a:r>
+            <a:r>
+              <a:rPr lang="en-US" b="1"/>
+              <a:t>PresentationGO.com</a:t>
+            </a:r>
+            <a:r>
+              <a:rPr lang="en-US"/>
+              <a:t> – The free PowerPoint template library</a:t>
+            </a:r>
+          </a:p>
+        </p:txBody>
+      </p:sp>
+      <p:sp>
+        <p:nvSpPr>
+          <p:cNvPr id="4" name="Slide Number Placeholder 3"/>
+          <p:cNvSpPr>
+            <a:spLocks noGrp="1"/>
+          </p:cNvSpPr>
+          <p:nvPr>
+            <p:ph type="sldNum" sz="quarter" idx="10"/>
+          </p:nvPr>
+        </p:nvSpPr>
+        <p:spPr/>
+        <p:txBody>
+          <a:bodyPr/>
+          <a:lstStyle/>
+          <a:p>
+            <a:fld id="{B68D2766-C49B-4C1A-9FEE-6F146754B02B}" type="slidenum">
+              <a:rPr lang="en-US" smtClean="0"/>
+              <a:t>6</a:t>
+            </a:fld>
+            <a:endParaRPr lang="en-US"/>
+          </a:p>
+        </p:txBody>
+      </p:sp>
+    </p:spTree>
+    <p:extLst>
+      <p:ext uri="{BB962C8B-B14F-4D97-AF65-F5344CB8AC3E}">
+        <p14:creationId xmlns:p14="http://schemas.microsoft.com/office/powerpoint/2010/main" val="2744952928"/>
+      </p:ext>
+    </p:extLst>
+  </p:cSld>
+  <p:clrMapOvr>
+    <a:masterClrMapping/>
+  </p:clrMapOvr>
+</p:notes>
+</file>
+
+<file path=ppt/notesSlides/notesSlide7.xml><?xml version="1.0" encoding="utf-8"?>
+<p:notes xmlns:a="http://schemas.openxmlformats.org/drawingml/2006/main" xmlns:r="http://schemas.openxmlformats.org/officeDocument/2006/relationships" xmlns:p="http://schemas.openxmlformats.org/presentationml/2006/main">
+  <p:cSld>
+    <p:spTree>
+      <p:nvGrpSpPr>
+        <p:cNvPr id="1" name=""/>
+        <p:cNvGrpSpPr/>
+        <p:nvPr/>
+      </p:nvGrpSpPr>
+      <p:grpSpPr>
+        <a:xfrm>
+          <a:off x="0" y="0"/>
+          <a:ext cx="0" cy="0"/>
+          <a:chOff x="0" y="0"/>
+          <a:chExt cx="0" cy="0"/>
+        </a:xfrm>
+      </p:grpSpPr>
+      <p:sp>
+        <p:nvSpPr>
+          <p:cNvPr id="2" name="Slide Image Placeholder 1"/>
+          <p:cNvSpPr>
+            <a:spLocks noGrp="1" noRot="1" noChangeAspect="1"/>
+          </p:cNvSpPr>
+          <p:nvPr>
+            <p:ph type="sldImg"/>
+          </p:nvPr>
+        </p:nvSpPr>
+        <p:spPr/>
+      </p:sp>
+      <p:sp>
+        <p:nvSpPr>
+          <p:cNvPr id="3" name="Notes Placeholder 2"/>
+          <p:cNvSpPr>
+            <a:spLocks noGrp="1"/>
+          </p:cNvSpPr>
+          <p:nvPr>
+            <p:ph type="body" idx="1"/>
+          </p:nvPr>
+        </p:nvSpPr>
+        <p:spPr/>
+        <p:txBody>
+          <a:bodyPr/>
+          <a:lstStyle/>
+          <a:p>
+            <a:r>
+              <a:rPr lang="en-US"/>
+              <a:t>© Copyright </a:t>
+            </a:r>
+            <a:r>
+              <a:rPr lang="en-US" b="1"/>
+              <a:t>PresentationGO.com</a:t>
+            </a:r>
+            <a:r>
+              <a:rPr lang="en-US"/>
+              <a:t> – The free PowerPoint template library</a:t>
+            </a:r>
+          </a:p>
+        </p:txBody>
+      </p:sp>
+      <p:sp>
+        <p:nvSpPr>
+          <p:cNvPr id="4" name="Slide Number Placeholder 3"/>
+          <p:cNvSpPr>
+            <a:spLocks noGrp="1"/>
+          </p:cNvSpPr>
+          <p:nvPr>
+            <p:ph type="sldNum" sz="quarter" idx="10"/>
+          </p:nvPr>
+        </p:nvSpPr>
+        <p:spPr/>
+        <p:txBody>
+          <a:bodyPr/>
+          <a:lstStyle/>
+          <a:p>
+            <a:fld id="{B68D2766-C49B-4C1A-9FEE-6F146754B02B}" type="slidenum">
+              <a:rPr lang="en-US" smtClean="0"/>
+              <a:t>7</a:t>
+            </a:fld>
+            <a:endParaRPr lang="en-US"/>
+          </a:p>
+        </p:txBody>
+      </p:sp>
+    </p:spTree>
+    <p:extLst>
+      <p:ext uri="{BB962C8B-B14F-4D97-AF65-F5344CB8AC3E}">
+        <p14:creationId xmlns:p14="http://schemas.microsoft.com/office/powerpoint/2010/main" val="351796263"/>
       </p:ext>
     </p:extLst>
   </p:cSld>
@@ -4544,6 +5120,4728 @@
     <p:extLst>
       <p:ext uri="{BB962C8B-B14F-4D97-AF65-F5344CB8AC3E}">
         <p14:creationId xmlns:p14="http://schemas.microsoft.com/office/powerpoint/2010/main" val="3376889879"/>
+      </p:ext>
+    </p:extLst>
+  </p:cSld>
+  <p:clrMapOvr>
+    <a:masterClrMapping/>
+  </p:clrMapOvr>
+</p:sld>
+</file>
+
+<file path=ppt/slides/slide2.xml><?xml version="1.0" encoding="utf-8"?>
+<p:sld xmlns:a="http://schemas.openxmlformats.org/drawingml/2006/main" xmlns:r="http://schemas.openxmlformats.org/officeDocument/2006/relationships" xmlns:p="http://schemas.openxmlformats.org/presentationml/2006/main">
+  <p:cSld>
+    <p:spTree>
+      <p:nvGrpSpPr>
+        <p:cNvPr id="1" name=""/>
+        <p:cNvGrpSpPr/>
+        <p:nvPr/>
+      </p:nvGrpSpPr>
+      <p:grpSpPr>
+        <a:xfrm>
+          <a:off x="0" y="0"/>
+          <a:ext cx="0" cy="0"/>
+          <a:chOff x="0" y="0"/>
+          <a:chExt cx="0" cy="0"/>
+        </a:xfrm>
+      </p:grpSpPr>
+      <p:sp>
+        <p:nvSpPr>
+          <p:cNvPr id="19" name="Rectangle 18">
+            <a:extLst>
+              <a:ext uri="{FF2B5EF4-FFF2-40B4-BE49-F238E27FC236}">
+                <a16:creationId xmlns:a16="http://schemas.microsoft.com/office/drawing/2014/main" id="{92282DD0-6D87-41CE-ABF1-AB17DC013D70}"/>
+              </a:ext>
+            </a:extLst>
+          </p:cNvPr>
+          <p:cNvSpPr/>
+          <p:nvPr/>
+        </p:nvSpPr>
+        <p:spPr>
+          <a:xfrm>
+            <a:off x="0" y="6305911"/>
+            <a:ext cx="12192000" cy="552091"/>
+          </a:xfrm>
+          <a:prstGeom prst="rect">
+            <a:avLst/>
+          </a:prstGeom>
+          <a:solidFill>
+            <a:schemeClr val="bg1"/>
+          </a:solidFill>
+          <a:ln>
+            <a:noFill/>
+          </a:ln>
+        </p:spPr>
+        <p:style>
+          <a:lnRef idx="2">
+            <a:schemeClr val="accent1">
+              <a:shade val="50000"/>
+            </a:schemeClr>
+          </a:lnRef>
+          <a:fillRef idx="1">
+            <a:schemeClr val="accent1"/>
+          </a:fillRef>
+          <a:effectRef idx="0">
+            <a:schemeClr val="accent1"/>
+          </a:effectRef>
+          <a:fontRef idx="minor">
+            <a:schemeClr val="lt1"/>
+          </a:fontRef>
+        </p:style>
+        <p:txBody>
+          <a:bodyPr rIns="1097280" bIns="91440" rtlCol="0" anchor="ctr"/>
+          <a:lstStyle/>
+          <a:p>
+            <a:pPr marL="0" marR="0" lvl="0" indent="0" algn="r" defTabSz="914400" rtl="0" eaLnBrk="1" fontAlgn="auto" latinLnBrk="0" hangingPunct="1">
+              <a:lnSpc>
+                <a:spcPct val="100000"/>
+              </a:lnSpc>
+              <a:spcBef>
+                <a:spcPts val="0"/>
+              </a:spcBef>
+              <a:spcAft>
+                <a:spcPts val="0"/>
+              </a:spcAft>
+              <a:buClrTx/>
+              <a:buSzTx/>
+              <a:buFontTx/>
+              <a:buNone/>
+              <a:tabLst/>
+              <a:defRPr/>
+            </a:pPr>
+            <a:endParaRPr kumimoji="0" lang="en-US" sz="3200" b="0" i="0" u="none" strike="noStrike" kern="1200" cap="none" spc="150" normalizeH="0" baseline="0" noProof="0" dirty="0">
+              <a:ln>
+                <a:noFill/>
+              </a:ln>
+              <a:solidFill>
+                <a:prstClr val="white">
+                  <a:lumMod val="75000"/>
+                </a:prstClr>
+              </a:solidFill>
+              <a:effectLst/>
+              <a:uLnTx/>
+              <a:uFillTx/>
+              <a:latin typeface="+mn-lt"/>
+              <a:ea typeface="+mn-ea"/>
+              <a:cs typeface="+mn-cs"/>
+            </a:endParaRPr>
+          </a:p>
+        </p:txBody>
+      </p:sp>
+      <p:sp>
+        <p:nvSpPr>
+          <p:cNvPr id="2" name="Title 1">
+            <a:extLst>
+              <a:ext uri="{FF2B5EF4-FFF2-40B4-BE49-F238E27FC236}">
+                <a16:creationId xmlns:a16="http://schemas.microsoft.com/office/drawing/2014/main" id="{33101823-B7E8-4F9B-B03F-29FC1BF88595}"/>
+              </a:ext>
+            </a:extLst>
+          </p:cNvPr>
+          <p:cNvSpPr>
+            <a:spLocks noGrp="1"/>
+          </p:cNvSpPr>
+          <p:nvPr>
+            <p:ph type="title"/>
+          </p:nvPr>
+        </p:nvSpPr>
+        <p:spPr/>
+        <p:txBody>
+          <a:bodyPr/>
+          <a:lstStyle/>
+          <a:p>
+            <a:r>
+              <a:rPr lang="en-US" dirty="0"/>
+              <a:t>Major Trending YouTube Videos </a:t>
+            </a:r>
+            <a:r>
+              <a:rPr lang="en-US"/>
+              <a:t>by Country</a:t>
+            </a:r>
+            <a:endParaRPr lang="en-US" dirty="0"/>
+          </a:p>
+        </p:txBody>
+      </p:sp>
+      <p:sp>
+        <p:nvSpPr>
+          <p:cNvPr id="5" name="Rectangle: Rounded Corners 4">
+            <a:extLst>
+              <a:ext uri="{FF2B5EF4-FFF2-40B4-BE49-F238E27FC236}">
+                <a16:creationId xmlns:a16="http://schemas.microsoft.com/office/drawing/2014/main" id="{138442F2-CC48-4259-A360-1539111AD1DD}"/>
+              </a:ext>
+            </a:extLst>
+          </p:cNvPr>
+          <p:cNvSpPr/>
+          <p:nvPr/>
+        </p:nvSpPr>
+        <p:spPr>
+          <a:xfrm>
+            <a:off x="5902750" y="4690081"/>
+            <a:ext cx="1782618" cy="1163782"/>
+          </a:xfrm>
+          <a:prstGeom prst="roundRect">
+            <a:avLst>
+              <a:gd name="adj" fmla="val 6350"/>
+            </a:avLst>
+          </a:prstGeom>
+          <a:solidFill>
+            <a:srgbClr val="FF0000"/>
+          </a:solidFill>
+          <a:ln>
+            <a:noFill/>
+          </a:ln>
+        </p:spPr>
+        <p:style>
+          <a:lnRef idx="2">
+            <a:schemeClr val="accent1">
+              <a:shade val="50000"/>
+            </a:schemeClr>
+          </a:lnRef>
+          <a:fillRef idx="1">
+            <a:schemeClr val="accent1"/>
+          </a:fillRef>
+          <a:effectRef idx="0">
+            <a:schemeClr val="accent1"/>
+          </a:effectRef>
+          <a:fontRef idx="minor">
+            <a:schemeClr val="lt1"/>
+          </a:fontRef>
+        </p:style>
+        <p:txBody>
+          <a:bodyPr tIns="91440" bIns="91440" rtlCol="0" anchor="ctr"/>
+          <a:lstStyle/>
+          <a:p>
+            <a:pPr algn="ctr"/>
+            <a:r>
+              <a:rPr lang="en-US" sz="4000" b="1">
+                <a:solidFill>
+                  <a:schemeClr val="bg1"/>
+                </a:solidFill>
+              </a:rPr>
+              <a:t>124</a:t>
+            </a:r>
+            <a:endParaRPr lang="en-US" sz="3200" b="1">
+              <a:solidFill>
+                <a:schemeClr val="bg1"/>
+              </a:solidFill>
+            </a:endParaRPr>
+          </a:p>
+          <a:p>
+            <a:pPr algn="ctr"/>
+            <a:r>
+              <a:rPr lang="en-US" sz="1600" cap="all">
+                <a:solidFill>
+                  <a:schemeClr val="bg1"/>
+                </a:solidFill>
+              </a:rPr>
+              <a:t>Videos</a:t>
+            </a:r>
+            <a:endParaRPr lang="en-US" sz="3200" cap="all">
+              <a:solidFill>
+                <a:schemeClr val="bg1"/>
+              </a:solidFill>
+            </a:endParaRPr>
+          </a:p>
+        </p:txBody>
+      </p:sp>
+      <p:sp>
+        <p:nvSpPr>
+          <p:cNvPr id="12" name="Rectangle: Rounded Corners 11">
+            <a:extLst>
+              <a:ext uri="{FF2B5EF4-FFF2-40B4-BE49-F238E27FC236}">
+                <a16:creationId xmlns:a16="http://schemas.microsoft.com/office/drawing/2014/main" id="{E562942F-5222-4FD1-B903-2159B703E76D}"/>
+              </a:ext>
+            </a:extLst>
+          </p:cNvPr>
+          <p:cNvSpPr/>
+          <p:nvPr/>
+        </p:nvSpPr>
+        <p:spPr>
+          <a:xfrm>
+            <a:off x="7879331" y="4690081"/>
+            <a:ext cx="1782618" cy="1163782"/>
+          </a:xfrm>
+          <a:prstGeom prst="roundRect">
+            <a:avLst>
+              <a:gd name="adj" fmla="val 6350"/>
+            </a:avLst>
+          </a:prstGeom>
+          <a:solidFill>
+            <a:srgbClr val="FF0000"/>
+          </a:solidFill>
+          <a:ln>
+            <a:noFill/>
+          </a:ln>
+        </p:spPr>
+        <p:style>
+          <a:lnRef idx="2">
+            <a:schemeClr val="accent1">
+              <a:shade val="50000"/>
+            </a:schemeClr>
+          </a:lnRef>
+          <a:fillRef idx="1">
+            <a:schemeClr val="accent1"/>
+          </a:fillRef>
+          <a:effectRef idx="0">
+            <a:schemeClr val="accent1"/>
+          </a:effectRef>
+          <a:fontRef idx="minor">
+            <a:schemeClr val="lt1"/>
+          </a:fontRef>
+        </p:style>
+        <p:txBody>
+          <a:bodyPr tIns="91440" bIns="91440" rtlCol="0" anchor="ctr"/>
+          <a:lstStyle/>
+          <a:p>
+            <a:pPr algn="ctr"/>
+            <a:r>
+              <a:rPr lang="en-US" sz="4000" b="1">
+                <a:solidFill>
+                  <a:schemeClr val="bg1"/>
+                </a:solidFill>
+              </a:rPr>
+              <a:t>2.6M</a:t>
+            </a:r>
+            <a:endParaRPr lang="en-US" sz="3200" b="1">
+              <a:solidFill>
+                <a:schemeClr val="bg1"/>
+              </a:solidFill>
+            </a:endParaRPr>
+          </a:p>
+          <a:p>
+            <a:pPr algn="ctr"/>
+            <a:r>
+              <a:rPr lang="en-US" sz="1600" cap="all">
+                <a:solidFill>
+                  <a:schemeClr val="bg1"/>
+                </a:solidFill>
+              </a:rPr>
+              <a:t>Views</a:t>
+            </a:r>
+            <a:endParaRPr lang="en-US" sz="3200" cap="all">
+              <a:solidFill>
+                <a:schemeClr val="bg1"/>
+              </a:solidFill>
+            </a:endParaRPr>
+          </a:p>
+        </p:txBody>
+      </p:sp>
+      <p:sp>
+        <p:nvSpPr>
+          <p:cNvPr id="13" name="Rectangle: Rounded Corners 12">
+            <a:extLst>
+              <a:ext uri="{FF2B5EF4-FFF2-40B4-BE49-F238E27FC236}">
+                <a16:creationId xmlns:a16="http://schemas.microsoft.com/office/drawing/2014/main" id="{80F2D2F7-1EEA-45E6-8477-690DF608EE60}"/>
+              </a:ext>
+            </a:extLst>
+          </p:cNvPr>
+          <p:cNvSpPr/>
+          <p:nvPr/>
+        </p:nvSpPr>
+        <p:spPr>
+          <a:xfrm>
+            <a:off x="9855913" y="4690081"/>
+            <a:ext cx="1782618" cy="1163782"/>
+          </a:xfrm>
+          <a:prstGeom prst="roundRect">
+            <a:avLst>
+              <a:gd name="adj" fmla="val 6350"/>
+            </a:avLst>
+          </a:prstGeom>
+          <a:solidFill>
+            <a:srgbClr val="FF0000"/>
+          </a:solidFill>
+          <a:ln>
+            <a:noFill/>
+          </a:ln>
+        </p:spPr>
+        <p:style>
+          <a:lnRef idx="2">
+            <a:schemeClr val="accent1">
+              <a:shade val="50000"/>
+            </a:schemeClr>
+          </a:lnRef>
+          <a:fillRef idx="1">
+            <a:schemeClr val="accent1"/>
+          </a:fillRef>
+          <a:effectRef idx="0">
+            <a:schemeClr val="accent1"/>
+          </a:effectRef>
+          <a:fontRef idx="minor">
+            <a:schemeClr val="lt1"/>
+          </a:fontRef>
+        </p:style>
+        <p:txBody>
+          <a:bodyPr tIns="91440" bIns="91440" rtlCol="0" anchor="ctr"/>
+          <a:lstStyle/>
+          <a:p>
+            <a:pPr algn="ctr"/>
+            <a:r>
+              <a:rPr lang="en-US" sz="4000" b="1">
+                <a:solidFill>
+                  <a:schemeClr val="bg1"/>
+                </a:solidFill>
+              </a:rPr>
+              <a:t>33k</a:t>
+            </a:r>
+            <a:endParaRPr lang="en-US" sz="3200" b="1">
+              <a:solidFill>
+                <a:schemeClr val="bg1"/>
+              </a:solidFill>
+            </a:endParaRPr>
+          </a:p>
+          <a:p>
+            <a:pPr algn="ctr"/>
+            <a:r>
+              <a:rPr lang="en-US" sz="1600" cap="all">
+                <a:solidFill>
+                  <a:schemeClr val="bg1"/>
+                </a:solidFill>
+              </a:rPr>
+              <a:t>Subscribers</a:t>
+            </a:r>
+            <a:endParaRPr lang="en-US" sz="3200" cap="all">
+              <a:solidFill>
+                <a:schemeClr val="bg1"/>
+              </a:solidFill>
+            </a:endParaRPr>
+          </a:p>
+        </p:txBody>
+      </p:sp>
+      <p:sp>
+        <p:nvSpPr>
+          <p:cNvPr id="10" name="Rectangle 9">
+            <a:extLst>
+              <a:ext uri="{FF2B5EF4-FFF2-40B4-BE49-F238E27FC236}">
+                <a16:creationId xmlns:a16="http://schemas.microsoft.com/office/drawing/2014/main" id="{BD10F5D8-5BD1-46C7-B31A-1D4A199B2212}"/>
+              </a:ext>
+            </a:extLst>
+          </p:cNvPr>
+          <p:cNvSpPr/>
+          <p:nvPr/>
+        </p:nvSpPr>
+        <p:spPr>
+          <a:xfrm>
+            <a:off x="5902749" y="2545595"/>
+            <a:ext cx="5735781" cy="1938992"/>
+          </a:xfrm>
+          <a:prstGeom prst="rect">
+            <a:avLst/>
+          </a:prstGeom>
+        </p:spPr>
+        <p:txBody>
+          <a:bodyPr wrap="square">
+            <a:spAutoFit/>
+          </a:bodyPr>
+          <a:lstStyle/>
+          <a:p>
+            <a:pPr algn="just"/>
+            <a:r>
+              <a:rPr lang="en-US" sz="2400">
+                <a:solidFill>
+                  <a:schemeClr val="bg1">
+                    <a:lumMod val="75000"/>
+                  </a:schemeClr>
+                </a:solidFill>
+              </a:rPr>
+              <a:t>Lorem ipsum dolor sit amet, nibh est. A magna maecenas, quam magna nec quis, lorem nunc. Suspendisse viverra sodales mauris, cras pharetra proin egestas arcu erat dolor, at amet. </a:t>
+            </a:r>
+          </a:p>
+        </p:txBody>
+      </p:sp>
+      <p:sp>
+        <p:nvSpPr>
+          <p:cNvPr id="11" name="Rectangle 10">
+            <a:extLst>
+              <a:ext uri="{FF2B5EF4-FFF2-40B4-BE49-F238E27FC236}">
+                <a16:creationId xmlns:a16="http://schemas.microsoft.com/office/drawing/2014/main" id="{3CE21F66-99D6-46BB-B337-986FC43F03B5}"/>
+              </a:ext>
+            </a:extLst>
+          </p:cNvPr>
+          <p:cNvSpPr/>
+          <p:nvPr/>
+        </p:nvSpPr>
+        <p:spPr>
+          <a:xfrm>
+            <a:off x="7708589" y="1736109"/>
+            <a:ext cx="2124108" cy="707886"/>
+          </a:xfrm>
+          <a:prstGeom prst="rect">
+            <a:avLst/>
+          </a:prstGeom>
+        </p:spPr>
+        <p:txBody>
+          <a:bodyPr wrap="none" anchor="b">
+            <a:spAutoFit/>
+          </a:bodyPr>
+          <a:lstStyle/>
+          <a:p>
+            <a:pPr algn="ctr"/>
+            <a:r>
+              <a:rPr lang="en-US" sz="4000" b="1" cap="all" dirty="0">
+                <a:solidFill>
+                  <a:schemeClr val="bg1"/>
+                </a:solidFill>
+              </a:rPr>
+              <a:t>Group 2</a:t>
+            </a:r>
+          </a:p>
+        </p:txBody>
+      </p:sp>
+      <p:sp>
+        <p:nvSpPr>
+          <p:cNvPr id="14" name="Freeform: Shape 13">
+            <a:extLst>
+              <a:ext uri="{FF2B5EF4-FFF2-40B4-BE49-F238E27FC236}">
+                <a16:creationId xmlns:a16="http://schemas.microsoft.com/office/drawing/2014/main" id="{3925ABDA-2583-4E6C-9457-D94CB9A800BF}"/>
+              </a:ext>
+            </a:extLst>
+          </p:cNvPr>
+          <p:cNvSpPr/>
+          <p:nvPr/>
+        </p:nvSpPr>
+        <p:spPr>
+          <a:xfrm>
+            <a:off x="0" y="1202242"/>
+            <a:ext cx="5496064" cy="5655759"/>
+          </a:xfrm>
+          <a:custGeom>
+            <a:avLst/>
+            <a:gdLst>
+              <a:gd name="connsiteX0" fmla="*/ 1078581 w 5496064"/>
+              <a:gd name="connsiteY0" fmla="*/ 0 h 5655759"/>
+              <a:gd name="connsiteX1" fmla="*/ 4386762 w 5496064"/>
+              <a:gd name="connsiteY1" fmla="*/ 123256 h 5655759"/>
+              <a:gd name="connsiteX2" fmla="*/ 5000577 w 5496064"/>
+              <a:gd name="connsiteY2" fmla="*/ 409208 h 5655759"/>
+              <a:gd name="connsiteX3" fmla="*/ 5343227 w 5496064"/>
+              <a:gd name="connsiteY3" fmla="*/ 1015628 h 5655759"/>
+              <a:gd name="connsiteX4" fmla="*/ 5449229 w 5496064"/>
+              <a:gd name="connsiteY4" fmla="*/ 1742836 h 5655759"/>
+              <a:gd name="connsiteX5" fmla="*/ 5491137 w 5496064"/>
+              <a:gd name="connsiteY5" fmla="*/ 2415813 h 5655759"/>
+              <a:gd name="connsiteX6" fmla="*/ 5496064 w 5496064"/>
+              <a:gd name="connsiteY6" fmla="*/ 3155348 h 5655759"/>
+              <a:gd name="connsiteX7" fmla="*/ 5491137 w 5496064"/>
+              <a:gd name="connsiteY7" fmla="*/ 3894879 h 5655759"/>
+              <a:gd name="connsiteX8" fmla="*/ 5449229 w 5496064"/>
+              <a:gd name="connsiteY8" fmla="*/ 4567857 h 5655759"/>
+              <a:gd name="connsiteX9" fmla="*/ 5338296 w 5496064"/>
+              <a:gd name="connsiteY9" fmla="*/ 5295065 h 5655759"/>
+              <a:gd name="connsiteX10" fmla="*/ 5213810 w 5496064"/>
+              <a:gd name="connsiteY10" fmla="*/ 5626625 h 5655759"/>
+              <a:gd name="connsiteX11" fmla="*/ 5194366 w 5496064"/>
+              <a:gd name="connsiteY11" fmla="*/ 5655759 h 5655759"/>
+              <a:gd name="connsiteX12" fmla="*/ 0 w 5496064"/>
+              <a:gd name="connsiteY12" fmla="*/ 5655759 h 5655759"/>
+              <a:gd name="connsiteX13" fmla="*/ 0 w 5496064"/>
+              <a:gd name="connsiteY13" fmla="*/ 5017060 h 5655759"/>
+              <a:gd name="connsiteX14" fmla="*/ 56790 w 5496064"/>
+              <a:gd name="connsiteY14" fmla="*/ 5038694 h 5655759"/>
+              <a:gd name="connsiteX15" fmla="*/ 131974 w 5496064"/>
+              <a:gd name="connsiteY15" fmla="*/ 5048553 h 5655759"/>
+              <a:gd name="connsiteX16" fmla="*/ 299602 w 5496064"/>
+              <a:gd name="connsiteY16" fmla="*/ 4999254 h 5655759"/>
+              <a:gd name="connsiteX17" fmla="*/ 2823880 w 5496064"/>
+              <a:gd name="connsiteY17" fmla="*/ 3421578 h 5655759"/>
+              <a:gd name="connsiteX18" fmla="*/ 2971790 w 5496064"/>
+              <a:gd name="connsiteY18" fmla="*/ 3155348 h 5655759"/>
+              <a:gd name="connsiteX19" fmla="*/ 2823880 w 5496064"/>
+              <a:gd name="connsiteY19" fmla="*/ 2889114 h 5655759"/>
+              <a:gd name="connsiteX20" fmla="*/ 299602 w 5496064"/>
+              <a:gd name="connsiteY20" fmla="*/ 1311443 h 5655759"/>
+              <a:gd name="connsiteX21" fmla="*/ 143067 w 5496064"/>
+              <a:gd name="connsiteY21" fmla="*/ 1259672 h 5655759"/>
+              <a:gd name="connsiteX22" fmla="*/ 62028 w 5496064"/>
+              <a:gd name="connsiteY22" fmla="*/ 1268917 h 5655759"/>
+              <a:gd name="connsiteX23" fmla="*/ 0 w 5496064"/>
+              <a:gd name="connsiteY23" fmla="*/ 1293359 h 5655759"/>
+              <a:gd name="connsiteX24" fmla="*/ 0 w 5496064"/>
+              <a:gd name="connsiteY24" fmla="*/ 8465 h 5655759"/>
+              <a:gd name="connsiteX25" fmla="*/ 41691 w 5496064"/>
+              <a:gd name="connsiteY25" fmla="*/ 7704 h 5655759"/>
+              <a:gd name="connsiteX26" fmla="*/ 1078581 w 5496064"/>
+              <a:gd name="connsiteY26" fmla="*/ 0 h 5655759"/>
+            </a:gdLst>
+            <a:ahLst/>
+            <a:cxnLst>
+              <a:cxn ang="0">
+                <a:pos x="connsiteX0" y="connsiteY0"/>
+              </a:cxn>
+              <a:cxn ang="0">
+                <a:pos x="connsiteX1" y="connsiteY1"/>
+              </a:cxn>
+              <a:cxn ang="0">
+                <a:pos x="connsiteX2" y="connsiteY2"/>
+              </a:cxn>
+              <a:cxn ang="0">
+                <a:pos x="connsiteX3" y="connsiteY3"/>
+              </a:cxn>
+              <a:cxn ang="0">
+                <a:pos x="connsiteX4" y="connsiteY4"/>
+              </a:cxn>
+              <a:cxn ang="0">
+                <a:pos x="connsiteX5" y="connsiteY5"/>
+              </a:cxn>
+              <a:cxn ang="0">
+                <a:pos x="connsiteX6" y="connsiteY6"/>
+              </a:cxn>
+              <a:cxn ang="0">
+                <a:pos x="connsiteX7" y="connsiteY7"/>
+              </a:cxn>
+              <a:cxn ang="0">
+                <a:pos x="connsiteX8" y="connsiteY8"/>
+              </a:cxn>
+              <a:cxn ang="0">
+                <a:pos x="connsiteX9" y="connsiteY9"/>
+              </a:cxn>
+              <a:cxn ang="0">
+                <a:pos x="connsiteX10" y="connsiteY10"/>
+              </a:cxn>
+              <a:cxn ang="0">
+                <a:pos x="connsiteX11" y="connsiteY11"/>
+              </a:cxn>
+              <a:cxn ang="0">
+                <a:pos x="connsiteX12" y="connsiteY12"/>
+              </a:cxn>
+              <a:cxn ang="0">
+                <a:pos x="connsiteX13" y="connsiteY13"/>
+              </a:cxn>
+              <a:cxn ang="0">
+                <a:pos x="connsiteX14" y="connsiteY14"/>
+              </a:cxn>
+              <a:cxn ang="0">
+                <a:pos x="connsiteX15" y="connsiteY15"/>
+              </a:cxn>
+              <a:cxn ang="0">
+                <a:pos x="connsiteX16" y="connsiteY16"/>
+              </a:cxn>
+              <a:cxn ang="0">
+                <a:pos x="connsiteX17" y="connsiteY17"/>
+              </a:cxn>
+              <a:cxn ang="0">
+                <a:pos x="connsiteX18" y="connsiteY18"/>
+              </a:cxn>
+              <a:cxn ang="0">
+                <a:pos x="connsiteX19" y="connsiteY19"/>
+              </a:cxn>
+              <a:cxn ang="0">
+                <a:pos x="connsiteX20" y="connsiteY20"/>
+              </a:cxn>
+              <a:cxn ang="0">
+                <a:pos x="connsiteX21" y="connsiteY21"/>
+              </a:cxn>
+              <a:cxn ang="0">
+                <a:pos x="connsiteX22" y="connsiteY22"/>
+              </a:cxn>
+              <a:cxn ang="0">
+                <a:pos x="connsiteX23" y="connsiteY23"/>
+              </a:cxn>
+              <a:cxn ang="0">
+                <a:pos x="connsiteX24" y="connsiteY24"/>
+              </a:cxn>
+              <a:cxn ang="0">
+                <a:pos x="connsiteX25" y="connsiteY25"/>
+              </a:cxn>
+              <a:cxn ang="0">
+                <a:pos x="connsiteX26" y="connsiteY26"/>
+              </a:cxn>
+            </a:cxnLst>
+            <a:rect l="l" t="t" r="r" b="b"/>
+            <a:pathLst>
+              <a:path w="5496064" h="5655759">
+                <a:moveTo>
+                  <a:pt x="1078581" y="0"/>
+                </a:moveTo>
+                <a:cubicBezTo>
+                  <a:pt x="2554360" y="0"/>
+                  <a:pt x="3657090" y="41086"/>
+                  <a:pt x="4386762" y="123256"/>
+                </a:cubicBezTo>
+                <a:cubicBezTo>
+                  <a:pt x="4620128" y="149551"/>
+                  <a:pt x="4824732" y="244867"/>
+                  <a:pt x="5000577" y="409208"/>
+                </a:cubicBezTo>
+                <a:cubicBezTo>
+                  <a:pt x="5176422" y="573549"/>
+                  <a:pt x="5290638" y="775689"/>
+                  <a:pt x="5343227" y="1015628"/>
+                </a:cubicBezTo>
+                <a:cubicBezTo>
+                  <a:pt x="5389244" y="1229272"/>
+                  <a:pt x="5424575" y="1471675"/>
+                  <a:pt x="5449229" y="1742836"/>
+                </a:cubicBezTo>
+                <a:cubicBezTo>
+                  <a:pt x="5473878" y="2013997"/>
+                  <a:pt x="5487846" y="2238323"/>
+                  <a:pt x="5491137" y="2415813"/>
+                </a:cubicBezTo>
+                <a:cubicBezTo>
+                  <a:pt x="5494423" y="2593300"/>
+                  <a:pt x="5496064" y="2839811"/>
+                  <a:pt x="5496064" y="3155348"/>
+                </a:cubicBezTo>
+                <a:cubicBezTo>
+                  <a:pt x="5496064" y="3470881"/>
+                  <a:pt x="5494423" y="3717393"/>
+                  <a:pt x="5491137" y="3894879"/>
+                </a:cubicBezTo>
+                <a:cubicBezTo>
+                  <a:pt x="5487846" y="4072369"/>
+                  <a:pt x="5473878" y="4296695"/>
+                  <a:pt x="5449229" y="4567857"/>
+                </a:cubicBezTo>
+                <a:cubicBezTo>
+                  <a:pt x="5424575" y="4839022"/>
+                  <a:pt x="5387599" y="5081425"/>
+                  <a:pt x="5338296" y="5295065"/>
+                </a:cubicBezTo>
+                <a:cubicBezTo>
+                  <a:pt x="5312003" y="5415035"/>
+                  <a:pt x="5270507" y="5525554"/>
+                  <a:pt x="5213810" y="5626625"/>
+                </a:cubicBezTo>
+                <a:lnTo>
+                  <a:pt x="5194366" y="5655759"/>
+                </a:lnTo>
+                <a:lnTo>
+                  <a:pt x="0" y="5655759"/>
+                </a:lnTo>
+                <a:lnTo>
+                  <a:pt x="0" y="5017060"/>
+                </a:lnTo>
+                <a:lnTo>
+                  <a:pt x="56790" y="5038694"/>
+                </a:lnTo>
+                <a:cubicBezTo>
+                  <a:pt x="82263" y="5045267"/>
+                  <a:pt x="107325" y="5048553"/>
+                  <a:pt x="131974" y="5048553"/>
+                </a:cubicBezTo>
+                <a:cubicBezTo>
+                  <a:pt x="197713" y="5048553"/>
+                  <a:pt x="253589" y="5032121"/>
+                  <a:pt x="299602" y="4999254"/>
+                </a:cubicBezTo>
+                <a:lnTo>
+                  <a:pt x="2823880" y="3421578"/>
+                </a:lnTo>
+                <a:cubicBezTo>
+                  <a:pt x="2922487" y="3365702"/>
+                  <a:pt x="2971790" y="3276959"/>
+                  <a:pt x="2971790" y="3155348"/>
+                </a:cubicBezTo>
+                <a:cubicBezTo>
+                  <a:pt x="2971790" y="3033733"/>
+                  <a:pt x="2922487" y="2944990"/>
+                  <a:pt x="2823880" y="2889114"/>
+                </a:cubicBezTo>
+                <a:lnTo>
+                  <a:pt x="299602" y="1311443"/>
+                </a:lnTo>
+                <a:cubicBezTo>
+                  <a:pt x="248657" y="1278571"/>
+                  <a:pt x="196479" y="1261317"/>
+                  <a:pt x="143067" y="1259672"/>
+                </a:cubicBezTo>
+                <a:cubicBezTo>
+                  <a:pt x="116363" y="1258851"/>
+                  <a:pt x="89350" y="1261933"/>
+                  <a:pt x="62028" y="1268917"/>
+                </a:cubicBezTo>
+                <a:lnTo>
+                  <a:pt x="0" y="1293359"/>
+                </a:lnTo>
+                <a:lnTo>
+                  <a:pt x="0" y="8465"/>
+                </a:lnTo>
+                <a:lnTo>
+                  <a:pt x="41691" y="7704"/>
+                </a:lnTo>
+                <a:cubicBezTo>
+                  <a:pt x="364005" y="2568"/>
+                  <a:pt x="709635" y="0"/>
+                  <a:pt x="1078581" y="0"/>
+                </a:cubicBezTo>
+                <a:close/>
+              </a:path>
+            </a:pathLst>
+          </a:custGeom>
+          <a:solidFill>
+            <a:srgbClr val="FF0000"/>
+          </a:solidFill>
+          <a:ln>
+            <a:noFill/>
+          </a:ln>
+        </p:spPr>
+        <p:style>
+          <a:lnRef idx="2">
+            <a:schemeClr val="accent1">
+              <a:shade val="50000"/>
+            </a:schemeClr>
+          </a:lnRef>
+          <a:fillRef idx="1">
+            <a:schemeClr val="accent1"/>
+          </a:fillRef>
+          <a:effectRef idx="0">
+            <a:schemeClr val="accent1"/>
+          </a:effectRef>
+          <a:fontRef idx="minor">
+            <a:schemeClr val="lt1"/>
+          </a:fontRef>
+        </p:style>
+        <p:txBody>
+          <a:bodyPr wrap="square" rtlCol="0" anchor="ctr">
+            <a:noAutofit/>
+          </a:bodyPr>
+          <a:lstStyle/>
+          <a:p>
+            <a:pPr algn="ctr"/>
+            <a:endParaRPr lang="en-US"/>
+          </a:p>
+        </p:txBody>
+      </p:sp>
+    </p:spTree>
+    <p:extLst>
+      <p:ext uri="{BB962C8B-B14F-4D97-AF65-F5344CB8AC3E}">
+        <p14:creationId xmlns:p14="http://schemas.microsoft.com/office/powerpoint/2010/main" val="3377523637"/>
+      </p:ext>
+    </p:extLst>
+  </p:cSld>
+  <p:clrMapOvr>
+    <a:masterClrMapping/>
+  </p:clrMapOvr>
+</p:sld>
+</file>
+
+<file path=ppt/slides/slide3.xml><?xml version="1.0" encoding="utf-8"?>
+<p:sld xmlns:a="http://schemas.openxmlformats.org/drawingml/2006/main" xmlns:r="http://schemas.openxmlformats.org/officeDocument/2006/relationships" xmlns:p="http://schemas.openxmlformats.org/presentationml/2006/main">
+  <p:cSld>
+    <p:spTree>
+      <p:nvGrpSpPr>
+        <p:cNvPr id="1" name=""/>
+        <p:cNvGrpSpPr/>
+        <p:nvPr/>
+      </p:nvGrpSpPr>
+      <p:grpSpPr>
+        <a:xfrm>
+          <a:off x="0" y="0"/>
+          <a:ext cx="0" cy="0"/>
+          <a:chOff x="0" y="0"/>
+          <a:chExt cx="0" cy="0"/>
+        </a:xfrm>
+      </p:grpSpPr>
+      <p:sp>
+        <p:nvSpPr>
+          <p:cNvPr id="19" name="Rectangle 18">
+            <a:extLst>
+              <a:ext uri="{FF2B5EF4-FFF2-40B4-BE49-F238E27FC236}">
+                <a16:creationId xmlns:a16="http://schemas.microsoft.com/office/drawing/2014/main" id="{92282DD0-6D87-41CE-ABF1-AB17DC013D70}"/>
+              </a:ext>
+            </a:extLst>
+          </p:cNvPr>
+          <p:cNvSpPr/>
+          <p:nvPr/>
+        </p:nvSpPr>
+        <p:spPr>
+          <a:xfrm>
+            <a:off x="0" y="6305911"/>
+            <a:ext cx="12192000" cy="552091"/>
+          </a:xfrm>
+          <a:prstGeom prst="rect">
+            <a:avLst/>
+          </a:prstGeom>
+          <a:solidFill>
+            <a:schemeClr val="bg1"/>
+          </a:solidFill>
+          <a:ln>
+            <a:noFill/>
+          </a:ln>
+        </p:spPr>
+        <p:style>
+          <a:lnRef idx="2">
+            <a:schemeClr val="accent1">
+              <a:shade val="50000"/>
+            </a:schemeClr>
+          </a:lnRef>
+          <a:fillRef idx="1">
+            <a:schemeClr val="accent1"/>
+          </a:fillRef>
+          <a:effectRef idx="0">
+            <a:schemeClr val="accent1"/>
+          </a:effectRef>
+          <a:fontRef idx="minor">
+            <a:schemeClr val="lt1"/>
+          </a:fontRef>
+        </p:style>
+        <p:txBody>
+          <a:bodyPr rIns="1097280" bIns="91440" rtlCol="0" anchor="ctr"/>
+          <a:lstStyle/>
+          <a:p>
+            <a:pPr marL="0" marR="0" lvl="0" indent="0" algn="r" defTabSz="914400" rtl="0" eaLnBrk="1" fontAlgn="auto" latinLnBrk="0" hangingPunct="1">
+              <a:lnSpc>
+                <a:spcPct val="100000"/>
+              </a:lnSpc>
+              <a:spcBef>
+                <a:spcPts val="0"/>
+              </a:spcBef>
+              <a:spcAft>
+                <a:spcPts val="0"/>
+              </a:spcAft>
+              <a:buClrTx/>
+              <a:buSzTx/>
+              <a:buFontTx/>
+              <a:buNone/>
+              <a:tabLst/>
+              <a:defRPr/>
+            </a:pPr>
+            <a:endParaRPr kumimoji="0" lang="en-US" sz="3200" b="0" i="0" u="none" strike="noStrike" kern="1200" cap="none" spc="150" normalizeH="0" baseline="0" noProof="0" dirty="0">
+              <a:ln>
+                <a:noFill/>
+              </a:ln>
+              <a:solidFill>
+                <a:prstClr val="white">
+                  <a:lumMod val="75000"/>
+                </a:prstClr>
+              </a:solidFill>
+              <a:effectLst/>
+              <a:uLnTx/>
+              <a:uFillTx/>
+              <a:latin typeface="+mn-lt"/>
+              <a:ea typeface="+mn-ea"/>
+              <a:cs typeface="+mn-cs"/>
+            </a:endParaRPr>
+          </a:p>
+        </p:txBody>
+      </p:sp>
+      <p:sp>
+        <p:nvSpPr>
+          <p:cNvPr id="2" name="Title 1">
+            <a:extLst>
+              <a:ext uri="{FF2B5EF4-FFF2-40B4-BE49-F238E27FC236}">
+                <a16:creationId xmlns:a16="http://schemas.microsoft.com/office/drawing/2014/main" id="{33101823-B7E8-4F9B-B03F-29FC1BF88595}"/>
+              </a:ext>
+            </a:extLst>
+          </p:cNvPr>
+          <p:cNvSpPr>
+            <a:spLocks noGrp="1"/>
+          </p:cNvSpPr>
+          <p:nvPr>
+            <p:ph type="title"/>
+          </p:nvPr>
+        </p:nvSpPr>
+        <p:spPr/>
+        <p:txBody>
+          <a:bodyPr/>
+          <a:lstStyle/>
+          <a:p>
+            <a:r>
+              <a:rPr lang="en-US" dirty="0"/>
+              <a:t>Major Trending YouTube Videos </a:t>
+            </a:r>
+            <a:r>
+              <a:rPr lang="en-US"/>
+              <a:t>by Country</a:t>
+            </a:r>
+            <a:endParaRPr lang="en-US" dirty="0"/>
+          </a:p>
+        </p:txBody>
+      </p:sp>
+      <p:sp>
+        <p:nvSpPr>
+          <p:cNvPr id="5" name="Rectangle: Rounded Corners 4">
+            <a:extLst>
+              <a:ext uri="{FF2B5EF4-FFF2-40B4-BE49-F238E27FC236}">
+                <a16:creationId xmlns:a16="http://schemas.microsoft.com/office/drawing/2014/main" id="{138442F2-CC48-4259-A360-1539111AD1DD}"/>
+              </a:ext>
+            </a:extLst>
+          </p:cNvPr>
+          <p:cNvSpPr/>
+          <p:nvPr/>
+        </p:nvSpPr>
+        <p:spPr>
+          <a:xfrm>
+            <a:off x="5902750" y="4690081"/>
+            <a:ext cx="1782618" cy="1163782"/>
+          </a:xfrm>
+          <a:prstGeom prst="roundRect">
+            <a:avLst>
+              <a:gd name="adj" fmla="val 6350"/>
+            </a:avLst>
+          </a:prstGeom>
+          <a:solidFill>
+            <a:srgbClr val="FF0000"/>
+          </a:solidFill>
+          <a:ln>
+            <a:noFill/>
+          </a:ln>
+        </p:spPr>
+        <p:style>
+          <a:lnRef idx="2">
+            <a:schemeClr val="accent1">
+              <a:shade val="50000"/>
+            </a:schemeClr>
+          </a:lnRef>
+          <a:fillRef idx="1">
+            <a:schemeClr val="accent1"/>
+          </a:fillRef>
+          <a:effectRef idx="0">
+            <a:schemeClr val="accent1"/>
+          </a:effectRef>
+          <a:fontRef idx="minor">
+            <a:schemeClr val="lt1"/>
+          </a:fontRef>
+        </p:style>
+        <p:txBody>
+          <a:bodyPr tIns="91440" bIns="91440" rtlCol="0" anchor="ctr"/>
+          <a:lstStyle/>
+          <a:p>
+            <a:pPr algn="ctr"/>
+            <a:r>
+              <a:rPr lang="en-US" sz="4000" b="1">
+                <a:solidFill>
+                  <a:schemeClr val="bg1"/>
+                </a:solidFill>
+              </a:rPr>
+              <a:t>124</a:t>
+            </a:r>
+            <a:endParaRPr lang="en-US" sz="3200" b="1">
+              <a:solidFill>
+                <a:schemeClr val="bg1"/>
+              </a:solidFill>
+            </a:endParaRPr>
+          </a:p>
+          <a:p>
+            <a:pPr algn="ctr"/>
+            <a:r>
+              <a:rPr lang="en-US" sz="1600" cap="all">
+                <a:solidFill>
+                  <a:schemeClr val="bg1"/>
+                </a:solidFill>
+              </a:rPr>
+              <a:t>Videos</a:t>
+            </a:r>
+            <a:endParaRPr lang="en-US" sz="3200" cap="all">
+              <a:solidFill>
+                <a:schemeClr val="bg1"/>
+              </a:solidFill>
+            </a:endParaRPr>
+          </a:p>
+        </p:txBody>
+      </p:sp>
+      <p:sp>
+        <p:nvSpPr>
+          <p:cNvPr id="12" name="Rectangle: Rounded Corners 11">
+            <a:extLst>
+              <a:ext uri="{FF2B5EF4-FFF2-40B4-BE49-F238E27FC236}">
+                <a16:creationId xmlns:a16="http://schemas.microsoft.com/office/drawing/2014/main" id="{E562942F-5222-4FD1-B903-2159B703E76D}"/>
+              </a:ext>
+            </a:extLst>
+          </p:cNvPr>
+          <p:cNvSpPr/>
+          <p:nvPr/>
+        </p:nvSpPr>
+        <p:spPr>
+          <a:xfrm>
+            <a:off x="7879331" y="4690081"/>
+            <a:ext cx="1782618" cy="1163782"/>
+          </a:xfrm>
+          <a:prstGeom prst="roundRect">
+            <a:avLst>
+              <a:gd name="adj" fmla="val 6350"/>
+            </a:avLst>
+          </a:prstGeom>
+          <a:solidFill>
+            <a:srgbClr val="FF0000"/>
+          </a:solidFill>
+          <a:ln>
+            <a:noFill/>
+          </a:ln>
+        </p:spPr>
+        <p:style>
+          <a:lnRef idx="2">
+            <a:schemeClr val="accent1">
+              <a:shade val="50000"/>
+            </a:schemeClr>
+          </a:lnRef>
+          <a:fillRef idx="1">
+            <a:schemeClr val="accent1"/>
+          </a:fillRef>
+          <a:effectRef idx="0">
+            <a:schemeClr val="accent1"/>
+          </a:effectRef>
+          <a:fontRef idx="minor">
+            <a:schemeClr val="lt1"/>
+          </a:fontRef>
+        </p:style>
+        <p:txBody>
+          <a:bodyPr tIns="91440" bIns="91440" rtlCol="0" anchor="ctr"/>
+          <a:lstStyle/>
+          <a:p>
+            <a:pPr algn="ctr"/>
+            <a:r>
+              <a:rPr lang="en-US" sz="4000" b="1">
+                <a:solidFill>
+                  <a:schemeClr val="bg1"/>
+                </a:solidFill>
+              </a:rPr>
+              <a:t>2.6M</a:t>
+            </a:r>
+            <a:endParaRPr lang="en-US" sz="3200" b="1">
+              <a:solidFill>
+                <a:schemeClr val="bg1"/>
+              </a:solidFill>
+            </a:endParaRPr>
+          </a:p>
+          <a:p>
+            <a:pPr algn="ctr"/>
+            <a:r>
+              <a:rPr lang="en-US" sz="1600" cap="all">
+                <a:solidFill>
+                  <a:schemeClr val="bg1"/>
+                </a:solidFill>
+              </a:rPr>
+              <a:t>Views</a:t>
+            </a:r>
+            <a:endParaRPr lang="en-US" sz="3200" cap="all">
+              <a:solidFill>
+                <a:schemeClr val="bg1"/>
+              </a:solidFill>
+            </a:endParaRPr>
+          </a:p>
+        </p:txBody>
+      </p:sp>
+      <p:sp>
+        <p:nvSpPr>
+          <p:cNvPr id="13" name="Rectangle: Rounded Corners 12">
+            <a:extLst>
+              <a:ext uri="{FF2B5EF4-FFF2-40B4-BE49-F238E27FC236}">
+                <a16:creationId xmlns:a16="http://schemas.microsoft.com/office/drawing/2014/main" id="{80F2D2F7-1EEA-45E6-8477-690DF608EE60}"/>
+              </a:ext>
+            </a:extLst>
+          </p:cNvPr>
+          <p:cNvSpPr/>
+          <p:nvPr/>
+        </p:nvSpPr>
+        <p:spPr>
+          <a:xfrm>
+            <a:off x="9855913" y="4690081"/>
+            <a:ext cx="1782618" cy="1163782"/>
+          </a:xfrm>
+          <a:prstGeom prst="roundRect">
+            <a:avLst>
+              <a:gd name="adj" fmla="val 6350"/>
+            </a:avLst>
+          </a:prstGeom>
+          <a:solidFill>
+            <a:srgbClr val="FF0000"/>
+          </a:solidFill>
+          <a:ln>
+            <a:noFill/>
+          </a:ln>
+        </p:spPr>
+        <p:style>
+          <a:lnRef idx="2">
+            <a:schemeClr val="accent1">
+              <a:shade val="50000"/>
+            </a:schemeClr>
+          </a:lnRef>
+          <a:fillRef idx="1">
+            <a:schemeClr val="accent1"/>
+          </a:fillRef>
+          <a:effectRef idx="0">
+            <a:schemeClr val="accent1"/>
+          </a:effectRef>
+          <a:fontRef idx="minor">
+            <a:schemeClr val="lt1"/>
+          </a:fontRef>
+        </p:style>
+        <p:txBody>
+          <a:bodyPr tIns="91440" bIns="91440" rtlCol="0" anchor="ctr"/>
+          <a:lstStyle/>
+          <a:p>
+            <a:pPr algn="ctr"/>
+            <a:r>
+              <a:rPr lang="en-US" sz="4000" b="1">
+                <a:solidFill>
+                  <a:schemeClr val="bg1"/>
+                </a:solidFill>
+              </a:rPr>
+              <a:t>33k</a:t>
+            </a:r>
+            <a:endParaRPr lang="en-US" sz="3200" b="1">
+              <a:solidFill>
+                <a:schemeClr val="bg1"/>
+              </a:solidFill>
+            </a:endParaRPr>
+          </a:p>
+          <a:p>
+            <a:pPr algn="ctr"/>
+            <a:r>
+              <a:rPr lang="en-US" sz="1600" cap="all">
+                <a:solidFill>
+                  <a:schemeClr val="bg1"/>
+                </a:solidFill>
+              </a:rPr>
+              <a:t>Subscribers</a:t>
+            </a:r>
+            <a:endParaRPr lang="en-US" sz="3200" cap="all">
+              <a:solidFill>
+                <a:schemeClr val="bg1"/>
+              </a:solidFill>
+            </a:endParaRPr>
+          </a:p>
+        </p:txBody>
+      </p:sp>
+      <p:sp>
+        <p:nvSpPr>
+          <p:cNvPr id="10" name="Rectangle 9">
+            <a:extLst>
+              <a:ext uri="{FF2B5EF4-FFF2-40B4-BE49-F238E27FC236}">
+                <a16:creationId xmlns:a16="http://schemas.microsoft.com/office/drawing/2014/main" id="{BD10F5D8-5BD1-46C7-B31A-1D4A199B2212}"/>
+              </a:ext>
+            </a:extLst>
+          </p:cNvPr>
+          <p:cNvSpPr/>
+          <p:nvPr/>
+        </p:nvSpPr>
+        <p:spPr>
+          <a:xfrm>
+            <a:off x="5902749" y="2545595"/>
+            <a:ext cx="5735781" cy="1938992"/>
+          </a:xfrm>
+          <a:prstGeom prst="rect">
+            <a:avLst/>
+          </a:prstGeom>
+        </p:spPr>
+        <p:txBody>
+          <a:bodyPr wrap="square">
+            <a:spAutoFit/>
+          </a:bodyPr>
+          <a:lstStyle/>
+          <a:p>
+            <a:pPr algn="just"/>
+            <a:r>
+              <a:rPr lang="en-US" sz="2400">
+                <a:solidFill>
+                  <a:schemeClr val="bg1">
+                    <a:lumMod val="75000"/>
+                  </a:schemeClr>
+                </a:solidFill>
+              </a:rPr>
+              <a:t>Lorem ipsum dolor sit amet, nibh est. A magna maecenas, quam magna nec quis, lorem nunc. Suspendisse viverra sodales mauris, cras pharetra proin egestas arcu erat dolor, at amet. </a:t>
+            </a:r>
+          </a:p>
+        </p:txBody>
+      </p:sp>
+      <p:sp>
+        <p:nvSpPr>
+          <p:cNvPr id="11" name="Rectangle 10">
+            <a:extLst>
+              <a:ext uri="{FF2B5EF4-FFF2-40B4-BE49-F238E27FC236}">
+                <a16:creationId xmlns:a16="http://schemas.microsoft.com/office/drawing/2014/main" id="{3CE21F66-99D6-46BB-B337-986FC43F03B5}"/>
+              </a:ext>
+            </a:extLst>
+          </p:cNvPr>
+          <p:cNvSpPr/>
+          <p:nvPr/>
+        </p:nvSpPr>
+        <p:spPr>
+          <a:xfrm>
+            <a:off x="7708589" y="1736109"/>
+            <a:ext cx="2124108" cy="707886"/>
+          </a:xfrm>
+          <a:prstGeom prst="rect">
+            <a:avLst/>
+          </a:prstGeom>
+        </p:spPr>
+        <p:txBody>
+          <a:bodyPr wrap="none" anchor="b">
+            <a:spAutoFit/>
+          </a:bodyPr>
+          <a:lstStyle/>
+          <a:p>
+            <a:pPr algn="ctr"/>
+            <a:r>
+              <a:rPr lang="en-US" sz="4000" b="1" cap="all" dirty="0">
+                <a:solidFill>
+                  <a:schemeClr val="bg1"/>
+                </a:solidFill>
+              </a:rPr>
+              <a:t>Group 2</a:t>
+            </a:r>
+          </a:p>
+        </p:txBody>
+      </p:sp>
+      <p:sp>
+        <p:nvSpPr>
+          <p:cNvPr id="14" name="Freeform: Shape 13">
+            <a:extLst>
+              <a:ext uri="{FF2B5EF4-FFF2-40B4-BE49-F238E27FC236}">
+                <a16:creationId xmlns:a16="http://schemas.microsoft.com/office/drawing/2014/main" id="{3925ABDA-2583-4E6C-9457-D94CB9A800BF}"/>
+              </a:ext>
+            </a:extLst>
+          </p:cNvPr>
+          <p:cNvSpPr/>
+          <p:nvPr/>
+        </p:nvSpPr>
+        <p:spPr>
+          <a:xfrm>
+            <a:off x="0" y="1202242"/>
+            <a:ext cx="5496064" cy="5655759"/>
+          </a:xfrm>
+          <a:custGeom>
+            <a:avLst/>
+            <a:gdLst>
+              <a:gd name="connsiteX0" fmla="*/ 1078581 w 5496064"/>
+              <a:gd name="connsiteY0" fmla="*/ 0 h 5655759"/>
+              <a:gd name="connsiteX1" fmla="*/ 4386762 w 5496064"/>
+              <a:gd name="connsiteY1" fmla="*/ 123256 h 5655759"/>
+              <a:gd name="connsiteX2" fmla="*/ 5000577 w 5496064"/>
+              <a:gd name="connsiteY2" fmla="*/ 409208 h 5655759"/>
+              <a:gd name="connsiteX3" fmla="*/ 5343227 w 5496064"/>
+              <a:gd name="connsiteY3" fmla="*/ 1015628 h 5655759"/>
+              <a:gd name="connsiteX4" fmla="*/ 5449229 w 5496064"/>
+              <a:gd name="connsiteY4" fmla="*/ 1742836 h 5655759"/>
+              <a:gd name="connsiteX5" fmla="*/ 5491137 w 5496064"/>
+              <a:gd name="connsiteY5" fmla="*/ 2415813 h 5655759"/>
+              <a:gd name="connsiteX6" fmla="*/ 5496064 w 5496064"/>
+              <a:gd name="connsiteY6" fmla="*/ 3155348 h 5655759"/>
+              <a:gd name="connsiteX7" fmla="*/ 5491137 w 5496064"/>
+              <a:gd name="connsiteY7" fmla="*/ 3894879 h 5655759"/>
+              <a:gd name="connsiteX8" fmla="*/ 5449229 w 5496064"/>
+              <a:gd name="connsiteY8" fmla="*/ 4567857 h 5655759"/>
+              <a:gd name="connsiteX9" fmla="*/ 5338296 w 5496064"/>
+              <a:gd name="connsiteY9" fmla="*/ 5295065 h 5655759"/>
+              <a:gd name="connsiteX10" fmla="*/ 5213810 w 5496064"/>
+              <a:gd name="connsiteY10" fmla="*/ 5626625 h 5655759"/>
+              <a:gd name="connsiteX11" fmla="*/ 5194366 w 5496064"/>
+              <a:gd name="connsiteY11" fmla="*/ 5655759 h 5655759"/>
+              <a:gd name="connsiteX12" fmla="*/ 0 w 5496064"/>
+              <a:gd name="connsiteY12" fmla="*/ 5655759 h 5655759"/>
+              <a:gd name="connsiteX13" fmla="*/ 0 w 5496064"/>
+              <a:gd name="connsiteY13" fmla="*/ 5017060 h 5655759"/>
+              <a:gd name="connsiteX14" fmla="*/ 56790 w 5496064"/>
+              <a:gd name="connsiteY14" fmla="*/ 5038694 h 5655759"/>
+              <a:gd name="connsiteX15" fmla="*/ 131974 w 5496064"/>
+              <a:gd name="connsiteY15" fmla="*/ 5048553 h 5655759"/>
+              <a:gd name="connsiteX16" fmla="*/ 299602 w 5496064"/>
+              <a:gd name="connsiteY16" fmla="*/ 4999254 h 5655759"/>
+              <a:gd name="connsiteX17" fmla="*/ 2823880 w 5496064"/>
+              <a:gd name="connsiteY17" fmla="*/ 3421578 h 5655759"/>
+              <a:gd name="connsiteX18" fmla="*/ 2971790 w 5496064"/>
+              <a:gd name="connsiteY18" fmla="*/ 3155348 h 5655759"/>
+              <a:gd name="connsiteX19" fmla="*/ 2823880 w 5496064"/>
+              <a:gd name="connsiteY19" fmla="*/ 2889114 h 5655759"/>
+              <a:gd name="connsiteX20" fmla="*/ 299602 w 5496064"/>
+              <a:gd name="connsiteY20" fmla="*/ 1311443 h 5655759"/>
+              <a:gd name="connsiteX21" fmla="*/ 143067 w 5496064"/>
+              <a:gd name="connsiteY21" fmla="*/ 1259672 h 5655759"/>
+              <a:gd name="connsiteX22" fmla="*/ 62028 w 5496064"/>
+              <a:gd name="connsiteY22" fmla="*/ 1268917 h 5655759"/>
+              <a:gd name="connsiteX23" fmla="*/ 0 w 5496064"/>
+              <a:gd name="connsiteY23" fmla="*/ 1293359 h 5655759"/>
+              <a:gd name="connsiteX24" fmla="*/ 0 w 5496064"/>
+              <a:gd name="connsiteY24" fmla="*/ 8465 h 5655759"/>
+              <a:gd name="connsiteX25" fmla="*/ 41691 w 5496064"/>
+              <a:gd name="connsiteY25" fmla="*/ 7704 h 5655759"/>
+              <a:gd name="connsiteX26" fmla="*/ 1078581 w 5496064"/>
+              <a:gd name="connsiteY26" fmla="*/ 0 h 5655759"/>
+            </a:gdLst>
+            <a:ahLst/>
+            <a:cxnLst>
+              <a:cxn ang="0">
+                <a:pos x="connsiteX0" y="connsiteY0"/>
+              </a:cxn>
+              <a:cxn ang="0">
+                <a:pos x="connsiteX1" y="connsiteY1"/>
+              </a:cxn>
+              <a:cxn ang="0">
+                <a:pos x="connsiteX2" y="connsiteY2"/>
+              </a:cxn>
+              <a:cxn ang="0">
+                <a:pos x="connsiteX3" y="connsiteY3"/>
+              </a:cxn>
+              <a:cxn ang="0">
+                <a:pos x="connsiteX4" y="connsiteY4"/>
+              </a:cxn>
+              <a:cxn ang="0">
+                <a:pos x="connsiteX5" y="connsiteY5"/>
+              </a:cxn>
+              <a:cxn ang="0">
+                <a:pos x="connsiteX6" y="connsiteY6"/>
+              </a:cxn>
+              <a:cxn ang="0">
+                <a:pos x="connsiteX7" y="connsiteY7"/>
+              </a:cxn>
+              <a:cxn ang="0">
+                <a:pos x="connsiteX8" y="connsiteY8"/>
+              </a:cxn>
+              <a:cxn ang="0">
+                <a:pos x="connsiteX9" y="connsiteY9"/>
+              </a:cxn>
+              <a:cxn ang="0">
+                <a:pos x="connsiteX10" y="connsiteY10"/>
+              </a:cxn>
+              <a:cxn ang="0">
+                <a:pos x="connsiteX11" y="connsiteY11"/>
+              </a:cxn>
+              <a:cxn ang="0">
+                <a:pos x="connsiteX12" y="connsiteY12"/>
+              </a:cxn>
+              <a:cxn ang="0">
+                <a:pos x="connsiteX13" y="connsiteY13"/>
+              </a:cxn>
+              <a:cxn ang="0">
+                <a:pos x="connsiteX14" y="connsiteY14"/>
+              </a:cxn>
+              <a:cxn ang="0">
+                <a:pos x="connsiteX15" y="connsiteY15"/>
+              </a:cxn>
+              <a:cxn ang="0">
+                <a:pos x="connsiteX16" y="connsiteY16"/>
+              </a:cxn>
+              <a:cxn ang="0">
+                <a:pos x="connsiteX17" y="connsiteY17"/>
+              </a:cxn>
+              <a:cxn ang="0">
+                <a:pos x="connsiteX18" y="connsiteY18"/>
+              </a:cxn>
+              <a:cxn ang="0">
+                <a:pos x="connsiteX19" y="connsiteY19"/>
+              </a:cxn>
+              <a:cxn ang="0">
+                <a:pos x="connsiteX20" y="connsiteY20"/>
+              </a:cxn>
+              <a:cxn ang="0">
+                <a:pos x="connsiteX21" y="connsiteY21"/>
+              </a:cxn>
+              <a:cxn ang="0">
+                <a:pos x="connsiteX22" y="connsiteY22"/>
+              </a:cxn>
+              <a:cxn ang="0">
+                <a:pos x="connsiteX23" y="connsiteY23"/>
+              </a:cxn>
+              <a:cxn ang="0">
+                <a:pos x="connsiteX24" y="connsiteY24"/>
+              </a:cxn>
+              <a:cxn ang="0">
+                <a:pos x="connsiteX25" y="connsiteY25"/>
+              </a:cxn>
+              <a:cxn ang="0">
+                <a:pos x="connsiteX26" y="connsiteY26"/>
+              </a:cxn>
+            </a:cxnLst>
+            <a:rect l="l" t="t" r="r" b="b"/>
+            <a:pathLst>
+              <a:path w="5496064" h="5655759">
+                <a:moveTo>
+                  <a:pt x="1078581" y="0"/>
+                </a:moveTo>
+                <a:cubicBezTo>
+                  <a:pt x="2554360" y="0"/>
+                  <a:pt x="3657090" y="41086"/>
+                  <a:pt x="4386762" y="123256"/>
+                </a:cubicBezTo>
+                <a:cubicBezTo>
+                  <a:pt x="4620128" y="149551"/>
+                  <a:pt x="4824732" y="244867"/>
+                  <a:pt x="5000577" y="409208"/>
+                </a:cubicBezTo>
+                <a:cubicBezTo>
+                  <a:pt x="5176422" y="573549"/>
+                  <a:pt x="5290638" y="775689"/>
+                  <a:pt x="5343227" y="1015628"/>
+                </a:cubicBezTo>
+                <a:cubicBezTo>
+                  <a:pt x="5389244" y="1229272"/>
+                  <a:pt x="5424575" y="1471675"/>
+                  <a:pt x="5449229" y="1742836"/>
+                </a:cubicBezTo>
+                <a:cubicBezTo>
+                  <a:pt x="5473878" y="2013997"/>
+                  <a:pt x="5487846" y="2238323"/>
+                  <a:pt x="5491137" y="2415813"/>
+                </a:cubicBezTo>
+                <a:cubicBezTo>
+                  <a:pt x="5494423" y="2593300"/>
+                  <a:pt x="5496064" y="2839811"/>
+                  <a:pt x="5496064" y="3155348"/>
+                </a:cubicBezTo>
+                <a:cubicBezTo>
+                  <a:pt x="5496064" y="3470881"/>
+                  <a:pt x="5494423" y="3717393"/>
+                  <a:pt x="5491137" y="3894879"/>
+                </a:cubicBezTo>
+                <a:cubicBezTo>
+                  <a:pt x="5487846" y="4072369"/>
+                  <a:pt x="5473878" y="4296695"/>
+                  <a:pt x="5449229" y="4567857"/>
+                </a:cubicBezTo>
+                <a:cubicBezTo>
+                  <a:pt x="5424575" y="4839022"/>
+                  <a:pt x="5387599" y="5081425"/>
+                  <a:pt x="5338296" y="5295065"/>
+                </a:cubicBezTo>
+                <a:cubicBezTo>
+                  <a:pt x="5312003" y="5415035"/>
+                  <a:pt x="5270507" y="5525554"/>
+                  <a:pt x="5213810" y="5626625"/>
+                </a:cubicBezTo>
+                <a:lnTo>
+                  <a:pt x="5194366" y="5655759"/>
+                </a:lnTo>
+                <a:lnTo>
+                  <a:pt x="0" y="5655759"/>
+                </a:lnTo>
+                <a:lnTo>
+                  <a:pt x="0" y="5017060"/>
+                </a:lnTo>
+                <a:lnTo>
+                  <a:pt x="56790" y="5038694"/>
+                </a:lnTo>
+                <a:cubicBezTo>
+                  <a:pt x="82263" y="5045267"/>
+                  <a:pt x="107325" y="5048553"/>
+                  <a:pt x="131974" y="5048553"/>
+                </a:cubicBezTo>
+                <a:cubicBezTo>
+                  <a:pt x="197713" y="5048553"/>
+                  <a:pt x="253589" y="5032121"/>
+                  <a:pt x="299602" y="4999254"/>
+                </a:cubicBezTo>
+                <a:lnTo>
+                  <a:pt x="2823880" y="3421578"/>
+                </a:lnTo>
+                <a:cubicBezTo>
+                  <a:pt x="2922487" y="3365702"/>
+                  <a:pt x="2971790" y="3276959"/>
+                  <a:pt x="2971790" y="3155348"/>
+                </a:cubicBezTo>
+                <a:cubicBezTo>
+                  <a:pt x="2971790" y="3033733"/>
+                  <a:pt x="2922487" y="2944990"/>
+                  <a:pt x="2823880" y="2889114"/>
+                </a:cubicBezTo>
+                <a:lnTo>
+                  <a:pt x="299602" y="1311443"/>
+                </a:lnTo>
+                <a:cubicBezTo>
+                  <a:pt x="248657" y="1278571"/>
+                  <a:pt x="196479" y="1261317"/>
+                  <a:pt x="143067" y="1259672"/>
+                </a:cubicBezTo>
+                <a:cubicBezTo>
+                  <a:pt x="116363" y="1258851"/>
+                  <a:pt x="89350" y="1261933"/>
+                  <a:pt x="62028" y="1268917"/>
+                </a:cubicBezTo>
+                <a:lnTo>
+                  <a:pt x="0" y="1293359"/>
+                </a:lnTo>
+                <a:lnTo>
+                  <a:pt x="0" y="8465"/>
+                </a:lnTo>
+                <a:lnTo>
+                  <a:pt x="41691" y="7704"/>
+                </a:lnTo>
+                <a:cubicBezTo>
+                  <a:pt x="364005" y="2568"/>
+                  <a:pt x="709635" y="0"/>
+                  <a:pt x="1078581" y="0"/>
+                </a:cubicBezTo>
+                <a:close/>
+              </a:path>
+            </a:pathLst>
+          </a:custGeom>
+          <a:solidFill>
+            <a:srgbClr val="FF0000"/>
+          </a:solidFill>
+          <a:ln>
+            <a:noFill/>
+          </a:ln>
+        </p:spPr>
+        <p:style>
+          <a:lnRef idx="2">
+            <a:schemeClr val="accent1">
+              <a:shade val="50000"/>
+            </a:schemeClr>
+          </a:lnRef>
+          <a:fillRef idx="1">
+            <a:schemeClr val="accent1"/>
+          </a:fillRef>
+          <a:effectRef idx="0">
+            <a:schemeClr val="accent1"/>
+          </a:effectRef>
+          <a:fontRef idx="minor">
+            <a:schemeClr val="lt1"/>
+          </a:fontRef>
+        </p:style>
+        <p:txBody>
+          <a:bodyPr wrap="square" rtlCol="0" anchor="ctr">
+            <a:noAutofit/>
+          </a:bodyPr>
+          <a:lstStyle/>
+          <a:p>
+            <a:pPr algn="ctr"/>
+            <a:endParaRPr lang="en-US"/>
+          </a:p>
+        </p:txBody>
+      </p:sp>
+    </p:spTree>
+    <p:extLst>
+      <p:ext uri="{BB962C8B-B14F-4D97-AF65-F5344CB8AC3E}">
+        <p14:creationId xmlns:p14="http://schemas.microsoft.com/office/powerpoint/2010/main" val="4101108896"/>
+      </p:ext>
+    </p:extLst>
+  </p:cSld>
+  <p:clrMapOvr>
+    <a:masterClrMapping/>
+  </p:clrMapOvr>
+</p:sld>
+</file>
+
+<file path=ppt/slides/slide4.xml><?xml version="1.0" encoding="utf-8"?>
+<p:sld xmlns:a="http://schemas.openxmlformats.org/drawingml/2006/main" xmlns:r="http://schemas.openxmlformats.org/officeDocument/2006/relationships" xmlns:p="http://schemas.openxmlformats.org/presentationml/2006/main">
+  <p:cSld>
+    <p:spTree>
+      <p:nvGrpSpPr>
+        <p:cNvPr id="1" name=""/>
+        <p:cNvGrpSpPr/>
+        <p:nvPr/>
+      </p:nvGrpSpPr>
+      <p:grpSpPr>
+        <a:xfrm>
+          <a:off x="0" y="0"/>
+          <a:ext cx="0" cy="0"/>
+          <a:chOff x="0" y="0"/>
+          <a:chExt cx="0" cy="0"/>
+        </a:xfrm>
+      </p:grpSpPr>
+      <p:sp>
+        <p:nvSpPr>
+          <p:cNvPr id="19" name="Rectangle 18">
+            <a:extLst>
+              <a:ext uri="{FF2B5EF4-FFF2-40B4-BE49-F238E27FC236}">
+                <a16:creationId xmlns:a16="http://schemas.microsoft.com/office/drawing/2014/main" id="{92282DD0-6D87-41CE-ABF1-AB17DC013D70}"/>
+              </a:ext>
+            </a:extLst>
+          </p:cNvPr>
+          <p:cNvSpPr/>
+          <p:nvPr/>
+        </p:nvSpPr>
+        <p:spPr>
+          <a:xfrm>
+            <a:off x="0" y="6305911"/>
+            <a:ext cx="12192000" cy="552091"/>
+          </a:xfrm>
+          <a:prstGeom prst="rect">
+            <a:avLst/>
+          </a:prstGeom>
+          <a:solidFill>
+            <a:schemeClr val="bg1"/>
+          </a:solidFill>
+          <a:ln>
+            <a:noFill/>
+          </a:ln>
+        </p:spPr>
+        <p:style>
+          <a:lnRef idx="2">
+            <a:schemeClr val="accent1">
+              <a:shade val="50000"/>
+            </a:schemeClr>
+          </a:lnRef>
+          <a:fillRef idx="1">
+            <a:schemeClr val="accent1"/>
+          </a:fillRef>
+          <a:effectRef idx="0">
+            <a:schemeClr val="accent1"/>
+          </a:effectRef>
+          <a:fontRef idx="minor">
+            <a:schemeClr val="lt1"/>
+          </a:fontRef>
+        </p:style>
+        <p:txBody>
+          <a:bodyPr rIns="1097280" bIns="91440" rtlCol="0" anchor="ctr"/>
+          <a:lstStyle/>
+          <a:p>
+            <a:pPr marL="0" marR="0" lvl="0" indent="0" algn="r" defTabSz="914400" rtl="0" eaLnBrk="1" fontAlgn="auto" latinLnBrk="0" hangingPunct="1">
+              <a:lnSpc>
+                <a:spcPct val="100000"/>
+              </a:lnSpc>
+              <a:spcBef>
+                <a:spcPts val="0"/>
+              </a:spcBef>
+              <a:spcAft>
+                <a:spcPts val="0"/>
+              </a:spcAft>
+              <a:buClrTx/>
+              <a:buSzTx/>
+              <a:buFontTx/>
+              <a:buNone/>
+              <a:tabLst/>
+              <a:defRPr/>
+            </a:pPr>
+            <a:endParaRPr kumimoji="0" lang="en-US" sz="3200" b="0" i="0" u="none" strike="noStrike" kern="1200" cap="none" spc="150" normalizeH="0" baseline="0" noProof="0" dirty="0">
+              <a:ln>
+                <a:noFill/>
+              </a:ln>
+              <a:solidFill>
+                <a:prstClr val="white">
+                  <a:lumMod val="75000"/>
+                </a:prstClr>
+              </a:solidFill>
+              <a:effectLst/>
+              <a:uLnTx/>
+              <a:uFillTx/>
+              <a:latin typeface="+mn-lt"/>
+              <a:ea typeface="+mn-ea"/>
+              <a:cs typeface="+mn-cs"/>
+            </a:endParaRPr>
+          </a:p>
+        </p:txBody>
+      </p:sp>
+      <p:sp>
+        <p:nvSpPr>
+          <p:cNvPr id="2" name="Title 1">
+            <a:extLst>
+              <a:ext uri="{FF2B5EF4-FFF2-40B4-BE49-F238E27FC236}">
+                <a16:creationId xmlns:a16="http://schemas.microsoft.com/office/drawing/2014/main" id="{33101823-B7E8-4F9B-B03F-29FC1BF88595}"/>
+              </a:ext>
+            </a:extLst>
+          </p:cNvPr>
+          <p:cNvSpPr>
+            <a:spLocks noGrp="1"/>
+          </p:cNvSpPr>
+          <p:nvPr>
+            <p:ph type="title"/>
+          </p:nvPr>
+        </p:nvSpPr>
+        <p:spPr/>
+        <p:txBody>
+          <a:bodyPr/>
+          <a:lstStyle/>
+          <a:p>
+            <a:r>
+              <a:rPr lang="en-US" dirty="0"/>
+              <a:t>Major Trending YouTube Videos </a:t>
+            </a:r>
+            <a:r>
+              <a:rPr lang="en-US"/>
+              <a:t>by Country</a:t>
+            </a:r>
+            <a:endParaRPr lang="en-US" dirty="0"/>
+          </a:p>
+        </p:txBody>
+      </p:sp>
+      <p:sp>
+        <p:nvSpPr>
+          <p:cNvPr id="5" name="Rectangle: Rounded Corners 4">
+            <a:extLst>
+              <a:ext uri="{FF2B5EF4-FFF2-40B4-BE49-F238E27FC236}">
+                <a16:creationId xmlns:a16="http://schemas.microsoft.com/office/drawing/2014/main" id="{138442F2-CC48-4259-A360-1539111AD1DD}"/>
+              </a:ext>
+            </a:extLst>
+          </p:cNvPr>
+          <p:cNvSpPr/>
+          <p:nvPr/>
+        </p:nvSpPr>
+        <p:spPr>
+          <a:xfrm>
+            <a:off x="5902750" y="4690081"/>
+            <a:ext cx="1782618" cy="1163782"/>
+          </a:xfrm>
+          <a:prstGeom prst="roundRect">
+            <a:avLst>
+              <a:gd name="adj" fmla="val 6350"/>
+            </a:avLst>
+          </a:prstGeom>
+          <a:solidFill>
+            <a:srgbClr val="FF0000"/>
+          </a:solidFill>
+          <a:ln>
+            <a:noFill/>
+          </a:ln>
+        </p:spPr>
+        <p:style>
+          <a:lnRef idx="2">
+            <a:schemeClr val="accent1">
+              <a:shade val="50000"/>
+            </a:schemeClr>
+          </a:lnRef>
+          <a:fillRef idx="1">
+            <a:schemeClr val="accent1"/>
+          </a:fillRef>
+          <a:effectRef idx="0">
+            <a:schemeClr val="accent1"/>
+          </a:effectRef>
+          <a:fontRef idx="minor">
+            <a:schemeClr val="lt1"/>
+          </a:fontRef>
+        </p:style>
+        <p:txBody>
+          <a:bodyPr tIns="91440" bIns="91440" rtlCol="0" anchor="ctr"/>
+          <a:lstStyle/>
+          <a:p>
+            <a:pPr algn="ctr"/>
+            <a:r>
+              <a:rPr lang="en-US" sz="4000" b="1">
+                <a:solidFill>
+                  <a:schemeClr val="bg1"/>
+                </a:solidFill>
+              </a:rPr>
+              <a:t>124</a:t>
+            </a:r>
+            <a:endParaRPr lang="en-US" sz="3200" b="1">
+              <a:solidFill>
+                <a:schemeClr val="bg1"/>
+              </a:solidFill>
+            </a:endParaRPr>
+          </a:p>
+          <a:p>
+            <a:pPr algn="ctr"/>
+            <a:r>
+              <a:rPr lang="en-US" sz="1600" cap="all">
+                <a:solidFill>
+                  <a:schemeClr val="bg1"/>
+                </a:solidFill>
+              </a:rPr>
+              <a:t>Videos</a:t>
+            </a:r>
+            <a:endParaRPr lang="en-US" sz="3200" cap="all">
+              <a:solidFill>
+                <a:schemeClr val="bg1"/>
+              </a:solidFill>
+            </a:endParaRPr>
+          </a:p>
+        </p:txBody>
+      </p:sp>
+      <p:sp>
+        <p:nvSpPr>
+          <p:cNvPr id="12" name="Rectangle: Rounded Corners 11">
+            <a:extLst>
+              <a:ext uri="{FF2B5EF4-FFF2-40B4-BE49-F238E27FC236}">
+                <a16:creationId xmlns:a16="http://schemas.microsoft.com/office/drawing/2014/main" id="{E562942F-5222-4FD1-B903-2159B703E76D}"/>
+              </a:ext>
+            </a:extLst>
+          </p:cNvPr>
+          <p:cNvSpPr/>
+          <p:nvPr/>
+        </p:nvSpPr>
+        <p:spPr>
+          <a:xfrm>
+            <a:off x="7879331" y="4690081"/>
+            <a:ext cx="1782618" cy="1163782"/>
+          </a:xfrm>
+          <a:prstGeom prst="roundRect">
+            <a:avLst>
+              <a:gd name="adj" fmla="val 6350"/>
+            </a:avLst>
+          </a:prstGeom>
+          <a:solidFill>
+            <a:srgbClr val="FF0000"/>
+          </a:solidFill>
+          <a:ln>
+            <a:noFill/>
+          </a:ln>
+        </p:spPr>
+        <p:style>
+          <a:lnRef idx="2">
+            <a:schemeClr val="accent1">
+              <a:shade val="50000"/>
+            </a:schemeClr>
+          </a:lnRef>
+          <a:fillRef idx="1">
+            <a:schemeClr val="accent1"/>
+          </a:fillRef>
+          <a:effectRef idx="0">
+            <a:schemeClr val="accent1"/>
+          </a:effectRef>
+          <a:fontRef idx="minor">
+            <a:schemeClr val="lt1"/>
+          </a:fontRef>
+        </p:style>
+        <p:txBody>
+          <a:bodyPr tIns="91440" bIns="91440" rtlCol="0" anchor="ctr"/>
+          <a:lstStyle/>
+          <a:p>
+            <a:pPr algn="ctr"/>
+            <a:r>
+              <a:rPr lang="en-US" sz="4000" b="1">
+                <a:solidFill>
+                  <a:schemeClr val="bg1"/>
+                </a:solidFill>
+              </a:rPr>
+              <a:t>2.6M</a:t>
+            </a:r>
+            <a:endParaRPr lang="en-US" sz="3200" b="1">
+              <a:solidFill>
+                <a:schemeClr val="bg1"/>
+              </a:solidFill>
+            </a:endParaRPr>
+          </a:p>
+          <a:p>
+            <a:pPr algn="ctr"/>
+            <a:r>
+              <a:rPr lang="en-US" sz="1600" cap="all">
+                <a:solidFill>
+                  <a:schemeClr val="bg1"/>
+                </a:solidFill>
+              </a:rPr>
+              <a:t>Views</a:t>
+            </a:r>
+            <a:endParaRPr lang="en-US" sz="3200" cap="all">
+              <a:solidFill>
+                <a:schemeClr val="bg1"/>
+              </a:solidFill>
+            </a:endParaRPr>
+          </a:p>
+        </p:txBody>
+      </p:sp>
+      <p:sp>
+        <p:nvSpPr>
+          <p:cNvPr id="13" name="Rectangle: Rounded Corners 12">
+            <a:extLst>
+              <a:ext uri="{FF2B5EF4-FFF2-40B4-BE49-F238E27FC236}">
+                <a16:creationId xmlns:a16="http://schemas.microsoft.com/office/drawing/2014/main" id="{80F2D2F7-1EEA-45E6-8477-690DF608EE60}"/>
+              </a:ext>
+            </a:extLst>
+          </p:cNvPr>
+          <p:cNvSpPr/>
+          <p:nvPr/>
+        </p:nvSpPr>
+        <p:spPr>
+          <a:xfrm>
+            <a:off x="9855913" y="4690081"/>
+            <a:ext cx="1782618" cy="1163782"/>
+          </a:xfrm>
+          <a:prstGeom prst="roundRect">
+            <a:avLst>
+              <a:gd name="adj" fmla="val 6350"/>
+            </a:avLst>
+          </a:prstGeom>
+          <a:solidFill>
+            <a:srgbClr val="FF0000"/>
+          </a:solidFill>
+          <a:ln>
+            <a:noFill/>
+          </a:ln>
+        </p:spPr>
+        <p:style>
+          <a:lnRef idx="2">
+            <a:schemeClr val="accent1">
+              <a:shade val="50000"/>
+            </a:schemeClr>
+          </a:lnRef>
+          <a:fillRef idx="1">
+            <a:schemeClr val="accent1"/>
+          </a:fillRef>
+          <a:effectRef idx="0">
+            <a:schemeClr val="accent1"/>
+          </a:effectRef>
+          <a:fontRef idx="minor">
+            <a:schemeClr val="lt1"/>
+          </a:fontRef>
+        </p:style>
+        <p:txBody>
+          <a:bodyPr tIns="91440" bIns="91440" rtlCol="0" anchor="ctr"/>
+          <a:lstStyle/>
+          <a:p>
+            <a:pPr algn="ctr"/>
+            <a:r>
+              <a:rPr lang="en-US" sz="4000" b="1">
+                <a:solidFill>
+                  <a:schemeClr val="bg1"/>
+                </a:solidFill>
+              </a:rPr>
+              <a:t>33k</a:t>
+            </a:r>
+            <a:endParaRPr lang="en-US" sz="3200" b="1">
+              <a:solidFill>
+                <a:schemeClr val="bg1"/>
+              </a:solidFill>
+            </a:endParaRPr>
+          </a:p>
+          <a:p>
+            <a:pPr algn="ctr"/>
+            <a:r>
+              <a:rPr lang="en-US" sz="1600" cap="all">
+                <a:solidFill>
+                  <a:schemeClr val="bg1"/>
+                </a:solidFill>
+              </a:rPr>
+              <a:t>Subscribers</a:t>
+            </a:r>
+            <a:endParaRPr lang="en-US" sz="3200" cap="all">
+              <a:solidFill>
+                <a:schemeClr val="bg1"/>
+              </a:solidFill>
+            </a:endParaRPr>
+          </a:p>
+        </p:txBody>
+      </p:sp>
+      <p:sp>
+        <p:nvSpPr>
+          <p:cNvPr id="10" name="Rectangle 9">
+            <a:extLst>
+              <a:ext uri="{FF2B5EF4-FFF2-40B4-BE49-F238E27FC236}">
+                <a16:creationId xmlns:a16="http://schemas.microsoft.com/office/drawing/2014/main" id="{BD10F5D8-5BD1-46C7-B31A-1D4A199B2212}"/>
+              </a:ext>
+            </a:extLst>
+          </p:cNvPr>
+          <p:cNvSpPr/>
+          <p:nvPr/>
+        </p:nvSpPr>
+        <p:spPr>
+          <a:xfrm>
+            <a:off x="5902749" y="2545595"/>
+            <a:ext cx="5735781" cy="1938992"/>
+          </a:xfrm>
+          <a:prstGeom prst="rect">
+            <a:avLst/>
+          </a:prstGeom>
+        </p:spPr>
+        <p:txBody>
+          <a:bodyPr wrap="square">
+            <a:spAutoFit/>
+          </a:bodyPr>
+          <a:lstStyle/>
+          <a:p>
+            <a:pPr algn="just"/>
+            <a:r>
+              <a:rPr lang="en-US" sz="2400">
+                <a:solidFill>
+                  <a:schemeClr val="bg1">
+                    <a:lumMod val="75000"/>
+                  </a:schemeClr>
+                </a:solidFill>
+              </a:rPr>
+              <a:t>Lorem ipsum dolor sit amet, nibh est. A magna maecenas, quam magna nec quis, lorem nunc. Suspendisse viverra sodales mauris, cras pharetra proin egestas arcu erat dolor, at amet. </a:t>
+            </a:r>
+          </a:p>
+        </p:txBody>
+      </p:sp>
+      <p:sp>
+        <p:nvSpPr>
+          <p:cNvPr id="11" name="Rectangle 10">
+            <a:extLst>
+              <a:ext uri="{FF2B5EF4-FFF2-40B4-BE49-F238E27FC236}">
+                <a16:creationId xmlns:a16="http://schemas.microsoft.com/office/drawing/2014/main" id="{3CE21F66-99D6-46BB-B337-986FC43F03B5}"/>
+              </a:ext>
+            </a:extLst>
+          </p:cNvPr>
+          <p:cNvSpPr/>
+          <p:nvPr/>
+        </p:nvSpPr>
+        <p:spPr>
+          <a:xfrm>
+            <a:off x="7708589" y="1736109"/>
+            <a:ext cx="2124108" cy="707886"/>
+          </a:xfrm>
+          <a:prstGeom prst="rect">
+            <a:avLst/>
+          </a:prstGeom>
+        </p:spPr>
+        <p:txBody>
+          <a:bodyPr wrap="none" anchor="b">
+            <a:spAutoFit/>
+          </a:bodyPr>
+          <a:lstStyle/>
+          <a:p>
+            <a:pPr algn="ctr"/>
+            <a:r>
+              <a:rPr lang="en-US" sz="4000" b="1" cap="all" dirty="0">
+                <a:solidFill>
+                  <a:schemeClr val="bg1"/>
+                </a:solidFill>
+              </a:rPr>
+              <a:t>Group 2</a:t>
+            </a:r>
+          </a:p>
+        </p:txBody>
+      </p:sp>
+      <p:sp>
+        <p:nvSpPr>
+          <p:cNvPr id="14" name="Freeform: Shape 13">
+            <a:extLst>
+              <a:ext uri="{FF2B5EF4-FFF2-40B4-BE49-F238E27FC236}">
+                <a16:creationId xmlns:a16="http://schemas.microsoft.com/office/drawing/2014/main" id="{3925ABDA-2583-4E6C-9457-D94CB9A800BF}"/>
+              </a:ext>
+            </a:extLst>
+          </p:cNvPr>
+          <p:cNvSpPr/>
+          <p:nvPr/>
+        </p:nvSpPr>
+        <p:spPr>
+          <a:xfrm>
+            <a:off x="0" y="1202242"/>
+            <a:ext cx="5496064" cy="5655759"/>
+          </a:xfrm>
+          <a:custGeom>
+            <a:avLst/>
+            <a:gdLst>
+              <a:gd name="connsiteX0" fmla="*/ 1078581 w 5496064"/>
+              <a:gd name="connsiteY0" fmla="*/ 0 h 5655759"/>
+              <a:gd name="connsiteX1" fmla="*/ 4386762 w 5496064"/>
+              <a:gd name="connsiteY1" fmla="*/ 123256 h 5655759"/>
+              <a:gd name="connsiteX2" fmla="*/ 5000577 w 5496064"/>
+              <a:gd name="connsiteY2" fmla="*/ 409208 h 5655759"/>
+              <a:gd name="connsiteX3" fmla="*/ 5343227 w 5496064"/>
+              <a:gd name="connsiteY3" fmla="*/ 1015628 h 5655759"/>
+              <a:gd name="connsiteX4" fmla="*/ 5449229 w 5496064"/>
+              <a:gd name="connsiteY4" fmla="*/ 1742836 h 5655759"/>
+              <a:gd name="connsiteX5" fmla="*/ 5491137 w 5496064"/>
+              <a:gd name="connsiteY5" fmla="*/ 2415813 h 5655759"/>
+              <a:gd name="connsiteX6" fmla="*/ 5496064 w 5496064"/>
+              <a:gd name="connsiteY6" fmla="*/ 3155348 h 5655759"/>
+              <a:gd name="connsiteX7" fmla="*/ 5491137 w 5496064"/>
+              <a:gd name="connsiteY7" fmla="*/ 3894879 h 5655759"/>
+              <a:gd name="connsiteX8" fmla="*/ 5449229 w 5496064"/>
+              <a:gd name="connsiteY8" fmla="*/ 4567857 h 5655759"/>
+              <a:gd name="connsiteX9" fmla="*/ 5338296 w 5496064"/>
+              <a:gd name="connsiteY9" fmla="*/ 5295065 h 5655759"/>
+              <a:gd name="connsiteX10" fmla="*/ 5213810 w 5496064"/>
+              <a:gd name="connsiteY10" fmla="*/ 5626625 h 5655759"/>
+              <a:gd name="connsiteX11" fmla="*/ 5194366 w 5496064"/>
+              <a:gd name="connsiteY11" fmla="*/ 5655759 h 5655759"/>
+              <a:gd name="connsiteX12" fmla="*/ 0 w 5496064"/>
+              <a:gd name="connsiteY12" fmla="*/ 5655759 h 5655759"/>
+              <a:gd name="connsiteX13" fmla="*/ 0 w 5496064"/>
+              <a:gd name="connsiteY13" fmla="*/ 5017060 h 5655759"/>
+              <a:gd name="connsiteX14" fmla="*/ 56790 w 5496064"/>
+              <a:gd name="connsiteY14" fmla="*/ 5038694 h 5655759"/>
+              <a:gd name="connsiteX15" fmla="*/ 131974 w 5496064"/>
+              <a:gd name="connsiteY15" fmla="*/ 5048553 h 5655759"/>
+              <a:gd name="connsiteX16" fmla="*/ 299602 w 5496064"/>
+              <a:gd name="connsiteY16" fmla="*/ 4999254 h 5655759"/>
+              <a:gd name="connsiteX17" fmla="*/ 2823880 w 5496064"/>
+              <a:gd name="connsiteY17" fmla="*/ 3421578 h 5655759"/>
+              <a:gd name="connsiteX18" fmla="*/ 2971790 w 5496064"/>
+              <a:gd name="connsiteY18" fmla="*/ 3155348 h 5655759"/>
+              <a:gd name="connsiteX19" fmla="*/ 2823880 w 5496064"/>
+              <a:gd name="connsiteY19" fmla="*/ 2889114 h 5655759"/>
+              <a:gd name="connsiteX20" fmla="*/ 299602 w 5496064"/>
+              <a:gd name="connsiteY20" fmla="*/ 1311443 h 5655759"/>
+              <a:gd name="connsiteX21" fmla="*/ 143067 w 5496064"/>
+              <a:gd name="connsiteY21" fmla="*/ 1259672 h 5655759"/>
+              <a:gd name="connsiteX22" fmla="*/ 62028 w 5496064"/>
+              <a:gd name="connsiteY22" fmla="*/ 1268917 h 5655759"/>
+              <a:gd name="connsiteX23" fmla="*/ 0 w 5496064"/>
+              <a:gd name="connsiteY23" fmla="*/ 1293359 h 5655759"/>
+              <a:gd name="connsiteX24" fmla="*/ 0 w 5496064"/>
+              <a:gd name="connsiteY24" fmla="*/ 8465 h 5655759"/>
+              <a:gd name="connsiteX25" fmla="*/ 41691 w 5496064"/>
+              <a:gd name="connsiteY25" fmla="*/ 7704 h 5655759"/>
+              <a:gd name="connsiteX26" fmla="*/ 1078581 w 5496064"/>
+              <a:gd name="connsiteY26" fmla="*/ 0 h 5655759"/>
+            </a:gdLst>
+            <a:ahLst/>
+            <a:cxnLst>
+              <a:cxn ang="0">
+                <a:pos x="connsiteX0" y="connsiteY0"/>
+              </a:cxn>
+              <a:cxn ang="0">
+                <a:pos x="connsiteX1" y="connsiteY1"/>
+              </a:cxn>
+              <a:cxn ang="0">
+                <a:pos x="connsiteX2" y="connsiteY2"/>
+              </a:cxn>
+              <a:cxn ang="0">
+                <a:pos x="connsiteX3" y="connsiteY3"/>
+              </a:cxn>
+              <a:cxn ang="0">
+                <a:pos x="connsiteX4" y="connsiteY4"/>
+              </a:cxn>
+              <a:cxn ang="0">
+                <a:pos x="connsiteX5" y="connsiteY5"/>
+              </a:cxn>
+              <a:cxn ang="0">
+                <a:pos x="connsiteX6" y="connsiteY6"/>
+              </a:cxn>
+              <a:cxn ang="0">
+                <a:pos x="connsiteX7" y="connsiteY7"/>
+              </a:cxn>
+              <a:cxn ang="0">
+                <a:pos x="connsiteX8" y="connsiteY8"/>
+              </a:cxn>
+              <a:cxn ang="0">
+                <a:pos x="connsiteX9" y="connsiteY9"/>
+              </a:cxn>
+              <a:cxn ang="0">
+                <a:pos x="connsiteX10" y="connsiteY10"/>
+              </a:cxn>
+              <a:cxn ang="0">
+                <a:pos x="connsiteX11" y="connsiteY11"/>
+              </a:cxn>
+              <a:cxn ang="0">
+                <a:pos x="connsiteX12" y="connsiteY12"/>
+              </a:cxn>
+              <a:cxn ang="0">
+                <a:pos x="connsiteX13" y="connsiteY13"/>
+              </a:cxn>
+              <a:cxn ang="0">
+                <a:pos x="connsiteX14" y="connsiteY14"/>
+              </a:cxn>
+              <a:cxn ang="0">
+                <a:pos x="connsiteX15" y="connsiteY15"/>
+              </a:cxn>
+              <a:cxn ang="0">
+                <a:pos x="connsiteX16" y="connsiteY16"/>
+              </a:cxn>
+              <a:cxn ang="0">
+                <a:pos x="connsiteX17" y="connsiteY17"/>
+              </a:cxn>
+              <a:cxn ang="0">
+                <a:pos x="connsiteX18" y="connsiteY18"/>
+              </a:cxn>
+              <a:cxn ang="0">
+                <a:pos x="connsiteX19" y="connsiteY19"/>
+              </a:cxn>
+              <a:cxn ang="0">
+                <a:pos x="connsiteX20" y="connsiteY20"/>
+              </a:cxn>
+              <a:cxn ang="0">
+                <a:pos x="connsiteX21" y="connsiteY21"/>
+              </a:cxn>
+              <a:cxn ang="0">
+                <a:pos x="connsiteX22" y="connsiteY22"/>
+              </a:cxn>
+              <a:cxn ang="0">
+                <a:pos x="connsiteX23" y="connsiteY23"/>
+              </a:cxn>
+              <a:cxn ang="0">
+                <a:pos x="connsiteX24" y="connsiteY24"/>
+              </a:cxn>
+              <a:cxn ang="0">
+                <a:pos x="connsiteX25" y="connsiteY25"/>
+              </a:cxn>
+              <a:cxn ang="0">
+                <a:pos x="connsiteX26" y="connsiteY26"/>
+              </a:cxn>
+            </a:cxnLst>
+            <a:rect l="l" t="t" r="r" b="b"/>
+            <a:pathLst>
+              <a:path w="5496064" h="5655759">
+                <a:moveTo>
+                  <a:pt x="1078581" y="0"/>
+                </a:moveTo>
+                <a:cubicBezTo>
+                  <a:pt x="2554360" y="0"/>
+                  <a:pt x="3657090" y="41086"/>
+                  <a:pt x="4386762" y="123256"/>
+                </a:cubicBezTo>
+                <a:cubicBezTo>
+                  <a:pt x="4620128" y="149551"/>
+                  <a:pt x="4824732" y="244867"/>
+                  <a:pt x="5000577" y="409208"/>
+                </a:cubicBezTo>
+                <a:cubicBezTo>
+                  <a:pt x="5176422" y="573549"/>
+                  <a:pt x="5290638" y="775689"/>
+                  <a:pt x="5343227" y="1015628"/>
+                </a:cubicBezTo>
+                <a:cubicBezTo>
+                  <a:pt x="5389244" y="1229272"/>
+                  <a:pt x="5424575" y="1471675"/>
+                  <a:pt x="5449229" y="1742836"/>
+                </a:cubicBezTo>
+                <a:cubicBezTo>
+                  <a:pt x="5473878" y="2013997"/>
+                  <a:pt x="5487846" y="2238323"/>
+                  <a:pt x="5491137" y="2415813"/>
+                </a:cubicBezTo>
+                <a:cubicBezTo>
+                  <a:pt x="5494423" y="2593300"/>
+                  <a:pt x="5496064" y="2839811"/>
+                  <a:pt x="5496064" y="3155348"/>
+                </a:cubicBezTo>
+                <a:cubicBezTo>
+                  <a:pt x="5496064" y="3470881"/>
+                  <a:pt x="5494423" y="3717393"/>
+                  <a:pt x="5491137" y="3894879"/>
+                </a:cubicBezTo>
+                <a:cubicBezTo>
+                  <a:pt x="5487846" y="4072369"/>
+                  <a:pt x="5473878" y="4296695"/>
+                  <a:pt x="5449229" y="4567857"/>
+                </a:cubicBezTo>
+                <a:cubicBezTo>
+                  <a:pt x="5424575" y="4839022"/>
+                  <a:pt x="5387599" y="5081425"/>
+                  <a:pt x="5338296" y="5295065"/>
+                </a:cubicBezTo>
+                <a:cubicBezTo>
+                  <a:pt x="5312003" y="5415035"/>
+                  <a:pt x="5270507" y="5525554"/>
+                  <a:pt x="5213810" y="5626625"/>
+                </a:cubicBezTo>
+                <a:lnTo>
+                  <a:pt x="5194366" y="5655759"/>
+                </a:lnTo>
+                <a:lnTo>
+                  <a:pt x="0" y="5655759"/>
+                </a:lnTo>
+                <a:lnTo>
+                  <a:pt x="0" y="5017060"/>
+                </a:lnTo>
+                <a:lnTo>
+                  <a:pt x="56790" y="5038694"/>
+                </a:lnTo>
+                <a:cubicBezTo>
+                  <a:pt x="82263" y="5045267"/>
+                  <a:pt x="107325" y="5048553"/>
+                  <a:pt x="131974" y="5048553"/>
+                </a:cubicBezTo>
+                <a:cubicBezTo>
+                  <a:pt x="197713" y="5048553"/>
+                  <a:pt x="253589" y="5032121"/>
+                  <a:pt x="299602" y="4999254"/>
+                </a:cubicBezTo>
+                <a:lnTo>
+                  <a:pt x="2823880" y="3421578"/>
+                </a:lnTo>
+                <a:cubicBezTo>
+                  <a:pt x="2922487" y="3365702"/>
+                  <a:pt x="2971790" y="3276959"/>
+                  <a:pt x="2971790" y="3155348"/>
+                </a:cubicBezTo>
+                <a:cubicBezTo>
+                  <a:pt x="2971790" y="3033733"/>
+                  <a:pt x="2922487" y="2944990"/>
+                  <a:pt x="2823880" y="2889114"/>
+                </a:cubicBezTo>
+                <a:lnTo>
+                  <a:pt x="299602" y="1311443"/>
+                </a:lnTo>
+                <a:cubicBezTo>
+                  <a:pt x="248657" y="1278571"/>
+                  <a:pt x="196479" y="1261317"/>
+                  <a:pt x="143067" y="1259672"/>
+                </a:cubicBezTo>
+                <a:cubicBezTo>
+                  <a:pt x="116363" y="1258851"/>
+                  <a:pt x="89350" y="1261933"/>
+                  <a:pt x="62028" y="1268917"/>
+                </a:cubicBezTo>
+                <a:lnTo>
+                  <a:pt x="0" y="1293359"/>
+                </a:lnTo>
+                <a:lnTo>
+                  <a:pt x="0" y="8465"/>
+                </a:lnTo>
+                <a:lnTo>
+                  <a:pt x="41691" y="7704"/>
+                </a:lnTo>
+                <a:cubicBezTo>
+                  <a:pt x="364005" y="2568"/>
+                  <a:pt x="709635" y="0"/>
+                  <a:pt x="1078581" y="0"/>
+                </a:cubicBezTo>
+                <a:close/>
+              </a:path>
+            </a:pathLst>
+          </a:custGeom>
+          <a:solidFill>
+            <a:srgbClr val="FF0000"/>
+          </a:solidFill>
+          <a:ln>
+            <a:noFill/>
+          </a:ln>
+        </p:spPr>
+        <p:style>
+          <a:lnRef idx="2">
+            <a:schemeClr val="accent1">
+              <a:shade val="50000"/>
+            </a:schemeClr>
+          </a:lnRef>
+          <a:fillRef idx="1">
+            <a:schemeClr val="accent1"/>
+          </a:fillRef>
+          <a:effectRef idx="0">
+            <a:schemeClr val="accent1"/>
+          </a:effectRef>
+          <a:fontRef idx="minor">
+            <a:schemeClr val="lt1"/>
+          </a:fontRef>
+        </p:style>
+        <p:txBody>
+          <a:bodyPr wrap="square" rtlCol="0" anchor="ctr">
+            <a:noAutofit/>
+          </a:bodyPr>
+          <a:lstStyle/>
+          <a:p>
+            <a:pPr algn="ctr"/>
+            <a:endParaRPr lang="en-US"/>
+          </a:p>
+        </p:txBody>
+      </p:sp>
+    </p:spTree>
+    <p:extLst>
+      <p:ext uri="{BB962C8B-B14F-4D97-AF65-F5344CB8AC3E}">
+        <p14:creationId xmlns:p14="http://schemas.microsoft.com/office/powerpoint/2010/main" val="2669993383"/>
+      </p:ext>
+    </p:extLst>
+  </p:cSld>
+  <p:clrMapOvr>
+    <a:masterClrMapping/>
+  </p:clrMapOvr>
+</p:sld>
+</file>
+
+<file path=ppt/slides/slide5.xml><?xml version="1.0" encoding="utf-8"?>
+<p:sld xmlns:a="http://schemas.openxmlformats.org/drawingml/2006/main" xmlns:r="http://schemas.openxmlformats.org/officeDocument/2006/relationships" xmlns:p="http://schemas.openxmlformats.org/presentationml/2006/main">
+  <p:cSld>
+    <p:spTree>
+      <p:nvGrpSpPr>
+        <p:cNvPr id="1" name=""/>
+        <p:cNvGrpSpPr/>
+        <p:nvPr/>
+      </p:nvGrpSpPr>
+      <p:grpSpPr>
+        <a:xfrm>
+          <a:off x="0" y="0"/>
+          <a:ext cx="0" cy="0"/>
+          <a:chOff x="0" y="0"/>
+          <a:chExt cx="0" cy="0"/>
+        </a:xfrm>
+      </p:grpSpPr>
+      <p:sp>
+        <p:nvSpPr>
+          <p:cNvPr id="19" name="Rectangle 18">
+            <a:extLst>
+              <a:ext uri="{FF2B5EF4-FFF2-40B4-BE49-F238E27FC236}">
+                <a16:creationId xmlns:a16="http://schemas.microsoft.com/office/drawing/2014/main" id="{92282DD0-6D87-41CE-ABF1-AB17DC013D70}"/>
+              </a:ext>
+            </a:extLst>
+          </p:cNvPr>
+          <p:cNvSpPr/>
+          <p:nvPr/>
+        </p:nvSpPr>
+        <p:spPr>
+          <a:xfrm>
+            <a:off x="0" y="6305911"/>
+            <a:ext cx="12192000" cy="552091"/>
+          </a:xfrm>
+          <a:prstGeom prst="rect">
+            <a:avLst/>
+          </a:prstGeom>
+          <a:solidFill>
+            <a:schemeClr val="bg1"/>
+          </a:solidFill>
+          <a:ln>
+            <a:noFill/>
+          </a:ln>
+        </p:spPr>
+        <p:style>
+          <a:lnRef idx="2">
+            <a:schemeClr val="accent1">
+              <a:shade val="50000"/>
+            </a:schemeClr>
+          </a:lnRef>
+          <a:fillRef idx="1">
+            <a:schemeClr val="accent1"/>
+          </a:fillRef>
+          <a:effectRef idx="0">
+            <a:schemeClr val="accent1"/>
+          </a:effectRef>
+          <a:fontRef idx="minor">
+            <a:schemeClr val="lt1"/>
+          </a:fontRef>
+        </p:style>
+        <p:txBody>
+          <a:bodyPr rIns="1097280" bIns="91440" rtlCol="0" anchor="ctr"/>
+          <a:lstStyle/>
+          <a:p>
+            <a:pPr marL="0" marR="0" lvl="0" indent="0" algn="r" defTabSz="914400" rtl="0" eaLnBrk="1" fontAlgn="auto" latinLnBrk="0" hangingPunct="1">
+              <a:lnSpc>
+                <a:spcPct val="100000"/>
+              </a:lnSpc>
+              <a:spcBef>
+                <a:spcPts val="0"/>
+              </a:spcBef>
+              <a:spcAft>
+                <a:spcPts val="0"/>
+              </a:spcAft>
+              <a:buClrTx/>
+              <a:buSzTx/>
+              <a:buFontTx/>
+              <a:buNone/>
+              <a:tabLst/>
+              <a:defRPr/>
+            </a:pPr>
+            <a:endParaRPr kumimoji="0" lang="en-US" sz="3200" b="0" i="0" u="none" strike="noStrike" kern="1200" cap="none" spc="150" normalizeH="0" baseline="0" noProof="0" dirty="0">
+              <a:ln>
+                <a:noFill/>
+              </a:ln>
+              <a:solidFill>
+                <a:prstClr val="white">
+                  <a:lumMod val="75000"/>
+                </a:prstClr>
+              </a:solidFill>
+              <a:effectLst/>
+              <a:uLnTx/>
+              <a:uFillTx/>
+              <a:latin typeface="+mn-lt"/>
+              <a:ea typeface="+mn-ea"/>
+              <a:cs typeface="+mn-cs"/>
+            </a:endParaRPr>
+          </a:p>
+        </p:txBody>
+      </p:sp>
+      <p:sp>
+        <p:nvSpPr>
+          <p:cNvPr id="2" name="Title 1">
+            <a:extLst>
+              <a:ext uri="{FF2B5EF4-FFF2-40B4-BE49-F238E27FC236}">
+                <a16:creationId xmlns:a16="http://schemas.microsoft.com/office/drawing/2014/main" id="{33101823-B7E8-4F9B-B03F-29FC1BF88595}"/>
+              </a:ext>
+            </a:extLst>
+          </p:cNvPr>
+          <p:cNvSpPr>
+            <a:spLocks noGrp="1"/>
+          </p:cNvSpPr>
+          <p:nvPr>
+            <p:ph type="title"/>
+          </p:nvPr>
+        </p:nvSpPr>
+        <p:spPr/>
+        <p:txBody>
+          <a:bodyPr/>
+          <a:lstStyle/>
+          <a:p>
+            <a:r>
+              <a:rPr lang="en-US" dirty="0"/>
+              <a:t>Major Trending YouTube Videos </a:t>
+            </a:r>
+            <a:r>
+              <a:rPr lang="en-US"/>
+              <a:t>by Country</a:t>
+            </a:r>
+            <a:endParaRPr lang="en-US" dirty="0"/>
+          </a:p>
+        </p:txBody>
+      </p:sp>
+      <p:sp>
+        <p:nvSpPr>
+          <p:cNvPr id="5" name="Rectangle: Rounded Corners 4">
+            <a:extLst>
+              <a:ext uri="{FF2B5EF4-FFF2-40B4-BE49-F238E27FC236}">
+                <a16:creationId xmlns:a16="http://schemas.microsoft.com/office/drawing/2014/main" id="{138442F2-CC48-4259-A360-1539111AD1DD}"/>
+              </a:ext>
+            </a:extLst>
+          </p:cNvPr>
+          <p:cNvSpPr/>
+          <p:nvPr/>
+        </p:nvSpPr>
+        <p:spPr>
+          <a:xfrm>
+            <a:off x="5902750" y="4690081"/>
+            <a:ext cx="1782618" cy="1163782"/>
+          </a:xfrm>
+          <a:prstGeom prst="roundRect">
+            <a:avLst>
+              <a:gd name="adj" fmla="val 6350"/>
+            </a:avLst>
+          </a:prstGeom>
+          <a:solidFill>
+            <a:srgbClr val="FF0000"/>
+          </a:solidFill>
+          <a:ln>
+            <a:noFill/>
+          </a:ln>
+        </p:spPr>
+        <p:style>
+          <a:lnRef idx="2">
+            <a:schemeClr val="accent1">
+              <a:shade val="50000"/>
+            </a:schemeClr>
+          </a:lnRef>
+          <a:fillRef idx="1">
+            <a:schemeClr val="accent1"/>
+          </a:fillRef>
+          <a:effectRef idx="0">
+            <a:schemeClr val="accent1"/>
+          </a:effectRef>
+          <a:fontRef idx="minor">
+            <a:schemeClr val="lt1"/>
+          </a:fontRef>
+        </p:style>
+        <p:txBody>
+          <a:bodyPr tIns="91440" bIns="91440" rtlCol="0" anchor="ctr"/>
+          <a:lstStyle/>
+          <a:p>
+            <a:pPr algn="ctr"/>
+            <a:r>
+              <a:rPr lang="en-US" sz="4000" b="1">
+                <a:solidFill>
+                  <a:schemeClr val="bg1"/>
+                </a:solidFill>
+              </a:rPr>
+              <a:t>124</a:t>
+            </a:r>
+            <a:endParaRPr lang="en-US" sz="3200" b="1">
+              <a:solidFill>
+                <a:schemeClr val="bg1"/>
+              </a:solidFill>
+            </a:endParaRPr>
+          </a:p>
+          <a:p>
+            <a:pPr algn="ctr"/>
+            <a:r>
+              <a:rPr lang="en-US" sz="1600" cap="all">
+                <a:solidFill>
+                  <a:schemeClr val="bg1"/>
+                </a:solidFill>
+              </a:rPr>
+              <a:t>Videos</a:t>
+            </a:r>
+            <a:endParaRPr lang="en-US" sz="3200" cap="all">
+              <a:solidFill>
+                <a:schemeClr val="bg1"/>
+              </a:solidFill>
+            </a:endParaRPr>
+          </a:p>
+        </p:txBody>
+      </p:sp>
+      <p:sp>
+        <p:nvSpPr>
+          <p:cNvPr id="12" name="Rectangle: Rounded Corners 11">
+            <a:extLst>
+              <a:ext uri="{FF2B5EF4-FFF2-40B4-BE49-F238E27FC236}">
+                <a16:creationId xmlns:a16="http://schemas.microsoft.com/office/drawing/2014/main" id="{E562942F-5222-4FD1-B903-2159B703E76D}"/>
+              </a:ext>
+            </a:extLst>
+          </p:cNvPr>
+          <p:cNvSpPr/>
+          <p:nvPr/>
+        </p:nvSpPr>
+        <p:spPr>
+          <a:xfrm>
+            <a:off x="7879331" y="4690081"/>
+            <a:ext cx="1782618" cy="1163782"/>
+          </a:xfrm>
+          <a:prstGeom prst="roundRect">
+            <a:avLst>
+              <a:gd name="adj" fmla="val 6350"/>
+            </a:avLst>
+          </a:prstGeom>
+          <a:solidFill>
+            <a:srgbClr val="FF0000"/>
+          </a:solidFill>
+          <a:ln>
+            <a:noFill/>
+          </a:ln>
+        </p:spPr>
+        <p:style>
+          <a:lnRef idx="2">
+            <a:schemeClr val="accent1">
+              <a:shade val="50000"/>
+            </a:schemeClr>
+          </a:lnRef>
+          <a:fillRef idx="1">
+            <a:schemeClr val="accent1"/>
+          </a:fillRef>
+          <a:effectRef idx="0">
+            <a:schemeClr val="accent1"/>
+          </a:effectRef>
+          <a:fontRef idx="minor">
+            <a:schemeClr val="lt1"/>
+          </a:fontRef>
+        </p:style>
+        <p:txBody>
+          <a:bodyPr tIns="91440" bIns="91440" rtlCol="0" anchor="ctr"/>
+          <a:lstStyle/>
+          <a:p>
+            <a:pPr algn="ctr"/>
+            <a:r>
+              <a:rPr lang="en-US" sz="4000" b="1">
+                <a:solidFill>
+                  <a:schemeClr val="bg1"/>
+                </a:solidFill>
+              </a:rPr>
+              <a:t>2.6M</a:t>
+            </a:r>
+            <a:endParaRPr lang="en-US" sz="3200" b="1">
+              <a:solidFill>
+                <a:schemeClr val="bg1"/>
+              </a:solidFill>
+            </a:endParaRPr>
+          </a:p>
+          <a:p>
+            <a:pPr algn="ctr"/>
+            <a:r>
+              <a:rPr lang="en-US" sz="1600" cap="all">
+                <a:solidFill>
+                  <a:schemeClr val="bg1"/>
+                </a:solidFill>
+              </a:rPr>
+              <a:t>Views</a:t>
+            </a:r>
+            <a:endParaRPr lang="en-US" sz="3200" cap="all">
+              <a:solidFill>
+                <a:schemeClr val="bg1"/>
+              </a:solidFill>
+            </a:endParaRPr>
+          </a:p>
+        </p:txBody>
+      </p:sp>
+      <p:sp>
+        <p:nvSpPr>
+          <p:cNvPr id="13" name="Rectangle: Rounded Corners 12">
+            <a:extLst>
+              <a:ext uri="{FF2B5EF4-FFF2-40B4-BE49-F238E27FC236}">
+                <a16:creationId xmlns:a16="http://schemas.microsoft.com/office/drawing/2014/main" id="{80F2D2F7-1EEA-45E6-8477-690DF608EE60}"/>
+              </a:ext>
+            </a:extLst>
+          </p:cNvPr>
+          <p:cNvSpPr/>
+          <p:nvPr/>
+        </p:nvSpPr>
+        <p:spPr>
+          <a:xfrm>
+            <a:off x="9855913" y="4690081"/>
+            <a:ext cx="1782618" cy="1163782"/>
+          </a:xfrm>
+          <a:prstGeom prst="roundRect">
+            <a:avLst>
+              <a:gd name="adj" fmla="val 6350"/>
+            </a:avLst>
+          </a:prstGeom>
+          <a:solidFill>
+            <a:srgbClr val="FF0000"/>
+          </a:solidFill>
+          <a:ln>
+            <a:noFill/>
+          </a:ln>
+        </p:spPr>
+        <p:style>
+          <a:lnRef idx="2">
+            <a:schemeClr val="accent1">
+              <a:shade val="50000"/>
+            </a:schemeClr>
+          </a:lnRef>
+          <a:fillRef idx="1">
+            <a:schemeClr val="accent1"/>
+          </a:fillRef>
+          <a:effectRef idx="0">
+            <a:schemeClr val="accent1"/>
+          </a:effectRef>
+          <a:fontRef idx="minor">
+            <a:schemeClr val="lt1"/>
+          </a:fontRef>
+        </p:style>
+        <p:txBody>
+          <a:bodyPr tIns="91440" bIns="91440" rtlCol="0" anchor="ctr"/>
+          <a:lstStyle/>
+          <a:p>
+            <a:pPr algn="ctr"/>
+            <a:r>
+              <a:rPr lang="en-US" sz="4000" b="1">
+                <a:solidFill>
+                  <a:schemeClr val="bg1"/>
+                </a:solidFill>
+              </a:rPr>
+              <a:t>33k</a:t>
+            </a:r>
+            <a:endParaRPr lang="en-US" sz="3200" b="1">
+              <a:solidFill>
+                <a:schemeClr val="bg1"/>
+              </a:solidFill>
+            </a:endParaRPr>
+          </a:p>
+          <a:p>
+            <a:pPr algn="ctr"/>
+            <a:r>
+              <a:rPr lang="en-US" sz="1600" cap="all">
+                <a:solidFill>
+                  <a:schemeClr val="bg1"/>
+                </a:solidFill>
+              </a:rPr>
+              <a:t>Subscribers</a:t>
+            </a:r>
+            <a:endParaRPr lang="en-US" sz="3200" cap="all">
+              <a:solidFill>
+                <a:schemeClr val="bg1"/>
+              </a:solidFill>
+            </a:endParaRPr>
+          </a:p>
+        </p:txBody>
+      </p:sp>
+      <p:sp>
+        <p:nvSpPr>
+          <p:cNvPr id="10" name="Rectangle 9">
+            <a:extLst>
+              <a:ext uri="{FF2B5EF4-FFF2-40B4-BE49-F238E27FC236}">
+                <a16:creationId xmlns:a16="http://schemas.microsoft.com/office/drawing/2014/main" id="{BD10F5D8-5BD1-46C7-B31A-1D4A199B2212}"/>
+              </a:ext>
+            </a:extLst>
+          </p:cNvPr>
+          <p:cNvSpPr/>
+          <p:nvPr/>
+        </p:nvSpPr>
+        <p:spPr>
+          <a:xfrm>
+            <a:off x="5902749" y="2545595"/>
+            <a:ext cx="5735781" cy="1938992"/>
+          </a:xfrm>
+          <a:prstGeom prst="rect">
+            <a:avLst/>
+          </a:prstGeom>
+        </p:spPr>
+        <p:txBody>
+          <a:bodyPr wrap="square">
+            <a:spAutoFit/>
+          </a:bodyPr>
+          <a:lstStyle/>
+          <a:p>
+            <a:pPr algn="just"/>
+            <a:r>
+              <a:rPr lang="en-US" sz="2400">
+                <a:solidFill>
+                  <a:schemeClr val="bg1">
+                    <a:lumMod val="75000"/>
+                  </a:schemeClr>
+                </a:solidFill>
+              </a:rPr>
+              <a:t>Lorem ipsum dolor sit amet, nibh est. A magna maecenas, quam magna nec quis, lorem nunc. Suspendisse viverra sodales mauris, cras pharetra proin egestas arcu erat dolor, at amet. </a:t>
+            </a:r>
+          </a:p>
+        </p:txBody>
+      </p:sp>
+      <p:sp>
+        <p:nvSpPr>
+          <p:cNvPr id="11" name="Rectangle 10">
+            <a:extLst>
+              <a:ext uri="{FF2B5EF4-FFF2-40B4-BE49-F238E27FC236}">
+                <a16:creationId xmlns:a16="http://schemas.microsoft.com/office/drawing/2014/main" id="{3CE21F66-99D6-46BB-B337-986FC43F03B5}"/>
+              </a:ext>
+            </a:extLst>
+          </p:cNvPr>
+          <p:cNvSpPr/>
+          <p:nvPr/>
+        </p:nvSpPr>
+        <p:spPr>
+          <a:xfrm>
+            <a:off x="7708589" y="1736109"/>
+            <a:ext cx="2124108" cy="707886"/>
+          </a:xfrm>
+          <a:prstGeom prst="rect">
+            <a:avLst/>
+          </a:prstGeom>
+        </p:spPr>
+        <p:txBody>
+          <a:bodyPr wrap="none" anchor="b">
+            <a:spAutoFit/>
+          </a:bodyPr>
+          <a:lstStyle/>
+          <a:p>
+            <a:pPr algn="ctr"/>
+            <a:r>
+              <a:rPr lang="en-US" sz="4000" b="1" cap="all" dirty="0">
+                <a:solidFill>
+                  <a:schemeClr val="bg1"/>
+                </a:solidFill>
+              </a:rPr>
+              <a:t>Group 2</a:t>
+            </a:r>
+          </a:p>
+        </p:txBody>
+      </p:sp>
+      <p:sp>
+        <p:nvSpPr>
+          <p:cNvPr id="14" name="Freeform: Shape 13">
+            <a:extLst>
+              <a:ext uri="{FF2B5EF4-FFF2-40B4-BE49-F238E27FC236}">
+                <a16:creationId xmlns:a16="http://schemas.microsoft.com/office/drawing/2014/main" id="{3925ABDA-2583-4E6C-9457-D94CB9A800BF}"/>
+              </a:ext>
+            </a:extLst>
+          </p:cNvPr>
+          <p:cNvSpPr/>
+          <p:nvPr/>
+        </p:nvSpPr>
+        <p:spPr>
+          <a:xfrm>
+            <a:off x="0" y="1202242"/>
+            <a:ext cx="5496064" cy="5655759"/>
+          </a:xfrm>
+          <a:custGeom>
+            <a:avLst/>
+            <a:gdLst>
+              <a:gd name="connsiteX0" fmla="*/ 1078581 w 5496064"/>
+              <a:gd name="connsiteY0" fmla="*/ 0 h 5655759"/>
+              <a:gd name="connsiteX1" fmla="*/ 4386762 w 5496064"/>
+              <a:gd name="connsiteY1" fmla="*/ 123256 h 5655759"/>
+              <a:gd name="connsiteX2" fmla="*/ 5000577 w 5496064"/>
+              <a:gd name="connsiteY2" fmla="*/ 409208 h 5655759"/>
+              <a:gd name="connsiteX3" fmla="*/ 5343227 w 5496064"/>
+              <a:gd name="connsiteY3" fmla="*/ 1015628 h 5655759"/>
+              <a:gd name="connsiteX4" fmla="*/ 5449229 w 5496064"/>
+              <a:gd name="connsiteY4" fmla="*/ 1742836 h 5655759"/>
+              <a:gd name="connsiteX5" fmla="*/ 5491137 w 5496064"/>
+              <a:gd name="connsiteY5" fmla="*/ 2415813 h 5655759"/>
+              <a:gd name="connsiteX6" fmla="*/ 5496064 w 5496064"/>
+              <a:gd name="connsiteY6" fmla="*/ 3155348 h 5655759"/>
+              <a:gd name="connsiteX7" fmla="*/ 5491137 w 5496064"/>
+              <a:gd name="connsiteY7" fmla="*/ 3894879 h 5655759"/>
+              <a:gd name="connsiteX8" fmla="*/ 5449229 w 5496064"/>
+              <a:gd name="connsiteY8" fmla="*/ 4567857 h 5655759"/>
+              <a:gd name="connsiteX9" fmla="*/ 5338296 w 5496064"/>
+              <a:gd name="connsiteY9" fmla="*/ 5295065 h 5655759"/>
+              <a:gd name="connsiteX10" fmla="*/ 5213810 w 5496064"/>
+              <a:gd name="connsiteY10" fmla="*/ 5626625 h 5655759"/>
+              <a:gd name="connsiteX11" fmla="*/ 5194366 w 5496064"/>
+              <a:gd name="connsiteY11" fmla="*/ 5655759 h 5655759"/>
+              <a:gd name="connsiteX12" fmla="*/ 0 w 5496064"/>
+              <a:gd name="connsiteY12" fmla="*/ 5655759 h 5655759"/>
+              <a:gd name="connsiteX13" fmla="*/ 0 w 5496064"/>
+              <a:gd name="connsiteY13" fmla="*/ 5017060 h 5655759"/>
+              <a:gd name="connsiteX14" fmla="*/ 56790 w 5496064"/>
+              <a:gd name="connsiteY14" fmla="*/ 5038694 h 5655759"/>
+              <a:gd name="connsiteX15" fmla="*/ 131974 w 5496064"/>
+              <a:gd name="connsiteY15" fmla="*/ 5048553 h 5655759"/>
+              <a:gd name="connsiteX16" fmla="*/ 299602 w 5496064"/>
+              <a:gd name="connsiteY16" fmla="*/ 4999254 h 5655759"/>
+              <a:gd name="connsiteX17" fmla="*/ 2823880 w 5496064"/>
+              <a:gd name="connsiteY17" fmla="*/ 3421578 h 5655759"/>
+              <a:gd name="connsiteX18" fmla="*/ 2971790 w 5496064"/>
+              <a:gd name="connsiteY18" fmla="*/ 3155348 h 5655759"/>
+              <a:gd name="connsiteX19" fmla="*/ 2823880 w 5496064"/>
+              <a:gd name="connsiteY19" fmla="*/ 2889114 h 5655759"/>
+              <a:gd name="connsiteX20" fmla="*/ 299602 w 5496064"/>
+              <a:gd name="connsiteY20" fmla="*/ 1311443 h 5655759"/>
+              <a:gd name="connsiteX21" fmla="*/ 143067 w 5496064"/>
+              <a:gd name="connsiteY21" fmla="*/ 1259672 h 5655759"/>
+              <a:gd name="connsiteX22" fmla="*/ 62028 w 5496064"/>
+              <a:gd name="connsiteY22" fmla="*/ 1268917 h 5655759"/>
+              <a:gd name="connsiteX23" fmla="*/ 0 w 5496064"/>
+              <a:gd name="connsiteY23" fmla="*/ 1293359 h 5655759"/>
+              <a:gd name="connsiteX24" fmla="*/ 0 w 5496064"/>
+              <a:gd name="connsiteY24" fmla="*/ 8465 h 5655759"/>
+              <a:gd name="connsiteX25" fmla="*/ 41691 w 5496064"/>
+              <a:gd name="connsiteY25" fmla="*/ 7704 h 5655759"/>
+              <a:gd name="connsiteX26" fmla="*/ 1078581 w 5496064"/>
+              <a:gd name="connsiteY26" fmla="*/ 0 h 5655759"/>
+            </a:gdLst>
+            <a:ahLst/>
+            <a:cxnLst>
+              <a:cxn ang="0">
+                <a:pos x="connsiteX0" y="connsiteY0"/>
+              </a:cxn>
+              <a:cxn ang="0">
+                <a:pos x="connsiteX1" y="connsiteY1"/>
+              </a:cxn>
+              <a:cxn ang="0">
+                <a:pos x="connsiteX2" y="connsiteY2"/>
+              </a:cxn>
+              <a:cxn ang="0">
+                <a:pos x="connsiteX3" y="connsiteY3"/>
+              </a:cxn>
+              <a:cxn ang="0">
+                <a:pos x="connsiteX4" y="connsiteY4"/>
+              </a:cxn>
+              <a:cxn ang="0">
+                <a:pos x="connsiteX5" y="connsiteY5"/>
+              </a:cxn>
+              <a:cxn ang="0">
+                <a:pos x="connsiteX6" y="connsiteY6"/>
+              </a:cxn>
+              <a:cxn ang="0">
+                <a:pos x="connsiteX7" y="connsiteY7"/>
+              </a:cxn>
+              <a:cxn ang="0">
+                <a:pos x="connsiteX8" y="connsiteY8"/>
+              </a:cxn>
+              <a:cxn ang="0">
+                <a:pos x="connsiteX9" y="connsiteY9"/>
+              </a:cxn>
+              <a:cxn ang="0">
+                <a:pos x="connsiteX10" y="connsiteY10"/>
+              </a:cxn>
+              <a:cxn ang="0">
+                <a:pos x="connsiteX11" y="connsiteY11"/>
+              </a:cxn>
+              <a:cxn ang="0">
+                <a:pos x="connsiteX12" y="connsiteY12"/>
+              </a:cxn>
+              <a:cxn ang="0">
+                <a:pos x="connsiteX13" y="connsiteY13"/>
+              </a:cxn>
+              <a:cxn ang="0">
+                <a:pos x="connsiteX14" y="connsiteY14"/>
+              </a:cxn>
+              <a:cxn ang="0">
+                <a:pos x="connsiteX15" y="connsiteY15"/>
+              </a:cxn>
+              <a:cxn ang="0">
+                <a:pos x="connsiteX16" y="connsiteY16"/>
+              </a:cxn>
+              <a:cxn ang="0">
+                <a:pos x="connsiteX17" y="connsiteY17"/>
+              </a:cxn>
+              <a:cxn ang="0">
+                <a:pos x="connsiteX18" y="connsiteY18"/>
+              </a:cxn>
+              <a:cxn ang="0">
+                <a:pos x="connsiteX19" y="connsiteY19"/>
+              </a:cxn>
+              <a:cxn ang="0">
+                <a:pos x="connsiteX20" y="connsiteY20"/>
+              </a:cxn>
+              <a:cxn ang="0">
+                <a:pos x="connsiteX21" y="connsiteY21"/>
+              </a:cxn>
+              <a:cxn ang="0">
+                <a:pos x="connsiteX22" y="connsiteY22"/>
+              </a:cxn>
+              <a:cxn ang="0">
+                <a:pos x="connsiteX23" y="connsiteY23"/>
+              </a:cxn>
+              <a:cxn ang="0">
+                <a:pos x="connsiteX24" y="connsiteY24"/>
+              </a:cxn>
+              <a:cxn ang="0">
+                <a:pos x="connsiteX25" y="connsiteY25"/>
+              </a:cxn>
+              <a:cxn ang="0">
+                <a:pos x="connsiteX26" y="connsiteY26"/>
+              </a:cxn>
+            </a:cxnLst>
+            <a:rect l="l" t="t" r="r" b="b"/>
+            <a:pathLst>
+              <a:path w="5496064" h="5655759">
+                <a:moveTo>
+                  <a:pt x="1078581" y="0"/>
+                </a:moveTo>
+                <a:cubicBezTo>
+                  <a:pt x="2554360" y="0"/>
+                  <a:pt x="3657090" y="41086"/>
+                  <a:pt x="4386762" y="123256"/>
+                </a:cubicBezTo>
+                <a:cubicBezTo>
+                  <a:pt x="4620128" y="149551"/>
+                  <a:pt x="4824732" y="244867"/>
+                  <a:pt x="5000577" y="409208"/>
+                </a:cubicBezTo>
+                <a:cubicBezTo>
+                  <a:pt x="5176422" y="573549"/>
+                  <a:pt x="5290638" y="775689"/>
+                  <a:pt x="5343227" y="1015628"/>
+                </a:cubicBezTo>
+                <a:cubicBezTo>
+                  <a:pt x="5389244" y="1229272"/>
+                  <a:pt x="5424575" y="1471675"/>
+                  <a:pt x="5449229" y="1742836"/>
+                </a:cubicBezTo>
+                <a:cubicBezTo>
+                  <a:pt x="5473878" y="2013997"/>
+                  <a:pt x="5487846" y="2238323"/>
+                  <a:pt x="5491137" y="2415813"/>
+                </a:cubicBezTo>
+                <a:cubicBezTo>
+                  <a:pt x="5494423" y="2593300"/>
+                  <a:pt x="5496064" y="2839811"/>
+                  <a:pt x="5496064" y="3155348"/>
+                </a:cubicBezTo>
+                <a:cubicBezTo>
+                  <a:pt x="5496064" y="3470881"/>
+                  <a:pt x="5494423" y="3717393"/>
+                  <a:pt x="5491137" y="3894879"/>
+                </a:cubicBezTo>
+                <a:cubicBezTo>
+                  <a:pt x="5487846" y="4072369"/>
+                  <a:pt x="5473878" y="4296695"/>
+                  <a:pt x="5449229" y="4567857"/>
+                </a:cubicBezTo>
+                <a:cubicBezTo>
+                  <a:pt x="5424575" y="4839022"/>
+                  <a:pt x="5387599" y="5081425"/>
+                  <a:pt x="5338296" y="5295065"/>
+                </a:cubicBezTo>
+                <a:cubicBezTo>
+                  <a:pt x="5312003" y="5415035"/>
+                  <a:pt x="5270507" y="5525554"/>
+                  <a:pt x="5213810" y="5626625"/>
+                </a:cubicBezTo>
+                <a:lnTo>
+                  <a:pt x="5194366" y="5655759"/>
+                </a:lnTo>
+                <a:lnTo>
+                  <a:pt x="0" y="5655759"/>
+                </a:lnTo>
+                <a:lnTo>
+                  <a:pt x="0" y="5017060"/>
+                </a:lnTo>
+                <a:lnTo>
+                  <a:pt x="56790" y="5038694"/>
+                </a:lnTo>
+                <a:cubicBezTo>
+                  <a:pt x="82263" y="5045267"/>
+                  <a:pt x="107325" y="5048553"/>
+                  <a:pt x="131974" y="5048553"/>
+                </a:cubicBezTo>
+                <a:cubicBezTo>
+                  <a:pt x="197713" y="5048553"/>
+                  <a:pt x="253589" y="5032121"/>
+                  <a:pt x="299602" y="4999254"/>
+                </a:cubicBezTo>
+                <a:lnTo>
+                  <a:pt x="2823880" y="3421578"/>
+                </a:lnTo>
+                <a:cubicBezTo>
+                  <a:pt x="2922487" y="3365702"/>
+                  <a:pt x="2971790" y="3276959"/>
+                  <a:pt x="2971790" y="3155348"/>
+                </a:cubicBezTo>
+                <a:cubicBezTo>
+                  <a:pt x="2971790" y="3033733"/>
+                  <a:pt x="2922487" y="2944990"/>
+                  <a:pt x="2823880" y="2889114"/>
+                </a:cubicBezTo>
+                <a:lnTo>
+                  <a:pt x="299602" y="1311443"/>
+                </a:lnTo>
+                <a:cubicBezTo>
+                  <a:pt x="248657" y="1278571"/>
+                  <a:pt x="196479" y="1261317"/>
+                  <a:pt x="143067" y="1259672"/>
+                </a:cubicBezTo>
+                <a:cubicBezTo>
+                  <a:pt x="116363" y="1258851"/>
+                  <a:pt x="89350" y="1261933"/>
+                  <a:pt x="62028" y="1268917"/>
+                </a:cubicBezTo>
+                <a:lnTo>
+                  <a:pt x="0" y="1293359"/>
+                </a:lnTo>
+                <a:lnTo>
+                  <a:pt x="0" y="8465"/>
+                </a:lnTo>
+                <a:lnTo>
+                  <a:pt x="41691" y="7704"/>
+                </a:lnTo>
+                <a:cubicBezTo>
+                  <a:pt x="364005" y="2568"/>
+                  <a:pt x="709635" y="0"/>
+                  <a:pt x="1078581" y="0"/>
+                </a:cubicBezTo>
+                <a:close/>
+              </a:path>
+            </a:pathLst>
+          </a:custGeom>
+          <a:solidFill>
+            <a:srgbClr val="FF0000"/>
+          </a:solidFill>
+          <a:ln>
+            <a:noFill/>
+          </a:ln>
+        </p:spPr>
+        <p:style>
+          <a:lnRef idx="2">
+            <a:schemeClr val="accent1">
+              <a:shade val="50000"/>
+            </a:schemeClr>
+          </a:lnRef>
+          <a:fillRef idx="1">
+            <a:schemeClr val="accent1"/>
+          </a:fillRef>
+          <a:effectRef idx="0">
+            <a:schemeClr val="accent1"/>
+          </a:effectRef>
+          <a:fontRef idx="minor">
+            <a:schemeClr val="lt1"/>
+          </a:fontRef>
+        </p:style>
+        <p:txBody>
+          <a:bodyPr wrap="square" rtlCol="0" anchor="ctr">
+            <a:noAutofit/>
+          </a:bodyPr>
+          <a:lstStyle/>
+          <a:p>
+            <a:pPr algn="ctr"/>
+            <a:endParaRPr lang="en-US"/>
+          </a:p>
+        </p:txBody>
+      </p:sp>
+    </p:spTree>
+    <p:extLst>
+      <p:ext uri="{BB962C8B-B14F-4D97-AF65-F5344CB8AC3E}">
+        <p14:creationId xmlns:p14="http://schemas.microsoft.com/office/powerpoint/2010/main" val="2767117453"/>
+      </p:ext>
+    </p:extLst>
+  </p:cSld>
+  <p:clrMapOvr>
+    <a:masterClrMapping/>
+  </p:clrMapOvr>
+</p:sld>
+</file>
+
+<file path=ppt/slides/slide6.xml><?xml version="1.0" encoding="utf-8"?>
+<p:sld xmlns:a="http://schemas.openxmlformats.org/drawingml/2006/main" xmlns:r="http://schemas.openxmlformats.org/officeDocument/2006/relationships" xmlns:p="http://schemas.openxmlformats.org/presentationml/2006/main">
+  <p:cSld>
+    <p:spTree>
+      <p:nvGrpSpPr>
+        <p:cNvPr id="1" name=""/>
+        <p:cNvGrpSpPr/>
+        <p:nvPr/>
+      </p:nvGrpSpPr>
+      <p:grpSpPr>
+        <a:xfrm>
+          <a:off x="0" y="0"/>
+          <a:ext cx="0" cy="0"/>
+          <a:chOff x="0" y="0"/>
+          <a:chExt cx="0" cy="0"/>
+        </a:xfrm>
+      </p:grpSpPr>
+      <p:sp>
+        <p:nvSpPr>
+          <p:cNvPr id="19" name="Rectangle 18">
+            <a:extLst>
+              <a:ext uri="{FF2B5EF4-FFF2-40B4-BE49-F238E27FC236}">
+                <a16:creationId xmlns:a16="http://schemas.microsoft.com/office/drawing/2014/main" id="{92282DD0-6D87-41CE-ABF1-AB17DC013D70}"/>
+              </a:ext>
+            </a:extLst>
+          </p:cNvPr>
+          <p:cNvSpPr/>
+          <p:nvPr/>
+        </p:nvSpPr>
+        <p:spPr>
+          <a:xfrm>
+            <a:off x="0" y="6305911"/>
+            <a:ext cx="12192000" cy="552091"/>
+          </a:xfrm>
+          <a:prstGeom prst="rect">
+            <a:avLst/>
+          </a:prstGeom>
+          <a:solidFill>
+            <a:schemeClr val="bg1"/>
+          </a:solidFill>
+          <a:ln>
+            <a:noFill/>
+          </a:ln>
+        </p:spPr>
+        <p:style>
+          <a:lnRef idx="2">
+            <a:schemeClr val="accent1">
+              <a:shade val="50000"/>
+            </a:schemeClr>
+          </a:lnRef>
+          <a:fillRef idx="1">
+            <a:schemeClr val="accent1"/>
+          </a:fillRef>
+          <a:effectRef idx="0">
+            <a:schemeClr val="accent1"/>
+          </a:effectRef>
+          <a:fontRef idx="minor">
+            <a:schemeClr val="lt1"/>
+          </a:fontRef>
+        </p:style>
+        <p:txBody>
+          <a:bodyPr rIns="1097280" bIns="91440" rtlCol="0" anchor="ctr"/>
+          <a:lstStyle/>
+          <a:p>
+            <a:pPr marL="0" marR="0" lvl="0" indent="0" algn="r" defTabSz="914400" rtl="0" eaLnBrk="1" fontAlgn="auto" latinLnBrk="0" hangingPunct="1">
+              <a:lnSpc>
+                <a:spcPct val="100000"/>
+              </a:lnSpc>
+              <a:spcBef>
+                <a:spcPts val="0"/>
+              </a:spcBef>
+              <a:spcAft>
+                <a:spcPts val="0"/>
+              </a:spcAft>
+              <a:buClrTx/>
+              <a:buSzTx/>
+              <a:buFontTx/>
+              <a:buNone/>
+              <a:tabLst/>
+              <a:defRPr/>
+            </a:pPr>
+            <a:endParaRPr kumimoji="0" lang="en-US" sz="3200" b="0" i="0" u="none" strike="noStrike" kern="1200" cap="none" spc="150" normalizeH="0" baseline="0" noProof="0" dirty="0">
+              <a:ln>
+                <a:noFill/>
+              </a:ln>
+              <a:solidFill>
+                <a:prstClr val="white">
+                  <a:lumMod val="75000"/>
+                </a:prstClr>
+              </a:solidFill>
+              <a:effectLst/>
+              <a:uLnTx/>
+              <a:uFillTx/>
+              <a:latin typeface="+mn-lt"/>
+              <a:ea typeface="+mn-ea"/>
+              <a:cs typeface="+mn-cs"/>
+            </a:endParaRPr>
+          </a:p>
+        </p:txBody>
+      </p:sp>
+      <p:sp>
+        <p:nvSpPr>
+          <p:cNvPr id="2" name="Title 1">
+            <a:extLst>
+              <a:ext uri="{FF2B5EF4-FFF2-40B4-BE49-F238E27FC236}">
+                <a16:creationId xmlns:a16="http://schemas.microsoft.com/office/drawing/2014/main" id="{33101823-B7E8-4F9B-B03F-29FC1BF88595}"/>
+              </a:ext>
+            </a:extLst>
+          </p:cNvPr>
+          <p:cNvSpPr>
+            <a:spLocks noGrp="1"/>
+          </p:cNvSpPr>
+          <p:nvPr>
+            <p:ph type="title"/>
+          </p:nvPr>
+        </p:nvSpPr>
+        <p:spPr/>
+        <p:txBody>
+          <a:bodyPr/>
+          <a:lstStyle/>
+          <a:p>
+            <a:r>
+              <a:rPr lang="en-US" dirty="0"/>
+              <a:t>Major Trending YouTube Videos </a:t>
+            </a:r>
+            <a:r>
+              <a:rPr lang="en-US"/>
+              <a:t>by Country</a:t>
+            </a:r>
+            <a:endParaRPr lang="en-US" dirty="0"/>
+          </a:p>
+        </p:txBody>
+      </p:sp>
+      <p:sp>
+        <p:nvSpPr>
+          <p:cNvPr id="5" name="Rectangle: Rounded Corners 4">
+            <a:extLst>
+              <a:ext uri="{FF2B5EF4-FFF2-40B4-BE49-F238E27FC236}">
+                <a16:creationId xmlns:a16="http://schemas.microsoft.com/office/drawing/2014/main" id="{138442F2-CC48-4259-A360-1539111AD1DD}"/>
+              </a:ext>
+            </a:extLst>
+          </p:cNvPr>
+          <p:cNvSpPr/>
+          <p:nvPr/>
+        </p:nvSpPr>
+        <p:spPr>
+          <a:xfrm>
+            <a:off x="5902750" y="4690081"/>
+            <a:ext cx="1782618" cy="1163782"/>
+          </a:xfrm>
+          <a:prstGeom prst="roundRect">
+            <a:avLst>
+              <a:gd name="adj" fmla="val 6350"/>
+            </a:avLst>
+          </a:prstGeom>
+          <a:solidFill>
+            <a:srgbClr val="FF0000"/>
+          </a:solidFill>
+          <a:ln>
+            <a:noFill/>
+          </a:ln>
+        </p:spPr>
+        <p:style>
+          <a:lnRef idx="2">
+            <a:schemeClr val="accent1">
+              <a:shade val="50000"/>
+            </a:schemeClr>
+          </a:lnRef>
+          <a:fillRef idx="1">
+            <a:schemeClr val="accent1"/>
+          </a:fillRef>
+          <a:effectRef idx="0">
+            <a:schemeClr val="accent1"/>
+          </a:effectRef>
+          <a:fontRef idx="minor">
+            <a:schemeClr val="lt1"/>
+          </a:fontRef>
+        </p:style>
+        <p:txBody>
+          <a:bodyPr tIns="91440" bIns="91440" rtlCol="0" anchor="ctr"/>
+          <a:lstStyle/>
+          <a:p>
+            <a:pPr algn="ctr"/>
+            <a:r>
+              <a:rPr lang="en-US" sz="4000" b="1">
+                <a:solidFill>
+                  <a:schemeClr val="bg1"/>
+                </a:solidFill>
+              </a:rPr>
+              <a:t>124</a:t>
+            </a:r>
+            <a:endParaRPr lang="en-US" sz="3200" b="1">
+              <a:solidFill>
+                <a:schemeClr val="bg1"/>
+              </a:solidFill>
+            </a:endParaRPr>
+          </a:p>
+          <a:p>
+            <a:pPr algn="ctr"/>
+            <a:r>
+              <a:rPr lang="en-US" sz="1600" cap="all">
+                <a:solidFill>
+                  <a:schemeClr val="bg1"/>
+                </a:solidFill>
+              </a:rPr>
+              <a:t>Videos</a:t>
+            </a:r>
+            <a:endParaRPr lang="en-US" sz="3200" cap="all">
+              <a:solidFill>
+                <a:schemeClr val="bg1"/>
+              </a:solidFill>
+            </a:endParaRPr>
+          </a:p>
+        </p:txBody>
+      </p:sp>
+      <p:sp>
+        <p:nvSpPr>
+          <p:cNvPr id="12" name="Rectangle: Rounded Corners 11">
+            <a:extLst>
+              <a:ext uri="{FF2B5EF4-FFF2-40B4-BE49-F238E27FC236}">
+                <a16:creationId xmlns:a16="http://schemas.microsoft.com/office/drawing/2014/main" id="{E562942F-5222-4FD1-B903-2159B703E76D}"/>
+              </a:ext>
+            </a:extLst>
+          </p:cNvPr>
+          <p:cNvSpPr/>
+          <p:nvPr/>
+        </p:nvSpPr>
+        <p:spPr>
+          <a:xfrm>
+            <a:off x="7879331" y="4690081"/>
+            <a:ext cx="1782618" cy="1163782"/>
+          </a:xfrm>
+          <a:prstGeom prst="roundRect">
+            <a:avLst>
+              <a:gd name="adj" fmla="val 6350"/>
+            </a:avLst>
+          </a:prstGeom>
+          <a:solidFill>
+            <a:srgbClr val="FF0000"/>
+          </a:solidFill>
+          <a:ln>
+            <a:noFill/>
+          </a:ln>
+        </p:spPr>
+        <p:style>
+          <a:lnRef idx="2">
+            <a:schemeClr val="accent1">
+              <a:shade val="50000"/>
+            </a:schemeClr>
+          </a:lnRef>
+          <a:fillRef idx="1">
+            <a:schemeClr val="accent1"/>
+          </a:fillRef>
+          <a:effectRef idx="0">
+            <a:schemeClr val="accent1"/>
+          </a:effectRef>
+          <a:fontRef idx="minor">
+            <a:schemeClr val="lt1"/>
+          </a:fontRef>
+        </p:style>
+        <p:txBody>
+          <a:bodyPr tIns="91440" bIns="91440" rtlCol="0" anchor="ctr"/>
+          <a:lstStyle/>
+          <a:p>
+            <a:pPr algn="ctr"/>
+            <a:r>
+              <a:rPr lang="en-US" sz="4000" b="1">
+                <a:solidFill>
+                  <a:schemeClr val="bg1"/>
+                </a:solidFill>
+              </a:rPr>
+              <a:t>2.6M</a:t>
+            </a:r>
+            <a:endParaRPr lang="en-US" sz="3200" b="1">
+              <a:solidFill>
+                <a:schemeClr val="bg1"/>
+              </a:solidFill>
+            </a:endParaRPr>
+          </a:p>
+          <a:p>
+            <a:pPr algn="ctr"/>
+            <a:r>
+              <a:rPr lang="en-US" sz="1600" cap="all">
+                <a:solidFill>
+                  <a:schemeClr val="bg1"/>
+                </a:solidFill>
+              </a:rPr>
+              <a:t>Views</a:t>
+            </a:r>
+            <a:endParaRPr lang="en-US" sz="3200" cap="all">
+              <a:solidFill>
+                <a:schemeClr val="bg1"/>
+              </a:solidFill>
+            </a:endParaRPr>
+          </a:p>
+        </p:txBody>
+      </p:sp>
+      <p:sp>
+        <p:nvSpPr>
+          <p:cNvPr id="13" name="Rectangle: Rounded Corners 12">
+            <a:extLst>
+              <a:ext uri="{FF2B5EF4-FFF2-40B4-BE49-F238E27FC236}">
+                <a16:creationId xmlns:a16="http://schemas.microsoft.com/office/drawing/2014/main" id="{80F2D2F7-1EEA-45E6-8477-690DF608EE60}"/>
+              </a:ext>
+            </a:extLst>
+          </p:cNvPr>
+          <p:cNvSpPr/>
+          <p:nvPr/>
+        </p:nvSpPr>
+        <p:spPr>
+          <a:xfrm>
+            <a:off x="9855913" y="4690081"/>
+            <a:ext cx="1782618" cy="1163782"/>
+          </a:xfrm>
+          <a:prstGeom prst="roundRect">
+            <a:avLst>
+              <a:gd name="adj" fmla="val 6350"/>
+            </a:avLst>
+          </a:prstGeom>
+          <a:solidFill>
+            <a:srgbClr val="FF0000"/>
+          </a:solidFill>
+          <a:ln>
+            <a:noFill/>
+          </a:ln>
+        </p:spPr>
+        <p:style>
+          <a:lnRef idx="2">
+            <a:schemeClr val="accent1">
+              <a:shade val="50000"/>
+            </a:schemeClr>
+          </a:lnRef>
+          <a:fillRef idx="1">
+            <a:schemeClr val="accent1"/>
+          </a:fillRef>
+          <a:effectRef idx="0">
+            <a:schemeClr val="accent1"/>
+          </a:effectRef>
+          <a:fontRef idx="minor">
+            <a:schemeClr val="lt1"/>
+          </a:fontRef>
+        </p:style>
+        <p:txBody>
+          <a:bodyPr tIns="91440" bIns="91440" rtlCol="0" anchor="ctr"/>
+          <a:lstStyle/>
+          <a:p>
+            <a:pPr algn="ctr"/>
+            <a:r>
+              <a:rPr lang="en-US" sz="4000" b="1">
+                <a:solidFill>
+                  <a:schemeClr val="bg1"/>
+                </a:solidFill>
+              </a:rPr>
+              <a:t>33k</a:t>
+            </a:r>
+            <a:endParaRPr lang="en-US" sz="3200" b="1">
+              <a:solidFill>
+                <a:schemeClr val="bg1"/>
+              </a:solidFill>
+            </a:endParaRPr>
+          </a:p>
+          <a:p>
+            <a:pPr algn="ctr"/>
+            <a:r>
+              <a:rPr lang="en-US" sz="1600" cap="all">
+                <a:solidFill>
+                  <a:schemeClr val="bg1"/>
+                </a:solidFill>
+              </a:rPr>
+              <a:t>Subscribers</a:t>
+            </a:r>
+            <a:endParaRPr lang="en-US" sz="3200" cap="all">
+              <a:solidFill>
+                <a:schemeClr val="bg1"/>
+              </a:solidFill>
+            </a:endParaRPr>
+          </a:p>
+        </p:txBody>
+      </p:sp>
+      <p:sp>
+        <p:nvSpPr>
+          <p:cNvPr id="10" name="Rectangle 9">
+            <a:extLst>
+              <a:ext uri="{FF2B5EF4-FFF2-40B4-BE49-F238E27FC236}">
+                <a16:creationId xmlns:a16="http://schemas.microsoft.com/office/drawing/2014/main" id="{BD10F5D8-5BD1-46C7-B31A-1D4A199B2212}"/>
+              </a:ext>
+            </a:extLst>
+          </p:cNvPr>
+          <p:cNvSpPr/>
+          <p:nvPr/>
+        </p:nvSpPr>
+        <p:spPr>
+          <a:xfrm>
+            <a:off x="5902749" y="2545595"/>
+            <a:ext cx="5735781" cy="1938992"/>
+          </a:xfrm>
+          <a:prstGeom prst="rect">
+            <a:avLst/>
+          </a:prstGeom>
+        </p:spPr>
+        <p:txBody>
+          <a:bodyPr wrap="square">
+            <a:spAutoFit/>
+          </a:bodyPr>
+          <a:lstStyle/>
+          <a:p>
+            <a:pPr algn="just"/>
+            <a:r>
+              <a:rPr lang="en-US" sz="2400">
+                <a:solidFill>
+                  <a:schemeClr val="bg1">
+                    <a:lumMod val="75000"/>
+                  </a:schemeClr>
+                </a:solidFill>
+              </a:rPr>
+              <a:t>Lorem ipsum dolor sit amet, nibh est. A magna maecenas, quam magna nec quis, lorem nunc. Suspendisse viverra sodales mauris, cras pharetra proin egestas arcu erat dolor, at amet. </a:t>
+            </a:r>
+          </a:p>
+        </p:txBody>
+      </p:sp>
+      <p:sp>
+        <p:nvSpPr>
+          <p:cNvPr id="11" name="Rectangle 10">
+            <a:extLst>
+              <a:ext uri="{FF2B5EF4-FFF2-40B4-BE49-F238E27FC236}">
+                <a16:creationId xmlns:a16="http://schemas.microsoft.com/office/drawing/2014/main" id="{3CE21F66-99D6-46BB-B337-986FC43F03B5}"/>
+              </a:ext>
+            </a:extLst>
+          </p:cNvPr>
+          <p:cNvSpPr/>
+          <p:nvPr/>
+        </p:nvSpPr>
+        <p:spPr>
+          <a:xfrm>
+            <a:off x="7708589" y="1736109"/>
+            <a:ext cx="2124108" cy="707886"/>
+          </a:xfrm>
+          <a:prstGeom prst="rect">
+            <a:avLst/>
+          </a:prstGeom>
+        </p:spPr>
+        <p:txBody>
+          <a:bodyPr wrap="none" anchor="b">
+            <a:spAutoFit/>
+          </a:bodyPr>
+          <a:lstStyle/>
+          <a:p>
+            <a:pPr algn="ctr"/>
+            <a:r>
+              <a:rPr lang="en-US" sz="4000" b="1" cap="all" dirty="0">
+                <a:solidFill>
+                  <a:schemeClr val="bg1"/>
+                </a:solidFill>
+              </a:rPr>
+              <a:t>Group 2</a:t>
+            </a:r>
+          </a:p>
+        </p:txBody>
+      </p:sp>
+      <p:sp>
+        <p:nvSpPr>
+          <p:cNvPr id="14" name="Freeform: Shape 13">
+            <a:extLst>
+              <a:ext uri="{FF2B5EF4-FFF2-40B4-BE49-F238E27FC236}">
+                <a16:creationId xmlns:a16="http://schemas.microsoft.com/office/drawing/2014/main" id="{3925ABDA-2583-4E6C-9457-D94CB9A800BF}"/>
+              </a:ext>
+            </a:extLst>
+          </p:cNvPr>
+          <p:cNvSpPr/>
+          <p:nvPr/>
+        </p:nvSpPr>
+        <p:spPr>
+          <a:xfrm>
+            <a:off x="0" y="1202242"/>
+            <a:ext cx="5496064" cy="5655759"/>
+          </a:xfrm>
+          <a:custGeom>
+            <a:avLst/>
+            <a:gdLst>
+              <a:gd name="connsiteX0" fmla="*/ 1078581 w 5496064"/>
+              <a:gd name="connsiteY0" fmla="*/ 0 h 5655759"/>
+              <a:gd name="connsiteX1" fmla="*/ 4386762 w 5496064"/>
+              <a:gd name="connsiteY1" fmla="*/ 123256 h 5655759"/>
+              <a:gd name="connsiteX2" fmla="*/ 5000577 w 5496064"/>
+              <a:gd name="connsiteY2" fmla="*/ 409208 h 5655759"/>
+              <a:gd name="connsiteX3" fmla="*/ 5343227 w 5496064"/>
+              <a:gd name="connsiteY3" fmla="*/ 1015628 h 5655759"/>
+              <a:gd name="connsiteX4" fmla="*/ 5449229 w 5496064"/>
+              <a:gd name="connsiteY4" fmla="*/ 1742836 h 5655759"/>
+              <a:gd name="connsiteX5" fmla="*/ 5491137 w 5496064"/>
+              <a:gd name="connsiteY5" fmla="*/ 2415813 h 5655759"/>
+              <a:gd name="connsiteX6" fmla="*/ 5496064 w 5496064"/>
+              <a:gd name="connsiteY6" fmla="*/ 3155348 h 5655759"/>
+              <a:gd name="connsiteX7" fmla="*/ 5491137 w 5496064"/>
+              <a:gd name="connsiteY7" fmla="*/ 3894879 h 5655759"/>
+              <a:gd name="connsiteX8" fmla="*/ 5449229 w 5496064"/>
+              <a:gd name="connsiteY8" fmla="*/ 4567857 h 5655759"/>
+              <a:gd name="connsiteX9" fmla="*/ 5338296 w 5496064"/>
+              <a:gd name="connsiteY9" fmla="*/ 5295065 h 5655759"/>
+              <a:gd name="connsiteX10" fmla="*/ 5213810 w 5496064"/>
+              <a:gd name="connsiteY10" fmla="*/ 5626625 h 5655759"/>
+              <a:gd name="connsiteX11" fmla="*/ 5194366 w 5496064"/>
+              <a:gd name="connsiteY11" fmla="*/ 5655759 h 5655759"/>
+              <a:gd name="connsiteX12" fmla="*/ 0 w 5496064"/>
+              <a:gd name="connsiteY12" fmla="*/ 5655759 h 5655759"/>
+              <a:gd name="connsiteX13" fmla="*/ 0 w 5496064"/>
+              <a:gd name="connsiteY13" fmla="*/ 5017060 h 5655759"/>
+              <a:gd name="connsiteX14" fmla="*/ 56790 w 5496064"/>
+              <a:gd name="connsiteY14" fmla="*/ 5038694 h 5655759"/>
+              <a:gd name="connsiteX15" fmla="*/ 131974 w 5496064"/>
+              <a:gd name="connsiteY15" fmla="*/ 5048553 h 5655759"/>
+              <a:gd name="connsiteX16" fmla="*/ 299602 w 5496064"/>
+              <a:gd name="connsiteY16" fmla="*/ 4999254 h 5655759"/>
+              <a:gd name="connsiteX17" fmla="*/ 2823880 w 5496064"/>
+              <a:gd name="connsiteY17" fmla="*/ 3421578 h 5655759"/>
+              <a:gd name="connsiteX18" fmla="*/ 2971790 w 5496064"/>
+              <a:gd name="connsiteY18" fmla="*/ 3155348 h 5655759"/>
+              <a:gd name="connsiteX19" fmla="*/ 2823880 w 5496064"/>
+              <a:gd name="connsiteY19" fmla="*/ 2889114 h 5655759"/>
+              <a:gd name="connsiteX20" fmla="*/ 299602 w 5496064"/>
+              <a:gd name="connsiteY20" fmla="*/ 1311443 h 5655759"/>
+              <a:gd name="connsiteX21" fmla="*/ 143067 w 5496064"/>
+              <a:gd name="connsiteY21" fmla="*/ 1259672 h 5655759"/>
+              <a:gd name="connsiteX22" fmla="*/ 62028 w 5496064"/>
+              <a:gd name="connsiteY22" fmla="*/ 1268917 h 5655759"/>
+              <a:gd name="connsiteX23" fmla="*/ 0 w 5496064"/>
+              <a:gd name="connsiteY23" fmla="*/ 1293359 h 5655759"/>
+              <a:gd name="connsiteX24" fmla="*/ 0 w 5496064"/>
+              <a:gd name="connsiteY24" fmla="*/ 8465 h 5655759"/>
+              <a:gd name="connsiteX25" fmla="*/ 41691 w 5496064"/>
+              <a:gd name="connsiteY25" fmla="*/ 7704 h 5655759"/>
+              <a:gd name="connsiteX26" fmla="*/ 1078581 w 5496064"/>
+              <a:gd name="connsiteY26" fmla="*/ 0 h 5655759"/>
+            </a:gdLst>
+            <a:ahLst/>
+            <a:cxnLst>
+              <a:cxn ang="0">
+                <a:pos x="connsiteX0" y="connsiteY0"/>
+              </a:cxn>
+              <a:cxn ang="0">
+                <a:pos x="connsiteX1" y="connsiteY1"/>
+              </a:cxn>
+              <a:cxn ang="0">
+                <a:pos x="connsiteX2" y="connsiteY2"/>
+              </a:cxn>
+              <a:cxn ang="0">
+                <a:pos x="connsiteX3" y="connsiteY3"/>
+              </a:cxn>
+              <a:cxn ang="0">
+                <a:pos x="connsiteX4" y="connsiteY4"/>
+              </a:cxn>
+              <a:cxn ang="0">
+                <a:pos x="connsiteX5" y="connsiteY5"/>
+              </a:cxn>
+              <a:cxn ang="0">
+                <a:pos x="connsiteX6" y="connsiteY6"/>
+              </a:cxn>
+              <a:cxn ang="0">
+                <a:pos x="connsiteX7" y="connsiteY7"/>
+              </a:cxn>
+              <a:cxn ang="0">
+                <a:pos x="connsiteX8" y="connsiteY8"/>
+              </a:cxn>
+              <a:cxn ang="0">
+                <a:pos x="connsiteX9" y="connsiteY9"/>
+              </a:cxn>
+              <a:cxn ang="0">
+                <a:pos x="connsiteX10" y="connsiteY10"/>
+              </a:cxn>
+              <a:cxn ang="0">
+                <a:pos x="connsiteX11" y="connsiteY11"/>
+              </a:cxn>
+              <a:cxn ang="0">
+                <a:pos x="connsiteX12" y="connsiteY12"/>
+              </a:cxn>
+              <a:cxn ang="0">
+                <a:pos x="connsiteX13" y="connsiteY13"/>
+              </a:cxn>
+              <a:cxn ang="0">
+                <a:pos x="connsiteX14" y="connsiteY14"/>
+              </a:cxn>
+              <a:cxn ang="0">
+                <a:pos x="connsiteX15" y="connsiteY15"/>
+              </a:cxn>
+              <a:cxn ang="0">
+                <a:pos x="connsiteX16" y="connsiteY16"/>
+              </a:cxn>
+              <a:cxn ang="0">
+                <a:pos x="connsiteX17" y="connsiteY17"/>
+              </a:cxn>
+              <a:cxn ang="0">
+                <a:pos x="connsiteX18" y="connsiteY18"/>
+              </a:cxn>
+              <a:cxn ang="0">
+                <a:pos x="connsiteX19" y="connsiteY19"/>
+              </a:cxn>
+              <a:cxn ang="0">
+                <a:pos x="connsiteX20" y="connsiteY20"/>
+              </a:cxn>
+              <a:cxn ang="0">
+                <a:pos x="connsiteX21" y="connsiteY21"/>
+              </a:cxn>
+              <a:cxn ang="0">
+                <a:pos x="connsiteX22" y="connsiteY22"/>
+              </a:cxn>
+              <a:cxn ang="0">
+                <a:pos x="connsiteX23" y="connsiteY23"/>
+              </a:cxn>
+              <a:cxn ang="0">
+                <a:pos x="connsiteX24" y="connsiteY24"/>
+              </a:cxn>
+              <a:cxn ang="0">
+                <a:pos x="connsiteX25" y="connsiteY25"/>
+              </a:cxn>
+              <a:cxn ang="0">
+                <a:pos x="connsiteX26" y="connsiteY26"/>
+              </a:cxn>
+            </a:cxnLst>
+            <a:rect l="l" t="t" r="r" b="b"/>
+            <a:pathLst>
+              <a:path w="5496064" h="5655759">
+                <a:moveTo>
+                  <a:pt x="1078581" y="0"/>
+                </a:moveTo>
+                <a:cubicBezTo>
+                  <a:pt x="2554360" y="0"/>
+                  <a:pt x="3657090" y="41086"/>
+                  <a:pt x="4386762" y="123256"/>
+                </a:cubicBezTo>
+                <a:cubicBezTo>
+                  <a:pt x="4620128" y="149551"/>
+                  <a:pt x="4824732" y="244867"/>
+                  <a:pt x="5000577" y="409208"/>
+                </a:cubicBezTo>
+                <a:cubicBezTo>
+                  <a:pt x="5176422" y="573549"/>
+                  <a:pt x="5290638" y="775689"/>
+                  <a:pt x="5343227" y="1015628"/>
+                </a:cubicBezTo>
+                <a:cubicBezTo>
+                  <a:pt x="5389244" y="1229272"/>
+                  <a:pt x="5424575" y="1471675"/>
+                  <a:pt x="5449229" y="1742836"/>
+                </a:cubicBezTo>
+                <a:cubicBezTo>
+                  <a:pt x="5473878" y="2013997"/>
+                  <a:pt x="5487846" y="2238323"/>
+                  <a:pt x="5491137" y="2415813"/>
+                </a:cubicBezTo>
+                <a:cubicBezTo>
+                  <a:pt x="5494423" y="2593300"/>
+                  <a:pt x="5496064" y="2839811"/>
+                  <a:pt x="5496064" y="3155348"/>
+                </a:cubicBezTo>
+                <a:cubicBezTo>
+                  <a:pt x="5496064" y="3470881"/>
+                  <a:pt x="5494423" y="3717393"/>
+                  <a:pt x="5491137" y="3894879"/>
+                </a:cubicBezTo>
+                <a:cubicBezTo>
+                  <a:pt x="5487846" y="4072369"/>
+                  <a:pt x="5473878" y="4296695"/>
+                  <a:pt x="5449229" y="4567857"/>
+                </a:cubicBezTo>
+                <a:cubicBezTo>
+                  <a:pt x="5424575" y="4839022"/>
+                  <a:pt x="5387599" y="5081425"/>
+                  <a:pt x="5338296" y="5295065"/>
+                </a:cubicBezTo>
+                <a:cubicBezTo>
+                  <a:pt x="5312003" y="5415035"/>
+                  <a:pt x="5270507" y="5525554"/>
+                  <a:pt x="5213810" y="5626625"/>
+                </a:cubicBezTo>
+                <a:lnTo>
+                  <a:pt x="5194366" y="5655759"/>
+                </a:lnTo>
+                <a:lnTo>
+                  <a:pt x="0" y="5655759"/>
+                </a:lnTo>
+                <a:lnTo>
+                  <a:pt x="0" y="5017060"/>
+                </a:lnTo>
+                <a:lnTo>
+                  <a:pt x="56790" y="5038694"/>
+                </a:lnTo>
+                <a:cubicBezTo>
+                  <a:pt x="82263" y="5045267"/>
+                  <a:pt x="107325" y="5048553"/>
+                  <a:pt x="131974" y="5048553"/>
+                </a:cubicBezTo>
+                <a:cubicBezTo>
+                  <a:pt x="197713" y="5048553"/>
+                  <a:pt x="253589" y="5032121"/>
+                  <a:pt x="299602" y="4999254"/>
+                </a:cubicBezTo>
+                <a:lnTo>
+                  <a:pt x="2823880" y="3421578"/>
+                </a:lnTo>
+                <a:cubicBezTo>
+                  <a:pt x="2922487" y="3365702"/>
+                  <a:pt x="2971790" y="3276959"/>
+                  <a:pt x="2971790" y="3155348"/>
+                </a:cubicBezTo>
+                <a:cubicBezTo>
+                  <a:pt x="2971790" y="3033733"/>
+                  <a:pt x="2922487" y="2944990"/>
+                  <a:pt x="2823880" y="2889114"/>
+                </a:cubicBezTo>
+                <a:lnTo>
+                  <a:pt x="299602" y="1311443"/>
+                </a:lnTo>
+                <a:cubicBezTo>
+                  <a:pt x="248657" y="1278571"/>
+                  <a:pt x="196479" y="1261317"/>
+                  <a:pt x="143067" y="1259672"/>
+                </a:cubicBezTo>
+                <a:cubicBezTo>
+                  <a:pt x="116363" y="1258851"/>
+                  <a:pt x="89350" y="1261933"/>
+                  <a:pt x="62028" y="1268917"/>
+                </a:cubicBezTo>
+                <a:lnTo>
+                  <a:pt x="0" y="1293359"/>
+                </a:lnTo>
+                <a:lnTo>
+                  <a:pt x="0" y="8465"/>
+                </a:lnTo>
+                <a:lnTo>
+                  <a:pt x="41691" y="7704"/>
+                </a:lnTo>
+                <a:cubicBezTo>
+                  <a:pt x="364005" y="2568"/>
+                  <a:pt x="709635" y="0"/>
+                  <a:pt x="1078581" y="0"/>
+                </a:cubicBezTo>
+                <a:close/>
+              </a:path>
+            </a:pathLst>
+          </a:custGeom>
+          <a:solidFill>
+            <a:srgbClr val="FF0000"/>
+          </a:solidFill>
+          <a:ln>
+            <a:noFill/>
+          </a:ln>
+        </p:spPr>
+        <p:style>
+          <a:lnRef idx="2">
+            <a:schemeClr val="accent1">
+              <a:shade val="50000"/>
+            </a:schemeClr>
+          </a:lnRef>
+          <a:fillRef idx="1">
+            <a:schemeClr val="accent1"/>
+          </a:fillRef>
+          <a:effectRef idx="0">
+            <a:schemeClr val="accent1"/>
+          </a:effectRef>
+          <a:fontRef idx="minor">
+            <a:schemeClr val="lt1"/>
+          </a:fontRef>
+        </p:style>
+        <p:txBody>
+          <a:bodyPr wrap="square" rtlCol="0" anchor="ctr">
+            <a:noAutofit/>
+          </a:bodyPr>
+          <a:lstStyle/>
+          <a:p>
+            <a:pPr algn="ctr"/>
+            <a:endParaRPr lang="en-US"/>
+          </a:p>
+        </p:txBody>
+      </p:sp>
+    </p:spTree>
+    <p:extLst>
+      <p:ext uri="{BB962C8B-B14F-4D97-AF65-F5344CB8AC3E}">
+        <p14:creationId xmlns:p14="http://schemas.microsoft.com/office/powerpoint/2010/main" val="3498631738"/>
+      </p:ext>
+    </p:extLst>
+  </p:cSld>
+  <p:clrMapOvr>
+    <a:masterClrMapping/>
+  </p:clrMapOvr>
+</p:sld>
+</file>
+
+<file path=ppt/slides/slide7.xml><?xml version="1.0" encoding="utf-8"?>
+<p:sld xmlns:a="http://schemas.openxmlformats.org/drawingml/2006/main" xmlns:r="http://schemas.openxmlformats.org/officeDocument/2006/relationships" xmlns:p="http://schemas.openxmlformats.org/presentationml/2006/main">
+  <p:cSld>
+    <p:spTree>
+      <p:nvGrpSpPr>
+        <p:cNvPr id="1" name=""/>
+        <p:cNvGrpSpPr/>
+        <p:nvPr/>
+      </p:nvGrpSpPr>
+      <p:grpSpPr>
+        <a:xfrm>
+          <a:off x="0" y="0"/>
+          <a:ext cx="0" cy="0"/>
+          <a:chOff x="0" y="0"/>
+          <a:chExt cx="0" cy="0"/>
+        </a:xfrm>
+      </p:grpSpPr>
+      <p:sp>
+        <p:nvSpPr>
+          <p:cNvPr id="19" name="Rectangle 18">
+            <a:extLst>
+              <a:ext uri="{FF2B5EF4-FFF2-40B4-BE49-F238E27FC236}">
+                <a16:creationId xmlns:a16="http://schemas.microsoft.com/office/drawing/2014/main" id="{92282DD0-6D87-41CE-ABF1-AB17DC013D70}"/>
+              </a:ext>
+            </a:extLst>
+          </p:cNvPr>
+          <p:cNvSpPr/>
+          <p:nvPr/>
+        </p:nvSpPr>
+        <p:spPr>
+          <a:xfrm>
+            <a:off x="0" y="6305911"/>
+            <a:ext cx="12192000" cy="552091"/>
+          </a:xfrm>
+          <a:prstGeom prst="rect">
+            <a:avLst/>
+          </a:prstGeom>
+          <a:solidFill>
+            <a:schemeClr val="bg1"/>
+          </a:solidFill>
+          <a:ln>
+            <a:noFill/>
+          </a:ln>
+        </p:spPr>
+        <p:style>
+          <a:lnRef idx="2">
+            <a:schemeClr val="accent1">
+              <a:shade val="50000"/>
+            </a:schemeClr>
+          </a:lnRef>
+          <a:fillRef idx="1">
+            <a:schemeClr val="accent1"/>
+          </a:fillRef>
+          <a:effectRef idx="0">
+            <a:schemeClr val="accent1"/>
+          </a:effectRef>
+          <a:fontRef idx="minor">
+            <a:schemeClr val="lt1"/>
+          </a:fontRef>
+        </p:style>
+        <p:txBody>
+          <a:bodyPr rIns="1097280" bIns="91440" rtlCol="0" anchor="ctr"/>
+          <a:lstStyle/>
+          <a:p>
+            <a:pPr marL="0" marR="0" lvl="0" indent="0" algn="r" defTabSz="914400" rtl="0" eaLnBrk="1" fontAlgn="auto" latinLnBrk="0" hangingPunct="1">
+              <a:lnSpc>
+                <a:spcPct val="100000"/>
+              </a:lnSpc>
+              <a:spcBef>
+                <a:spcPts val="0"/>
+              </a:spcBef>
+              <a:spcAft>
+                <a:spcPts val="0"/>
+              </a:spcAft>
+              <a:buClrTx/>
+              <a:buSzTx/>
+              <a:buFontTx/>
+              <a:buNone/>
+              <a:tabLst/>
+              <a:defRPr/>
+            </a:pPr>
+            <a:endParaRPr kumimoji="0" lang="en-US" sz="3200" b="0" i="0" u="none" strike="noStrike" kern="1200" cap="none" spc="150" normalizeH="0" baseline="0" noProof="0" dirty="0">
+              <a:ln>
+                <a:noFill/>
+              </a:ln>
+              <a:solidFill>
+                <a:prstClr val="white">
+                  <a:lumMod val="75000"/>
+                </a:prstClr>
+              </a:solidFill>
+              <a:effectLst/>
+              <a:uLnTx/>
+              <a:uFillTx/>
+              <a:latin typeface="+mn-lt"/>
+              <a:ea typeface="+mn-ea"/>
+              <a:cs typeface="+mn-cs"/>
+            </a:endParaRPr>
+          </a:p>
+        </p:txBody>
+      </p:sp>
+      <p:sp>
+        <p:nvSpPr>
+          <p:cNvPr id="2" name="Title 1">
+            <a:extLst>
+              <a:ext uri="{FF2B5EF4-FFF2-40B4-BE49-F238E27FC236}">
+                <a16:creationId xmlns:a16="http://schemas.microsoft.com/office/drawing/2014/main" id="{33101823-B7E8-4F9B-B03F-29FC1BF88595}"/>
+              </a:ext>
+            </a:extLst>
+          </p:cNvPr>
+          <p:cNvSpPr>
+            <a:spLocks noGrp="1"/>
+          </p:cNvSpPr>
+          <p:nvPr>
+            <p:ph type="title"/>
+          </p:nvPr>
+        </p:nvSpPr>
+        <p:spPr/>
+        <p:txBody>
+          <a:bodyPr/>
+          <a:lstStyle/>
+          <a:p>
+            <a:r>
+              <a:rPr lang="en-US" dirty="0"/>
+              <a:t>Major Trending YouTube Videos </a:t>
+            </a:r>
+            <a:r>
+              <a:rPr lang="en-US"/>
+              <a:t>by Country</a:t>
+            </a:r>
+            <a:endParaRPr lang="en-US" dirty="0"/>
+          </a:p>
+        </p:txBody>
+      </p:sp>
+      <p:sp>
+        <p:nvSpPr>
+          <p:cNvPr id="5" name="Rectangle: Rounded Corners 4">
+            <a:extLst>
+              <a:ext uri="{FF2B5EF4-FFF2-40B4-BE49-F238E27FC236}">
+                <a16:creationId xmlns:a16="http://schemas.microsoft.com/office/drawing/2014/main" id="{138442F2-CC48-4259-A360-1539111AD1DD}"/>
+              </a:ext>
+            </a:extLst>
+          </p:cNvPr>
+          <p:cNvSpPr/>
+          <p:nvPr/>
+        </p:nvSpPr>
+        <p:spPr>
+          <a:xfrm>
+            <a:off x="5902750" y="4690081"/>
+            <a:ext cx="1782618" cy="1163782"/>
+          </a:xfrm>
+          <a:prstGeom prst="roundRect">
+            <a:avLst>
+              <a:gd name="adj" fmla="val 6350"/>
+            </a:avLst>
+          </a:prstGeom>
+          <a:solidFill>
+            <a:srgbClr val="FF0000"/>
+          </a:solidFill>
+          <a:ln>
+            <a:noFill/>
+          </a:ln>
+        </p:spPr>
+        <p:style>
+          <a:lnRef idx="2">
+            <a:schemeClr val="accent1">
+              <a:shade val="50000"/>
+            </a:schemeClr>
+          </a:lnRef>
+          <a:fillRef idx="1">
+            <a:schemeClr val="accent1"/>
+          </a:fillRef>
+          <a:effectRef idx="0">
+            <a:schemeClr val="accent1"/>
+          </a:effectRef>
+          <a:fontRef idx="minor">
+            <a:schemeClr val="lt1"/>
+          </a:fontRef>
+        </p:style>
+        <p:txBody>
+          <a:bodyPr tIns="91440" bIns="91440" rtlCol="0" anchor="ctr"/>
+          <a:lstStyle/>
+          <a:p>
+            <a:pPr algn="ctr"/>
+            <a:r>
+              <a:rPr lang="en-US" sz="4000" b="1">
+                <a:solidFill>
+                  <a:schemeClr val="bg1"/>
+                </a:solidFill>
+              </a:rPr>
+              <a:t>124</a:t>
+            </a:r>
+            <a:endParaRPr lang="en-US" sz="3200" b="1">
+              <a:solidFill>
+                <a:schemeClr val="bg1"/>
+              </a:solidFill>
+            </a:endParaRPr>
+          </a:p>
+          <a:p>
+            <a:pPr algn="ctr"/>
+            <a:r>
+              <a:rPr lang="en-US" sz="1600" cap="all">
+                <a:solidFill>
+                  <a:schemeClr val="bg1"/>
+                </a:solidFill>
+              </a:rPr>
+              <a:t>Videos</a:t>
+            </a:r>
+            <a:endParaRPr lang="en-US" sz="3200" cap="all">
+              <a:solidFill>
+                <a:schemeClr val="bg1"/>
+              </a:solidFill>
+            </a:endParaRPr>
+          </a:p>
+        </p:txBody>
+      </p:sp>
+      <p:sp>
+        <p:nvSpPr>
+          <p:cNvPr id="12" name="Rectangle: Rounded Corners 11">
+            <a:extLst>
+              <a:ext uri="{FF2B5EF4-FFF2-40B4-BE49-F238E27FC236}">
+                <a16:creationId xmlns:a16="http://schemas.microsoft.com/office/drawing/2014/main" id="{E562942F-5222-4FD1-B903-2159B703E76D}"/>
+              </a:ext>
+            </a:extLst>
+          </p:cNvPr>
+          <p:cNvSpPr/>
+          <p:nvPr/>
+        </p:nvSpPr>
+        <p:spPr>
+          <a:xfrm>
+            <a:off x="7879331" y="4690081"/>
+            <a:ext cx="1782618" cy="1163782"/>
+          </a:xfrm>
+          <a:prstGeom prst="roundRect">
+            <a:avLst>
+              <a:gd name="adj" fmla="val 6350"/>
+            </a:avLst>
+          </a:prstGeom>
+          <a:solidFill>
+            <a:srgbClr val="FF0000"/>
+          </a:solidFill>
+          <a:ln>
+            <a:noFill/>
+          </a:ln>
+        </p:spPr>
+        <p:style>
+          <a:lnRef idx="2">
+            <a:schemeClr val="accent1">
+              <a:shade val="50000"/>
+            </a:schemeClr>
+          </a:lnRef>
+          <a:fillRef idx="1">
+            <a:schemeClr val="accent1"/>
+          </a:fillRef>
+          <a:effectRef idx="0">
+            <a:schemeClr val="accent1"/>
+          </a:effectRef>
+          <a:fontRef idx="minor">
+            <a:schemeClr val="lt1"/>
+          </a:fontRef>
+        </p:style>
+        <p:txBody>
+          <a:bodyPr tIns="91440" bIns="91440" rtlCol="0" anchor="ctr"/>
+          <a:lstStyle/>
+          <a:p>
+            <a:pPr algn="ctr"/>
+            <a:r>
+              <a:rPr lang="en-US" sz="4000" b="1">
+                <a:solidFill>
+                  <a:schemeClr val="bg1"/>
+                </a:solidFill>
+              </a:rPr>
+              <a:t>2.6M</a:t>
+            </a:r>
+            <a:endParaRPr lang="en-US" sz="3200" b="1">
+              <a:solidFill>
+                <a:schemeClr val="bg1"/>
+              </a:solidFill>
+            </a:endParaRPr>
+          </a:p>
+          <a:p>
+            <a:pPr algn="ctr"/>
+            <a:r>
+              <a:rPr lang="en-US" sz="1600" cap="all">
+                <a:solidFill>
+                  <a:schemeClr val="bg1"/>
+                </a:solidFill>
+              </a:rPr>
+              <a:t>Views</a:t>
+            </a:r>
+            <a:endParaRPr lang="en-US" sz="3200" cap="all">
+              <a:solidFill>
+                <a:schemeClr val="bg1"/>
+              </a:solidFill>
+            </a:endParaRPr>
+          </a:p>
+        </p:txBody>
+      </p:sp>
+      <p:sp>
+        <p:nvSpPr>
+          <p:cNvPr id="13" name="Rectangle: Rounded Corners 12">
+            <a:extLst>
+              <a:ext uri="{FF2B5EF4-FFF2-40B4-BE49-F238E27FC236}">
+                <a16:creationId xmlns:a16="http://schemas.microsoft.com/office/drawing/2014/main" id="{80F2D2F7-1EEA-45E6-8477-690DF608EE60}"/>
+              </a:ext>
+            </a:extLst>
+          </p:cNvPr>
+          <p:cNvSpPr/>
+          <p:nvPr/>
+        </p:nvSpPr>
+        <p:spPr>
+          <a:xfrm>
+            <a:off x="9855913" y="4690081"/>
+            <a:ext cx="1782618" cy="1163782"/>
+          </a:xfrm>
+          <a:prstGeom prst="roundRect">
+            <a:avLst>
+              <a:gd name="adj" fmla="val 6350"/>
+            </a:avLst>
+          </a:prstGeom>
+          <a:solidFill>
+            <a:srgbClr val="FF0000"/>
+          </a:solidFill>
+          <a:ln>
+            <a:noFill/>
+          </a:ln>
+        </p:spPr>
+        <p:style>
+          <a:lnRef idx="2">
+            <a:schemeClr val="accent1">
+              <a:shade val="50000"/>
+            </a:schemeClr>
+          </a:lnRef>
+          <a:fillRef idx="1">
+            <a:schemeClr val="accent1"/>
+          </a:fillRef>
+          <a:effectRef idx="0">
+            <a:schemeClr val="accent1"/>
+          </a:effectRef>
+          <a:fontRef idx="minor">
+            <a:schemeClr val="lt1"/>
+          </a:fontRef>
+        </p:style>
+        <p:txBody>
+          <a:bodyPr tIns="91440" bIns="91440" rtlCol="0" anchor="ctr"/>
+          <a:lstStyle/>
+          <a:p>
+            <a:pPr algn="ctr"/>
+            <a:r>
+              <a:rPr lang="en-US" sz="4000" b="1">
+                <a:solidFill>
+                  <a:schemeClr val="bg1"/>
+                </a:solidFill>
+              </a:rPr>
+              <a:t>33k</a:t>
+            </a:r>
+            <a:endParaRPr lang="en-US" sz="3200" b="1">
+              <a:solidFill>
+                <a:schemeClr val="bg1"/>
+              </a:solidFill>
+            </a:endParaRPr>
+          </a:p>
+          <a:p>
+            <a:pPr algn="ctr"/>
+            <a:r>
+              <a:rPr lang="en-US" sz="1600" cap="all">
+                <a:solidFill>
+                  <a:schemeClr val="bg1"/>
+                </a:solidFill>
+              </a:rPr>
+              <a:t>Subscribers</a:t>
+            </a:r>
+            <a:endParaRPr lang="en-US" sz="3200" cap="all">
+              <a:solidFill>
+                <a:schemeClr val="bg1"/>
+              </a:solidFill>
+            </a:endParaRPr>
+          </a:p>
+        </p:txBody>
+      </p:sp>
+      <p:sp>
+        <p:nvSpPr>
+          <p:cNvPr id="10" name="Rectangle 9">
+            <a:extLst>
+              <a:ext uri="{FF2B5EF4-FFF2-40B4-BE49-F238E27FC236}">
+                <a16:creationId xmlns:a16="http://schemas.microsoft.com/office/drawing/2014/main" id="{BD10F5D8-5BD1-46C7-B31A-1D4A199B2212}"/>
+              </a:ext>
+            </a:extLst>
+          </p:cNvPr>
+          <p:cNvSpPr/>
+          <p:nvPr/>
+        </p:nvSpPr>
+        <p:spPr>
+          <a:xfrm>
+            <a:off x="5902749" y="2545595"/>
+            <a:ext cx="5735781" cy="1938992"/>
+          </a:xfrm>
+          <a:prstGeom prst="rect">
+            <a:avLst/>
+          </a:prstGeom>
+        </p:spPr>
+        <p:txBody>
+          <a:bodyPr wrap="square">
+            <a:spAutoFit/>
+          </a:bodyPr>
+          <a:lstStyle/>
+          <a:p>
+            <a:pPr algn="just"/>
+            <a:r>
+              <a:rPr lang="en-US" sz="2400">
+                <a:solidFill>
+                  <a:schemeClr val="bg1">
+                    <a:lumMod val="75000"/>
+                  </a:schemeClr>
+                </a:solidFill>
+              </a:rPr>
+              <a:t>Lorem ipsum dolor sit amet, nibh est. A magna maecenas, quam magna nec quis, lorem nunc. Suspendisse viverra sodales mauris, cras pharetra proin egestas arcu erat dolor, at amet. </a:t>
+            </a:r>
+          </a:p>
+        </p:txBody>
+      </p:sp>
+      <p:sp>
+        <p:nvSpPr>
+          <p:cNvPr id="11" name="Rectangle 10">
+            <a:extLst>
+              <a:ext uri="{FF2B5EF4-FFF2-40B4-BE49-F238E27FC236}">
+                <a16:creationId xmlns:a16="http://schemas.microsoft.com/office/drawing/2014/main" id="{3CE21F66-99D6-46BB-B337-986FC43F03B5}"/>
+              </a:ext>
+            </a:extLst>
+          </p:cNvPr>
+          <p:cNvSpPr/>
+          <p:nvPr/>
+        </p:nvSpPr>
+        <p:spPr>
+          <a:xfrm>
+            <a:off x="7708589" y="1736109"/>
+            <a:ext cx="2124108" cy="707886"/>
+          </a:xfrm>
+          <a:prstGeom prst="rect">
+            <a:avLst/>
+          </a:prstGeom>
+        </p:spPr>
+        <p:txBody>
+          <a:bodyPr wrap="none" anchor="b">
+            <a:spAutoFit/>
+          </a:bodyPr>
+          <a:lstStyle/>
+          <a:p>
+            <a:pPr algn="ctr"/>
+            <a:r>
+              <a:rPr lang="en-US" sz="4000" b="1" cap="all" dirty="0">
+                <a:solidFill>
+                  <a:schemeClr val="bg1"/>
+                </a:solidFill>
+              </a:rPr>
+              <a:t>Group 2</a:t>
+            </a:r>
+          </a:p>
+        </p:txBody>
+      </p:sp>
+      <p:sp>
+        <p:nvSpPr>
+          <p:cNvPr id="14" name="Freeform: Shape 13">
+            <a:extLst>
+              <a:ext uri="{FF2B5EF4-FFF2-40B4-BE49-F238E27FC236}">
+                <a16:creationId xmlns:a16="http://schemas.microsoft.com/office/drawing/2014/main" id="{3925ABDA-2583-4E6C-9457-D94CB9A800BF}"/>
+              </a:ext>
+            </a:extLst>
+          </p:cNvPr>
+          <p:cNvSpPr/>
+          <p:nvPr/>
+        </p:nvSpPr>
+        <p:spPr>
+          <a:xfrm>
+            <a:off x="0" y="1202242"/>
+            <a:ext cx="5496064" cy="5655759"/>
+          </a:xfrm>
+          <a:custGeom>
+            <a:avLst/>
+            <a:gdLst>
+              <a:gd name="connsiteX0" fmla="*/ 1078581 w 5496064"/>
+              <a:gd name="connsiteY0" fmla="*/ 0 h 5655759"/>
+              <a:gd name="connsiteX1" fmla="*/ 4386762 w 5496064"/>
+              <a:gd name="connsiteY1" fmla="*/ 123256 h 5655759"/>
+              <a:gd name="connsiteX2" fmla="*/ 5000577 w 5496064"/>
+              <a:gd name="connsiteY2" fmla="*/ 409208 h 5655759"/>
+              <a:gd name="connsiteX3" fmla="*/ 5343227 w 5496064"/>
+              <a:gd name="connsiteY3" fmla="*/ 1015628 h 5655759"/>
+              <a:gd name="connsiteX4" fmla="*/ 5449229 w 5496064"/>
+              <a:gd name="connsiteY4" fmla="*/ 1742836 h 5655759"/>
+              <a:gd name="connsiteX5" fmla="*/ 5491137 w 5496064"/>
+              <a:gd name="connsiteY5" fmla="*/ 2415813 h 5655759"/>
+              <a:gd name="connsiteX6" fmla="*/ 5496064 w 5496064"/>
+              <a:gd name="connsiteY6" fmla="*/ 3155348 h 5655759"/>
+              <a:gd name="connsiteX7" fmla="*/ 5491137 w 5496064"/>
+              <a:gd name="connsiteY7" fmla="*/ 3894879 h 5655759"/>
+              <a:gd name="connsiteX8" fmla="*/ 5449229 w 5496064"/>
+              <a:gd name="connsiteY8" fmla="*/ 4567857 h 5655759"/>
+              <a:gd name="connsiteX9" fmla="*/ 5338296 w 5496064"/>
+              <a:gd name="connsiteY9" fmla="*/ 5295065 h 5655759"/>
+              <a:gd name="connsiteX10" fmla="*/ 5213810 w 5496064"/>
+              <a:gd name="connsiteY10" fmla="*/ 5626625 h 5655759"/>
+              <a:gd name="connsiteX11" fmla="*/ 5194366 w 5496064"/>
+              <a:gd name="connsiteY11" fmla="*/ 5655759 h 5655759"/>
+              <a:gd name="connsiteX12" fmla="*/ 0 w 5496064"/>
+              <a:gd name="connsiteY12" fmla="*/ 5655759 h 5655759"/>
+              <a:gd name="connsiteX13" fmla="*/ 0 w 5496064"/>
+              <a:gd name="connsiteY13" fmla="*/ 5017060 h 5655759"/>
+              <a:gd name="connsiteX14" fmla="*/ 56790 w 5496064"/>
+              <a:gd name="connsiteY14" fmla="*/ 5038694 h 5655759"/>
+              <a:gd name="connsiteX15" fmla="*/ 131974 w 5496064"/>
+              <a:gd name="connsiteY15" fmla="*/ 5048553 h 5655759"/>
+              <a:gd name="connsiteX16" fmla="*/ 299602 w 5496064"/>
+              <a:gd name="connsiteY16" fmla="*/ 4999254 h 5655759"/>
+              <a:gd name="connsiteX17" fmla="*/ 2823880 w 5496064"/>
+              <a:gd name="connsiteY17" fmla="*/ 3421578 h 5655759"/>
+              <a:gd name="connsiteX18" fmla="*/ 2971790 w 5496064"/>
+              <a:gd name="connsiteY18" fmla="*/ 3155348 h 5655759"/>
+              <a:gd name="connsiteX19" fmla="*/ 2823880 w 5496064"/>
+              <a:gd name="connsiteY19" fmla="*/ 2889114 h 5655759"/>
+              <a:gd name="connsiteX20" fmla="*/ 299602 w 5496064"/>
+              <a:gd name="connsiteY20" fmla="*/ 1311443 h 5655759"/>
+              <a:gd name="connsiteX21" fmla="*/ 143067 w 5496064"/>
+              <a:gd name="connsiteY21" fmla="*/ 1259672 h 5655759"/>
+              <a:gd name="connsiteX22" fmla="*/ 62028 w 5496064"/>
+              <a:gd name="connsiteY22" fmla="*/ 1268917 h 5655759"/>
+              <a:gd name="connsiteX23" fmla="*/ 0 w 5496064"/>
+              <a:gd name="connsiteY23" fmla="*/ 1293359 h 5655759"/>
+              <a:gd name="connsiteX24" fmla="*/ 0 w 5496064"/>
+              <a:gd name="connsiteY24" fmla="*/ 8465 h 5655759"/>
+              <a:gd name="connsiteX25" fmla="*/ 41691 w 5496064"/>
+              <a:gd name="connsiteY25" fmla="*/ 7704 h 5655759"/>
+              <a:gd name="connsiteX26" fmla="*/ 1078581 w 5496064"/>
+              <a:gd name="connsiteY26" fmla="*/ 0 h 5655759"/>
+            </a:gdLst>
+            <a:ahLst/>
+            <a:cxnLst>
+              <a:cxn ang="0">
+                <a:pos x="connsiteX0" y="connsiteY0"/>
+              </a:cxn>
+              <a:cxn ang="0">
+                <a:pos x="connsiteX1" y="connsiteY1"/>
+              </a:cxn>
+              <a:cxn ang="0">
+                <a:pos x="connsiteX2" y="connsiteY2"/>
+              </a:cxn>
+              <a:cxn ang="0">
+                <a:pos x="connsiteX3" y="connsiteY3"/>
+              </a:cxn>
+              <a:cxn ang="0">
+                <a:pos x="connsiteX4" y="connsiteY4"/>
+              </a:cxn>
+              <a:cxn ang="0">
+                <a:pos x="connsiteX5" y="connsiteY5"/>
+              </a:cxn>
+              <a:cxn ang="0">
+                <a:pos x="connsiteX6" y="connsiteY6"/>
+              </a:cxn>
+              <a:cxn ang="0">
+                <a:pos x="connsiteX7" y="connsiteY7"/>
+              </a:cxn>
+              <a:cxn ang="0">
+                <a:pos x="connsiteX8" y="connsiteY8"/>
+              </a:cxn>
+              <a:cxn ang="0">
+                <a:pos x="connsiteX9" y="connsiteY9"/>
+              </a:cxn>
+              <a:cxn ang="0">
+                <a:pos x="connsiteX10" y="connsiteY10"/>
+              </a:cxn>
+              <a:cxn ang="0">
+                <a:pos x="connsiteX11" y="connsiteY11"/>
+              </a:cxn>
+              <a:cxn ang="0">
+                <a:pos x="connsiteX12" y="connsiteY12"/>
+              </a:cxn>
+              <a:cxn ang="0">
+                <a:pos x="connsiteX13" y="connsiteY13"/>
+              </a:cxn>
+              <a:cxn ang="0">
+                <a:pos x="connsiteX14" y="connsiteY14"/>
+              </a:cxn>
+              <a:cxn ang="0">
+                <a:pos x="connsiteX15" y="connsiteY15"/>
+              </a:cxn>
+              <a:cxn ang="0">
+                <a:pos x="connsiteX16" y="connsiteY16"/>
+              </a:cxn>
+              <a:cxn ang="0">
+                <a:pos x="connsiteX17" y="connsiteY17"/>
+              </a:cxn>
+              <a:cxn ang="0">
+                <a:pos x="connsiteX18" y="connsiteY18"/>
+              </a:cxn>
+              <a:cxn ang="0">
+                <a:pos x="connsiteX19" y="connsiteY19"/>
+              </a:cxn>
+              <a:cxn ang="0">
+                <a:pos x="connsiteX20" y="connsiteY20"/>
+              </a:cxn>
+              <a:cxn ang="0">
+                <a:pos x="connsiteX21" y="connsiteY21"/>
+              </a:cxn>
+              <a:cxn ang="0">
+                <a:pos x="connsiteX22" y="connsiteY22"/>
+              </a:cxn>
+              <a:cxn ang="0">
+                <a:pos x="connsiteX23" y="connsiteY23"/>
+              </a:cxn>
+              <a:cxn ang="0">
+                <a:pos x="connsiteX24" y="connsiteY24"/>
+              </a:cxn>
+              <a:cxn ang="0">
+                <a:pos x="connsiteX25" y="connsiteY25"/>
+              </a:cxn>
+              <a:cxn ang="0">
+                <a:pos x="connsiteX26" y="connsiteY26"/>
+              </a:cxn>
+            </a:cxnLst>
+            <a:rect l="l" t="t" r="r" b="b"/>
+            <a:pathLst>
+              <a:path w="5496064" h="5655759">
+                <a:moveTo>
+                  <a:pt x="1078581" y="0"/>
+                </a:moveTo>
+                <a:cubicBezTo>
+                  <a:pt x="2554360" y="0"/>
+                  <a:pt x="3657090" y="41086"/>
+                  <a:pt x="4386762" y="123256"/>
+                </a:cubicBezTo>
+                <a:cubicBezTo>
+                  <a:pt x="4620128" y="149551"/>
+                  <a:pt x="4824732" y="244867"/>
+                  <a:pt x="5000577" y="409208"/>
+                </a:cubicBezTo>
+                <a:cubicBezTo>
+                  <a:pt x="5176422" y="573549"/>
+                  <a:pt x="5290638" y="775689"/>
+                  <a:pt x="5343227" y="1015628"/>
+                </a:cubicBezTo>
+                <a:cubicBezTo>
+                  <a:pt x="5389244" y="1229272"/>
+                  <a:pt x="5424575" y="1471675"/>
+                  <a:pt x="5449229" y="1742836"/>
+                </a:cubicBezTo>
+                <a:cubicBezTo>
+                  <a:pt x="5473878" y="2013997"/>
+                  <a:pt x="5487846" y="2238323"/>
+                  <a:pt x="5491137" y="2415813"/>
+                </a:cubicBezTo>
+                <a:cubicBezTo>
+                  <a:pt x="5494423" y="2593300"/>
+                  <a:pt x="5496064" y="2839811"/>
+                  <a:pt x="5496064" y="3155348"/>
+                </a:cubicBezTo>
+                <a:cubicBezTo>
+                  <a:pt x="5496064" y="3470881"/>
+                  <a:pt x="5494423" y="3717393"/>
+                  <a:pt x="5491137" y="3894879"/>
+                </a:cubicBezTo>
+                <a:cubicBezTo>
+                  <a:pt x="5487846" y="4072369"/>
+                  <a:pt x="5473878" y="4296695"/>
+                  <a:pt x="5449229" y="4567857"/>
+                </a:cubicBezTo>
+                <a:cubicBezTo>
+                  <a:pt x="5424575" y="4839022"/>
+                  <a:pt x="5387599" y="5081425"/>
+                  <a:pt x="5338296" y="5295065"/>
+                </a:cubicBezTo>
+                <a:cubicBezTo>
+                  <a:pt x="5312003" y="5415035"/>
+                  <a:pt x="5270507" y="5525554"/>
+                  <a:pt x="5213810" y="5626625"/>
+                </a:cubicBezTo>
+                <a:lnTo>
+                  <a:pt x="5194366" y="5655759"/>
+                </a:lnTo>
+                <a:lnTo>
+                  <a:pt x="0" y="5655759"/>
+                </a:lnTo>
+                <a:lnTo>
+                  <a:pt x="0" y="5017060"/>
+                </a:lnTo>
+                <a:lnTo>
+                  <a:pt x="56790" y="5038694"/>
+                </a:lnTo>
+                <a:cubicBezTo>
+                  <a:pt x="82263" y="5045267"/>
+                  <a:pt x="107325" y="5048553"/>
+                  <a:pt x="131974" y="5048553"/>
+                </a:cubicBezTo>
+                <a:cubicBezTo>
+                  <a:pt x="197713" y="5048553"/>
+                  <a:pt x="253589" y="5032121"/>
+                  <a:pt x="299602" y="4999254"/>
+                </a:cubicBezTo>
+                <a:lnTo>
+                  <a:pt x="2823880" y="3421578"/>
+                </a:lnTo>
+                <a:cubicBezTo>
+                  <a:pt x="2922487" y="3365702"/>
+                  <a:pt x="2971790" y="3276959"/>
+                  <a:pt x="2971790" y="3155348"/>
+                </a:cubicBezTo>
+                <a:cubicBezTo>
+                  <a:pt x="2971790" y="3033733"/>
+                  <a:pt x="2922487" y="2944990"/>
+                  <a:pt x="2823880" y="2889114"/>
+                </a:cubicBezTo>
+                <a:lnTo>
+                  <a:pt x="299602" y="1311443"/>
+                </a:lnTo>
+                <a:cubicBezTo>
+                  <a:pt x="248657" y="1278571"/>
+                  <a:pt x="196479" y="1261317"/>
+                  <a:pt x="143067" y="1259672"/>
+                </a:cubicBezTo>
+                <a:cubicBezTo>
+                  <a:pt x="116363" y="1258851"/>
+                  <a:pt x="89350" y="1261933"/>
+                  <a:pt x="62028" y="1268917"/>
+                </a:cubicBezTo>
+                <a:lnTo>
+                  <a:pt x="0" y="1293359"/>
+                </a:lnTo>
+                <a:lnTo>
+                  <a:pt x="0" y="8465"/>
+                </a:lnTo>
+                <a:lnTo>
+                  <a:pt x="41691" y="7704"/>
+                </a:lnTo>
+                <a:cubicBezTo>
+                  <a:pt x="364005" y="2568"/>
+                  <a:pt x="709635" y="0"/>
+                  <a:pt x="1078581" y="0"/>
+                </a:cubicBezTo>
+                <a:close/>
+              </a:path>
+            </a:pathLst>
+          </a:custGeom>
+          <a:solidFill>
+            <a:srgbClr val="FF0000"/>
+          </a:solidFill>
+          <a:ln>
+            <a:noFill/>
+          </a:ln>
+        </p:spPr>
+        <p:style>
+          <a:lnRef idx="2">
+            <a:schemeClr val="accent1">
+              <a:shade val="50000"/>
+            </a:schemeClr>
+          </a:lnRef>
+          <a:fillRef idx="1">
+            <a:schemeClr val="accent1"/>
+          </a:fillRef>
+          <a:effectRef idx="0">
+            <a:schemeClr val="accent1"/>
+          </a:effectRef>
+          <a:fontRef idx="minor">
+            <a:schemeClr val="lt1"/>
+          </a:fontRef>
+        </p:style>
+        <p:txBody>
+          <a:bodyPr wrap="square" rtlCol="0" anchor="ctr">
+            <a:noAutofit/>
+          </a:bodyPr>
+          <a:lstStyle/>
+          <a:p>
+            <a:pPr algn="ctr"/>
+            <a:endParaRPr lang="en-US"/>
+          </a:p>
+        </p:txBody>
+      </p:sp>
+    </p:spTree>
+    <p:extLst>
+      <p:ext uri="{BB962C8B-B14F-4D97-AF65-F5344CB8AC3E}">
+        <p14:creationId xmlns:p14="http://schemas.microsoft.com/office/powerpoint/2010/main" val="2151987141"/>
       </p:ext>
     </p:extLst>
   </p:cSld>
